--- a/Lectures/CITS1003-7 Security Management.pptx
+++ b/Lectures/CITS1003-7 Security Management.pptx
@@ -5,7 +5,7 @@
     <p:sldMasterId id="2147483763" r:id="rId1"/>
   </p:sldMasterIdLst>
   <p:notesMasterIdLst>
-    <p:notesMasterId r:id="rId32"/>
+    <p:notesMasterId r:id="rId30"/>
   </p:notesMasterIdLst>
   <p:sldIdLst>
     <p:sldId id="256" r:id="rId2"/>
@@ -16,28 +16,26 @@
     <p:sldId id="313" r:id="rId7"/>
     <p:sldId id="314" r:id="rId8"/>
     <p:sldId id="289" r:id="rId9"/>
-    <p:sldId id="312" r:id="rId10"/>
-    <p:sldId id="318" r:id="rId11"/>
-    <p:sldId id="317" r:id="rId12"/>
-    <p:sldId id="316" r:id="rId13"/>
-    <p:sldId id="291" r:id="rId14"/>
-    <p:sldId id="315" r:id="rId15"/>
-    <p:sldId id="293" r:id="rId16"/>
-    <p:sldId id="319" r:id="rId17"/>
-    <p:sldId id="320" r:id="rId18"/>
-    <p:sldId id="322" r:id="rId19"/>
-    <p:sldId id="321" r:id="rId20"/>
-    <p:sldId id="300" r:id="rId21"/>
-    <p:sldId id="323" r:id="rId22"/>
-    <p:sldId id="324" r:id="rId23"/>
-    <p:sldId id="325" r:id="rId24"/>
-    <p:sldId id="326" r:id="rId25"/>
-    <p:sldId id="327" r:id="rId26"/>
-    <p:sldId id="328" r:id="rId27"/>
-    <p:sldId id="302" r:id="rId28"/>
-    <p:sldId id="329" r:id="rId29"/>
-    <p:sldId id="330" r:id="rId30"/>
-    <p:sldId id="331" r:id="rId31"/>
+    <p:sldId id="318" r:id="rId10"/>
+    <p:sldId id="317" r:id="rId11"/>
+    <p:sldId id="316" r:id="rId12"/>
+    <p:sldId id="291" r:id="rId13"/>
+    <p:sldId id="315" r:id="rId14"/>
+    <p:sldId id="293" r:id="rId15"/>
+    <p:sldId id="319" r:id="rId16"/>
+    <p:sldId id="320" r:id="rId17"/>
+    <p:sldId id="322" r:id="rId18"/>
+    <p:sldId id="321" r:id="rId19"/>
+    <p:sldId id="300" r:id="rId20"/>
+    <p:sldId id="323" r:id="rId21"/>
+    <p:sldId id="324" r:id="rId22"/>
+    <p:sldId id="325" r:id="rId23"/>
+    <p:sldId id="326" r:id="rId24"/>
+    <p:sldId id="327" r:id="rId25"/>
+    <p:sldId id="328" r:id="rId26"/>
+    <p:sldId id="302" r:id="rId27"/>
+    <p:sldId id="329" r:id="rId28"/>
+    <p:sldId id="330" r:id="rId29"/>
   </p:sldIdLst>
   <p:sldSz cx="12192000" cy="6858000"/>
   <p:notesSz cx="6858000" cy="9144000"/>
@@ -1397,7 +1395,7 @@
   <dgm:whole/>
   <dgm:extLst>
     <a:ext uri="http://schemas.microsoft.com/office/drawing/2008/diagram">
-      <dsp:dataModelExt xmlns:dsp="http://schemas.microsoft.com/office/drawing/2008/diagram" relId="rId8" minVer="http://schemas.openxmlformats.org/drawingml/2006/diagram"/>
+      <dsp:dataModelExt xmlns:dsp="http://schemas.microsoft.com/office/drawing/2008/diagram" relId="rId9" minVer="http://schemas.openxmlformats.org/drawingml/2006/diagram"/>
     </a:ext>
   </dgm:extLst>
 </dgm:dataModel>
@@ -3281,7 +3279,7 @@
           <a:p>
             <a:fld id="{6D6D7260-B7E4-B548-BD1F-84ED14536037}" type="datetimeFigureOut">
               <a:rPr lang="en-AU" smtClean="0"/>
-              <a:t>30/4/21</a:t>
+              <a:t>12/8/21</a:t>
             </a:fld>
             <a:endParaRPr lang="en-AU"/>
           </a:p>
@@ -3549,6 +3547,2358 @@
 </p:notesMaster>
 </file>
 
+<file path=ppt/notesSlides/notesSlide1.xml><?xml version="1.0" encoding="utf-8"?>
+<p:notes xmlns:a="http://schemas.openxmlformats.org/drawingml/2006/main" xmlns:r="http://schemas.openxmlformats.org/officeDocument/2006/relationships" xmlns:p="http://schemas.openxmlformats.org/presentationml/2006/main">
+  <p:cSld>
+    <p:spTree>
+      <p:nvGrpSpPr>
+        <p:cNvPr id="1" name=""/>
+        <p:cNvGrpSpPr/>
+        <p:nvPr/>
+      </p:nvGrpSpPr>
+      <p:grpSpPr>
+        <a:xfrm>
+          <a:off x="0" y="0"/>
+          <a:ext cx="0" cy="0"/>
+          <a:chOff x="0" y="0"/>
+          <a:chExt cx="0" cy="0"/>
+        </a:xfrm>
+      </p:grpSpPr>
+      <p:sp>
+        <p:nvSpPr>
+          <p:cNvPr id="2" name="Slide Image Placeholder 1"/>
+          <p:cNvSpPr>
+            <a:spLocks noGrp="1" noRot="1" noChangeAspect="1"/>
+          </p:cNvSpPr>
+          <p:nvPr>
+            <p:ph type="sldImg"/>
+          </p:nvPr>
+        </p:nvSpPr>
+        <p:spPr/>
+      </p:sp>
+      <p:sp>
+        <p:nvSpPr>
+          <p:cNvPr id="3" name="Notes Placeholder 2"/>
+          <p:cNvSpPr>
+            <a:spLocks noGrp="1"/>
+          </p:cNvSpPr>
+          <p:nvPr>
+            <p:ph type="body" idx="1"/>
+          </p:nvPr>
+        </p:nvSpPr>
+        <p:spPr/>
+        <p:txBody>
+          <a:bodyPr/>
+          <a:lstStyle/>
+          <a:p>
+            <a:endParaRPr lang="en-AU"/>
+          </a:p>
+        </p:txBody>
+      </p:sp>
+      <p:sp>
+        <p:nvSpPr>
+          <p:cNvPr id="4" name="Slide Number Placeholder 3"/>
+          <p:cNvSpPr>
+            <a:spLocks noGrp="1"/>
+          </p:cNvSpPr>
+          <p:nvPr>
+            <p:ph type="sldNum" sz="quarter" idx="5"/>
+          </p:nvPr>
+        </p:nvSpPr>
+        <p:spPr/>
+        <p:txBody>
+          <a:bodyPr/>
+          <a:lstStyle/>
+          <a:p>
+            <a:fld id="{DF030C05-EF6C-9847-8923-580D76870F8E}" type="slidenum">
+              <a:rPr lang="en-AU" smtClean="0"/>
+              <a:t>1</a:t>
+            </a:fld>
+            <a:endParaRPr lang="en-AU"/>
+          </a:p>
+        </p:txBody>
+      </p:sp>
+    </p:spTree>
+    <p:extLst>
+      <p:ext uri="{BB962C8B-B14F-4D97-AF65-F5344CB8AC3E}">
+        <p14:creationId xmlns:p14="http://schemas.microsoft.com/office/powerpoint/2010/main" val="1394681665"/>
+      </p:ext>
+    </p:extLst>
+  </p:cSld>
+  <p:clrMapOvr>
+    <a:masterClrMapping/>
+  </p:clrMapOvr>
+</p:notes>
+</file>
+
+<file path=ppt/notesSlides/notesSlide10.xml><?xml version="1.0" encoding="utf-8"?>
+<p:notes xmlns:a="http://schemas.openxmlformats.org/drawingml/2006/main" xmlns:r="http://schemas.openxmlformats.org/officeDocument/2006/relationships" xmlns:p="http://schemas.openxmlformats.org/presentationml/2006/main">
+  <p:cSld>
+    <p:spTree>
+      <p:nvGrpSpPr>
+        <p:cNvPr id="1" name=""/>
+        <p:cNvGrpSpPr/>
+        <p:nvPr/>
+      </p:nvGrpSpPr>
+      <p:grpSpPr>
+        <a:xfrm>
+          <a:off x="0" y="0"/>
+          <a:ext cx="0" cy="0"/>
+          <a:chOff x="0" y="0"/>
+          <a:chExt cx="0" cy="0"/>
+        </a:xfrm>
+      </p:grpSpPr>
+      <p:sp>
+        <p:nvSpPr>
+          <p:cNvPr id="2" name="Slide Image Placeholder 1"/>
+          <p:cNvSpPr>
+            <a:spLocks noGrp="1" noRot="1" noChangeAspect="1"/>
+          </p:cNvSpPr>
+          <p:nvPr>
+            <p:ph type="sldImg"/>
+          </p:nvPr>
+        </p:nvSpPr>
+        <p:spPr/>
+      </p:sp>
+      <p:sp>
+        <p:nvSpPr>
+          <p:cNvPr id="3" name="Notes Placeholder 2"/>
+          <p:cNvSpPr>
+            <a:spLocks noGrp="1"/>
+          </p:cNvSpPr>
+          <p:nvPr>
+            <p:ph type="body" idx="1"/>
+          </p:nvPr>
+        </p:nvSpPr>
+        <p:spPr/>
+        <p:txBody>
+          <a:bodyPr/>
+          <a:lstStyle/>
+          <a:p>
+            <a:endParaRPr lang="en-AU"/>
+          </a:p>
+        </p:txBody>
+      </p:sp>
+      <p:sp>
+        <p:nvSpPr>
+          <p:cNvPr id="4" name="Slide Number Placeholder 3"/>
+          <p:cNvSpPr>
+            <a:spLocks noGrp="1"/>
+          </p:cNvSpPr>
+          <p:nvPr>
+            <p:ph type="sldNum" sz="quarter" idx="5"/>
+          </p:nvPr>
+        </p:nvSpPr>
+        <p:spPr/>
+        <p:txBody>
+          <a:bodyPr/>
+          <a:lstStyle/>
+          <a:p>
+            <a:fld id="{DF030C05-EF6C-9847-8923-580D76870F8E}" type="slidenum">
+              <a:rPr lang="en-AU" smtClean="0"/>
+              <a:t>10</a:t>
+            </a:fld>
+            <a:endParaRPr lang="en-AU"/>
+          </a:p>
+        </p:txBody>
+      </p:sp>
+    </p:spTree>
+    <p:extLst>
+      <p:ext uri="{BB962C8B-B14F-4D97-AF65-F5344CB8AC3E}">
+        <p14:creationId xmlns:p14="http://schemas.microsoft.com/office/powerpoint/2010/main" val="1416136401"/>
+      </p:ext>
+    </p:extLst>
+  </p:cSld>
+  <p:clrMapOvr>
+    <a:masterClrMapping/>
+  </p:clrMapOvr>
+</p:notes>
+</file>
+
+<file path=ppt/notesSlides/notesSlide11.xml><?xml version="1.0" encoding="utf-8"?>
+<p:notes xmlns:a="http://schemas.openxmlformats.org/drawingml/2006/main" xmlns:r="http://schemas.openxmlformats.org/officeDocument/2006/relationships" xmlns:p="http://schemas.openxmlformats.org/presentationml/2006/main">
+  <p:cSld>
+    <p:spTree>
+      <p:nvGrpSpPr>
+        <p:cNvPr id="1" name=""/>
+        <p:cNvGrpSpPr/>
+        <p:nvPr/>
+      </p:nvGrpSpPr>
+      <p:grpSpPr>
+        <a:xfrm>
+          <a:off x="0" y="0"/>
+          <a:ext cx="0" cy="0"/>
+          <a:chOff x="0" y="0"/>
+          <a:chExt cx="0" cy="0"/>
+        </a:xfrm>
+      </p:grpSpPr>
+      <p:sp>
+        <p:nvSpPr>
+          <p:cNvPr id="2" name="Slide Image Placeholder 1"/>
+          <p:cNvSpPr>
+            <a:spLocks noGrp="1" noRot="1" noChangeAspect="1"/>
+          </p:cNvSpPr>
+          <p:nvPr>
+            <p:ph type="sldImg"/>
+          </p:nvPr>
+        </p:nvSpPr>
+        <p:spPr/>
+      </p:sp>
+      <p:sp>
+        <p:nvSpPr>
+          <p:cNvPr id="3" name="Notes Placeholder 2"/>
+          <p:cNvSpPr>
+            <a:spLocks noGrp="1"/>
+          </p:cNvSpPr>
+          <p:nvPr>
+            <p:ph type="body" idx="1"/>
+          </p:nvPr>
+        </p:nvSpPr>
+        <p:spPr/>
+        <p:txBody>
+          <a:bodyPr/>
+          <a:lstStyle/>
+          <a:p>
+            <a:endParaRPr lang="en-AU"/>
+          </a:p>
+        </p:txBody>
+      </p:sp>
+      <p:sp>
+        <p:nvSpPr>
+          <p:cNvPr id="4" name="Slide Number Placeholder 3"/>
+          <p:cNvSpPr>
+            <a:spLocks noGrp="1"/>
+          </p:cNvSpPr>
+          <p:nvPr>
+            <p:ph type="sldNum" sz="quarter" idx="5"/>
+          </p:nvPr>
+        </p:nvSpPr>
+        <p:spPr/>
+        <p:txBody>
+          <a:bodyPr/>
+          <a:lstStyle/>
+          <a:p>
+            <a:fld id="{DF030C05-EF6C-9847-8923-580D76870F8E}" type="slidenum">
+              <a:rPr lang="en-AU" smtClean="0"/>
+              <a:t>11</a:t>
+            </a:fld>
+            <a:endParaRPr lang="en-AU"/>
+          </a:p>
+        </p:txBody>
+      </p:sp>
+    </p:spTree>
+    <p:extLst>
+      <p:ext uri="{BB962C8B-B14F-4D97-AF65-F5344CB8AC3E}">
+        <p14:creationId xmlns:p14="http://schemas.microsoft.com/office/powerpoint/2010/main" val="2969494091"/>
+      </p:ext>
+    </p:extLst>
+  </p:cSld>
+  <p:clrMapOvr>
+    <a:masterClrMapping/>
+  </p:clrMapOvr>
+</p:notes>
+</file>
+
+<file path=ppt/notesSlides/notesSlide12.xml><?xml version="1.0" encoding="utf-8"?>
+<p:notes xmlns:a="http://schemas.openxmlformats.org/drawingml/2006/main" xmlns:r="http://schemas.openxmlformats.org/officeDocument/2006/relationships" xmlns:p="http://schemas.openxmlformats.org/presentationml/2006/main">
+  <p:cSld>
+    <p:spTree>
+      <p:nvGrpSpPr>
+        <p:cNvPr id="1" name=""/>
+        <p:cNvGrpSpPr/>
+        <p:nvPr/>
+      </p:nvGrpSpPr>
+      <p:grpSpPr>
+        <a:xfrm>
+          <a:off x="0" y="0"/>
+          <a:ext cx="0" cy="0"/>
+          <a:chOff x="0" y="0"/>
+          <a:chExt cx="0" cy="0"/>
+        </a:xfrm>
+      </p:grpSpPr>
+      <p:sp>
+        <p:nvSpPr>
+          <p:cNvPr id="2" name="Slide Image Placeholder 1"/>
+          <p:cNvSpPr>
+            <a:spLocks noGrp="1" noRot="1" noChangeAspect="1"/>
+          </p:cNvSpPr>
+          <p:nvPr>
+            <p:ph type="sldImg"/>
+          </p:nvPr>
+        </p:nvSpPr>
+        <p:spPr/>
+      </p:sp>
+      <p:sp>
+        <p:nvSpPr>
+          <p:cNvPr id="3" name="Notes Placeholder 2"/>
+          <p:cNvSpPr>
+            <a:spLocks noGrp="1"/>
+          </p:cNvSpPr>
+          <p:nvPr>
+            <p:ph type="body" idx="1"/>
+          </p:nvPr>
+        </p:nvSpPr>
+        <p:spPr/>
+        <p:txBody>
+          <a:bodyPr/>
+          <a:lstStyle/>
+          <a:p>
+            <a:endParaRPr lang="en-AU"/>
+          </a:p>
+        </p:txBody>
+      </p:sp>
+      <p:sp>
+        <p:nvSpPr>
+          <p:cNvPr id="4" name="Slide Number Placeholder 3"/>
+          <p:cNvSpPr>
+            <a:spLocks noGrp="1"/>
+          </p:cNvSpPr>
+          <p:nvPr>
+            <p:ph type="sldNum" sz="quarter" idx="5"/>
+          </p:nvPr>
+        </p:nvSpPr>
+        <p:spPr/>
+        <p:txBody>
+          <a:bodyPr/>
+          <a:lstStyle/>
+          <a:p>
+            <a:fld id="{DF030C05-EF6C-9847-8923-580D76870F8E}" type="slidenum">
+              <a:rPr lang="en-AU" smtClean="0"/>
+              <a:t>12</a:t>
+            </a:fld>
+            <a:endParaRPr lang="en-AU"/>
+          </a:p>
+        </p:txBody>
+      </p:sp>
+    </p:spTree>
+    <p:extLst>
+      <p:ext uri="{BB962C8B-B14F-4D97-AF65-F5344CB8AC3E}">
+        <p14:creationId xmlns:p14="http://schemas.microsoft.com/office/powerpoint/2010/main" val="3699017877"/>
+      </p:ext>
+    </p:extLst>
+  </p:cSld>
+  <p:clrMapOvr>
+    <a:masterClrMapping/>
+  </p:clrMapOvr>
+</p:notes>
+</file>
+
+<file path=ppt/notesSlides/notesSlide13.xml><?xml version="1.0" encoding="utf-8"?>
+<p:notes xmlns:a="http://schemas.openxmlformats.org/drawingml/2006/main" xmlns:r="http://schemas.openxmlformats.org/officeDocument/2006/relationships" xmlns:p="http://schemas.openxmlformats.org/presentationml/2006/main">
+  <p:cSld>
+    <p:spTree>
+      <p:nvGrpSpPr>
+        <p:cNvPr id="1" name=""/>
+        <p:cNvGrpSpPr/>
+        <p:nvPr/>
+      </p:nvGrpSpPr>
+      <p:grpSpPr>
+        <a:xfrm>
+          <a:off x="0" y="0"/>
+          <a:ext cx="0" cy="0"/>
+          <a:chOff x="0" y="0"/>
+          <a:chExt cx="0" cy="0"/>
+        </a:xfrm>
+      </p:grpSpPr>
+      <p:sp>
+        <p:nvSpPr>
+          <p:cNvPr id="2" name="Slide Image Placeholder 1"/>
+          <p:cNvSpPr>
+            <a:spLocks noGrp="1" noRot="1" noChangeAspect="1"/>
+          </p:cNvSpPr>
+          <p:nvPr>
+            <p:ph type="sldImg"/>
+          </p:nvPr>
+        </p:nvSpPr>
+        <p:spPr/>
+      </p:sp>
+      <p:sp>
+        <p:nvSpPr>
+          <p:cNvPr id="3" name="Notes Placeholder 2"/>
+          <p:cNvSpPr>
+            <a:spLocks noGrp="1"/>
+          </p:cNvSpPr>
+          <p:nvPr>
+            <p:ph type="body" idx="1"/>
+          </p:nvPr>
+        </p:nvSpPr>
+        <p:spPr/>
+        <p:txBody>
+          <a:bodyPr/>
+          <a:lstStyle/>
+          <a:p>
+            <a:endParaRPr lang="en-AU"/>
+          </a:p>
+        </p:txBody>
+      </p:sp>
+      <p:sp>
+        <p:nvSpPr>
+          <p:cNvPr id="4" name="Slide Number Placeholder 3"/>
+          <p:cNvSpPr>
+            <a:spLocks noGrp="1"/>
+          </p:cNvSpPr>
+          <p:nvPr>
+            <p:ph type="sldNum" sz="quarter" idx="5"/>
+          </p:nvPr>
+        </p:nvSpPr>
+        <p:spPr/>
+        <p:txBody>
+          <a:bodyPr/>
+          <a:lstStyle/>
+          <a:p>
+            <a:fld id="{DF030C05-EF6C-9847-8923-580D76870F8E}" type="slidenum">
+              <a:rPr lang="en-AU" smtClean="0"/>
+              <a:t>13</a:t>
+            </a:fld>
+            <a:endParaRPr lang="en-AU"/>
+          </a:p>
+        </p:txBody>
+      </p:sp>
+    </p:spTree>
+    <p:extLst>
+      <p:ext uri="{BB962C8B-B14F-4D97-AF65-F5344CB8AC3E}">
+        <p14:creationId xmlns:p14="http://schemas.microsoft.com/office/powerpoint/2010/main" val="1765234684"/>
+      </p:ext>
+    </p:extLst>
+  </p:cSld>
+  <p:clrMapOvr>
+    <a:masterClrMapping/>
+  </p:clrMapOvr>
+</p:notes>
+</file>
+
+<file path=ppt/notesSlides/notesSlide14.xml><?xml version="1.0" encoding="utf-8"?>
+<p:notes xmlns:a="http://schemas.openxmlformats.org/drawingml/2006/main" xmlns:r="http://schemas.openxmlformats.org/officeDocument/2006/relationships" xmlns:p="http://schemas.openxmlformats.org/presentationml/2006/main">
+  <p:cSld>
+    <p:spTree>
+      <p:nvGrpSpPr>
+        <p:cNvPr id="1" name=""/>
+        <p:cNvGrpSpPr/>
+        <p:nvPr/>
+      </p:nvGrpSpPr>
+      <p:grpSpPr>
+        <a:xfrm>
+          <a:off x="0" y="0"/>
+          <a:ext cx="0" cy="0"/>
+          <a:chOff x="0" y="0"/>
+          <a:chExt cx="0" cy="0"/>
+        </a:xfrm>
+      </p:grpSpPr>
+      <p:sp>
+        <p:nvSpPr>
+          <p:cNvPr id="2" name="Slide Image Placeholder 1"/>
+          <p:cNvSpPr>
+            <a:spLocks noGrp="1" noRot="1" noChangeAspect="1"/>
+          </p:cNvSpPr>
+          <p:nvPr>
+            <p:ph type="sldImg"/>
+          </p:nvPr>
+        </p:nvSpPr>
+        <p:spPr/>
+      </p:sp>
+      <p:sp>
+        <p:nvSpPr>
+          <p:cNvPr id="3" name="Notes Placeholder 2"/>
+          <p:cNvSpPr>
+            <a:spLocks noGrp="1"/>
+          </p:cNvSpPr>
+          <p:nvPr>
+            <p:ph type="body" idx="1"/>
+          </p:nvPr>
+        </p:nvSpPr>
+        <p:spPr/>
+        <p:txBody>
+          <a:bodyPr/>
+          <a:lstStyle/>
+          <a:p>
+            <a:endParaRPr lang="en-AU"/>
+          </a:p>
+        </p:txBody>
+      </p:sp>
+      <p:sp>
+        <p:nvSpPr>
+          <p:cNvPr id="4" name="Slide Number Placeholder 3"/>
+          <p:cNvSpPr>
+            <a:spLocks noGrp="1"/>
+          </p:cNvSpPr>
+          <p:nvPr>
+            <p:ph type="sldNum" sz="quarter" idx="5"/>
+          </p:nvPr>
+        </p:nvSpPr>
+        <p:spPr/>
+        <p:txBody>
+          <a:bodyPr/>
+          <a:lstStyle/>
+          <a:p>
+            <a:fld id="{DF030C05-EF6C-9847-8923-580D76870F8E}" type="slidenum">
+              <a:rPr lang="en-AU" smtClean="0"/>
+              <a:t>14</a:t>
+            </a:fld>
+            <a:endParaRPr lang="en-AU"/>
+          </a:p>
+        </p:txBody>
+      </p:sp>
+    </p:spTree>
+    <p:extLst>
+      <p:ext uri="{BB962C8B-B14F-4D97-AF65-F5344CB8AC3E}">
+        <p14:creationId xmlns:p14="http://schemas.microsoft.com/office/powerpoint/2010/main" val="919606208"/>
+      </p:ext>
+    </p:extLst>
+  </p:cSld>
+  <p:clrMapOvr>
+    <a:masterClrMapping/>
+  </p:clrMapOvr>
+</p:notes>
+</file>
+
+<file path=ppt/notesSlides/notesSlide15.xml><?xml version="1.0" encoding="utf-8"?>
+<p:notes xmlns:a="http://schemas.openxmlformats.org/drawingml/2006/main" xmlns:r="http://schemas.openxmlformats.org/officeDocument/2006/relationships" xmlns:p="http://schemas.openxmlformats.org/presentationml/2006/main">
+  <p:cSld>
+    <p:spTree>
+      <p:nvGrpSpPr>
+        <p:cNvPr id="1" name=""/>
+        <p:cNvGrpSpPr/>
+        <p:nvPr/>
+      </p:nvGrpSpPr>
+      <p:grpSpPr>
+        <a:xfrm>
+          <a:off x="0" y="0"/>
+          <a:ext cx="0" cy="0"/>
+          <a:chOff x="0" y="0"/>
+          <a:chExt cx="0" cy="0"/>
+        </a:xfrm>
+      </p:grpSpPr>
+      <p:sp>
+        <p:nvSpPr>
+          <p:cNvPr id="2" name="Slide Image Placeholder 1"/>
+          <p:cNvSpPr>
+            <a:spLocks noGrp="1" noRot="1" noChangeAspect="1"/>
+          </p:cNvSpPr>
+          <p:nvPr>
+            <p:ph type="sldImg"/>
+          </p:nvPr>
+        </p:nvSpPr>
+        <p:spPr/>
+      </p:sp>
+      <p:sp>
+        <p:nvSpPr>
+          <p:cNvPr id="3" name="Notes Placeholder 2"/>
+          <p:cNvSpPr>
+            <a:spLocks noGrp="1"/>
+          </p:cNvSpPr>
+          <p:nvPr>
+            <p:ph type="body" idx="1"/>
+          </p:nvPr>
+        </p:nvSpPr>
+        <p:spPr/>
+        <p:txBody>
+          <a:bodyPr/>
+          <a:lstStyle/>
+          <a:p>
+            <a:endParaRPr lang="en-AU"/>
+          </a:p>
+        </p:txBody>
+      </p:sp>
+      <p:sp>
+        <p:nvSpPr>
+          <p:cNvPr id="4" name="Slide Number Placeholder 3"/>
+          <p:cNvSpPr>
+            <a:spLocks noGrp="1"/>
+          </p:cNvSpPr>
+          <p:nvPr>
+            <p:ph type="sldNum" sz="quarter" idx="5"/>
+          </p:nvPr>
+        </p:nvSpPr>
+        <p:spPr/>
+        <p:txBody>
+          <a:bodyPr/>
+          <a:lstStyle/>
+          <a:p>
+            <a:fld id="{DF030C05-EF6C-9847-8923-580D76870F8E}" type="slidenum">
+              <a:rPr lang="en-AU" smtClean="0"/>
+              <a:t>15</a:t>
+            </a:fld>
+            <a:endParaRPr lang="en-AU"/>
+          </a:p>
+        </p:txBody>
+      </p:sp>
+    </p:spTree>
+    <p:extLst>
+      <p:ext uri="{BB962C8B-B14F-4D97-AF65-F5344CB8AC3E}">
+        <p14:creationId xmlns:p14="http://schemas.microsoft.com/office/powerpoint/2010/main" val="2583300228"/>
+      </p:ext>
+    </p:extLst>
+  </p:cSld>
+  <p:clrMapOvr>
+    <a:masterClrMapping/>
+  </p:clrMapOvr>
+</p:notes>
+</file>
+
+<file path=ppt/notesSlides/notesSlide16.xml><?xml version="1.0" encoding="utf-8"?>
+<p:notes xmlns:a="http://schemas.openxmlformats.org/drawingml/2006/main" xmlns:r="http://schemas.openxmlformats.org/officeDocument/2006/relationships" xmlns:p="http://schemas.openxmlformats.org/presentationml/2006/main">
+  <p:cSld>
+    <p:spTree>
+      <p:nvGrpSpPr>
+        <p:cNvPr id="1" name=""/>
+        <p:cNvGrpSpPr/>
+        <p:nvPr/>
+      </p:nvGrpSpPr>
+      <p:grpSpPr>
+        <a:xfrm>
+          <a:off x="0" y="0"/>
+          <a:ext cx="0" cy="0"/>
+          <a:chOff x="0" y="0"/>
+          <a:chExt cx="0" cy="0"/>
+        </a:xfrm>
+      </p:grpSpPr>
+      <p:sp>
+        <p:nvSpPr>
+          <p:cNvPr id="2" name="Slide Image Placeholder 1"/>
+          <p:cNvSpPr>
+            <a:spLocks noGrp="1" noRot="1" noChangeAspect="1"/>
+          </p:cNvSpPr>
+          <p:nvPr>
+            <p:ph type="sldImg"/>
+          </p:nvPr>
+        </p:nvSpPr>
+        <p:spPr/>
+      </p:sp>
+      <p:sp>
+        <p:nvSpPr>
+          <p:cNvPr id="3" name="Notes Placeholder 2"/>
+          <p:cNvSpPr>
+            <a:spLocks noGrp="1"/>
+          </p:cNvSpPr>
+          <p:nvPr>
+            <p:ph type="body" idx="1"/>
+          </p:nvPr>
+        </p:nvSpPr>
+        <p:spPr/>
+        <p:txBody>
+          <a:bodyPr/>
+          <a:lstStyle/>
+          <a:p>
+            <a:endParaRPr lang="en-AU"/>
+          </a:p>
+        </p:txBody>
+      </p:sp>
+      <p:sp>
+        <p:nvSpPr>
+          <p:cNvPr id="4" name="Slide Number Placeholder 3"/>
+          <p:cNvSpPr>
+            <a:spLocks noGrp="1"/>
+          </p:cNvSpPr>
+          <p:nvPr>
+            <p:ph type="sldNum" sz="quarter" idx="5"/>
+          </p:nvPr>
+        </p:nvSpPr>
+        <p:spPr/>
+        <p:txBody>
+          <a:bodyPr/>
+          <a:lstStyle/>
+          <a:p>
+            <a:fld id="{DF030C05-EF6C-9847-8923-580D76870F8E}" type="slidenum">
+              <a:rPr lang="en-AU" smtClean="0"/>
+              <a:t>16</a:t>
+            </a:fld>
+            <a:endParaRPr lang="en-AU"/>
+          </a:p>
+        </p:txBody>
+      </p:sp>
+    </p:spTree>
+    <p:extLst>
+      <p:ext uri="{BB962C8B-B14F-4D97-AF65-F5344CB8AC3E}">
+        <p14:creationId xmlns:p14="http://schemas.microsoft.com/office/powerpoint/2010/main" val="4144603057"/>
+      </p:ext>
+    </p:extLst>
+  </p:cSld>
+  <p:clrMapOvr>
+    <a:masterClrMapping/>
+  </p:clrMapOvr>
+</p:notes>
+</file>
+
+<file path=ppt/notesSlides/notesSlide17.xml><?xml version="1.0" encoding="utf-8"?>
+<p:notes xmlns:a="http://schemas.openxmlformats.org/drawingml/2006/main" xmlns:r="http://schemas.openxmlformats.org/officeDocument/2006/relationships" xmlns:p="http://schemas.openxmlformats.org/presentationml/2006/main">
+  <p:cSld>
+    <p:spTree>
+      <p:nvGrpSpPr>
+        <p:cNvPr id="1" name=""/>
+        <p:cNvGrpSpPr/>
+        <p:nvPr/>
+      </p:nvGrpSpPr>
+      <p:grpSpPr>
+        <a:xfrm>
+          <a:off x="0" y="0"/>
+          <a:ext cx="0" cy="0"/>
+          <a:chOff x="0" y="0"/>
+          <a:chExt cx="0" cy="0"/>
+        </a:xfrm>
+      </p:grpSpPr>
+      <p:sp>
+        <p:nvSpPr>
+          <p:cNvPr id="2" name="Slide Image Placeholder 1"/>
+          <p:cNvSpPr>
+            <a:spLocks noGrp="1" noRot="1" noChangeAspect="1"/>
+          </p:cNvSpPr>
+          <p:nvPr>
+            <p:ph type="sldImg"/>
+          </p:nvPr>
+        </p:nvSpPr>
+        <p:spPr/>
+      </p:sp>
+      <p:sp>
+        <p:nvSpPr>
+          <p:cNvPr id="3" name="Notes Placeholder 2"/>
+          <p:cNvSpPr>
+            <a:spLocks noGrp="1"/>
+          </p:cNvSpPr>
+          <p:nvPr>
+            <p:ph type="body" idx="1"/>
+          </p:nvPr>
+        </p:nvSpPr>
+        <p:spPr/>
+        <p:txBody>
+          <a:bodyPr/>
+          <a:lstStyle/>
+          <a:p>
+            <a:endParaRPr lang="en-AU"/>
+          </a:p>
+        </p:txBody>
+      </p:sp>
+      <p:sp>
+        <p:nvSpPr>
+          <p:cNvPr id="4" name="Slide Number Placeholder 3"/>
+          <p:cNvSpPr>
+            <a:spLocks noGrp="1"/>
+          </p:cNvSpPr>
+          <p:nvPr>
+            <p:ph type="sldNum" sz="quarter" idx="5"/>
+          </p:nvPr>
+        </p:nvSpPr>
+        <p:spPr/>
+        <p:txBody>
+          <a:bodyPr/>
+          <a:lstStyle/>
+          <a:p>
+            <a:fld id="{DF030C05-EF6C-9847-8923-580D76870F8E}" type="slidenum">
+              <a:rPr lang="en-AU" smtClean="0"/>
+              <a:t>17</a:t>
+            </a:fld>
+            <a:endParaRPr lang="en-AU"/>
+          </a:p>
+        </p:txBody>
+      </p:sp>
+    </p:spTree>
+    <p:extLst>
+      <p:ext uri="{BB962C8B-B14F-4D97-AF65-F5344CB8AC3E}">
+        <p14:creationId xmlns:p14="http://schemas.microsoft.com/office/powerpoint/2010/main" val="403582662"/>
+      </p:ext>
+    </p:extLst>
+  </p:cSld>
+  <p:clrMapOvr>
+    <a:masterClrMapping/>
+  </p:clrMapOvr>
+</p:notes>
+</file>
+
+<file path=ppt/notesSlides/notesSlide18.xml><?xml version="1.0" encoding="utf-8"?>
+<p:notes xmlns:a="http://schemas.openxmlformats.org/drawingml/2006/main" xmlns:r="http://schemas.openxmlformats.org/officeDocument/2006/relationships" xmlns:p="http://schemas.openxmlformats.org/presentationml/2006/main">
+  <p:cSld>
+    <p:spTree>
+      <p:nvGrpSpPr>
+        <p:cNvPr id="1" name=""/>
+        <p:cNvGrpSpPr/>
+        <p:nvPr/>
+      </p:nvGrpSpPr>
+      <p:grpSpPr>
+        <a:xfrm>
+          <a:off x="0" y="0"/>
+          <a:ext cx="0" cy="0"/>
+          <a:chOff x="0" y="0"/>
+          <a:chExt cx="0" cy="0"/>
+        </a:xfrm>
+      </p:grpSpPr>
+      <p:sp>
+        <p:nvSpPr>
+          <p:cNvPr id="2" name="Slide Image Placeholder 1"/>
+          <p:cNvSpPr>
+            <a:spLocks noGrp="1" noRot="1" noChangeAspect="1"/>
+          </p:cNvSpPr>
+          <p:nvPr>
+            <p:ph type="sldImg"/>
+          </p:nvPr>
+        </p:nvSpPr>
+        <p:spPr/>
+      </p:sp>
+      <p:sp>
+        <p:nvSpPr>
+          <p:cNvPr id="3" name="Notes Placeholder 2"/>
+          <p:cNvSpPr>
+            <a:spLocks noGrp="1"/>
+          </p:cNvSpPr>
+          <p:nvPr>
+            <p:ph type="body" idx="1"/>
+          </p:nvPr>
+        </p:nvSpPr>
+        <p:spPr/>
+        <p:txBody>
+          <a:bodyPr/>
+          <a:lstStyle/>
+          <a:p>
+            <a:endParaRPr lang="en-AU"/>
+          </a:p>
+        </p:txBody>
+      </p:sp>
+      <p:sp>
+        <p:nvSpPr>
+          <p:cNvPr id="4" name="Slide Number Placeholder 3"/>
+          <p:cNvSpPr>
+            <a:spLocks noGrp="1"/>
+          </p:cNvSpPr>
+          <p:nvPr>
+            <p:ph type="sldNum" sz="quarter" idx="5"/>
+          </p:nvPr>
+        </p:nvSpPr>
+        <p:spPr/>
+        <p:txBody>
+          <a:bodyPr/>
+          <a:lstStyle/>
+          <a:p>
+            <a:fld id="{DF030C05-EF6C-9847-8923-580D76870F8E}" type="slidenum">
+              <a:rPr lang="en-AU" smtClean="0"/>
+              <a:t>18</a:t>
+            </a:fld>
+            <a:endParaRPr lang="en-AU"/>
+          </a:p>
+        </p:txBody>
+      </p:sp>
+    </p:spTree>
+    <p:extLst>
+      <p:ext uri="{BB962C8B-B14F-4D97-AF65-F5344CB8AC3E}">
+        <p14:creationId xmlns:p14="http://schemas.microsoft.com/office/powerpoint/2010/main" val="1963808042"/>
+      </p:ext>
+    </p:extLst>
+  </p:cSld>
+  <p:clrMapOvr>
+    <a:masterClrMapping/>
+  </p:clrMapOvr>
+</p:notes>
+</file>
+
+<file path=ppt/notesSlides/notesSlide19.xml><?xml version="1.0" encoding="utf-8"?>
+<p:notes xmlns:a="http://schemas.openxmlformats.org/drawingml/2006/main" xmlns:r="http://schemas.openxmlformats.org/officeDocument/2006/relationships" xmlns:p="http://schemas.openxmlformats.org/presentationml/2006/main">
+  <p:cSld>
+    <p:spTree>
+      <p:nvGrpSpPr>
+        <p:cNvPr id="1" name=""/>
+        <p:cNvGrpSpPr/>
+        <p:nvPr/>
+      </p:nvGrpSpPr>
+      <p:grpSpPr>
+        <a:xfrm>
+          <a:off x="0" y="0"/>
+          <a:ext cx="0" cy="0"/>
+          <a:chOff x="0" y="0"/>
+          <a:chExt cx="0" cy="0"/>
+        </a:xfrm>
+      </p:grpSpPr>
+      <p:sp>
+        <p:nvSpPr>
+          <p:cNvPr id="2" name="Slide Image Placeholder 1"/>
+          <p:cNvSpPr>
+            <a:spLocks noGrp="1" noRot="1" noChangeAspect="1"/>
+          </p:cNvSpPr>
+          <p:nvPr>
+            <p:ph type="sldImg"/>
+          </p:nvPr>
+        </p:nvSpPr>
+        <p:spPr/>
+      </p:sp>
+      <p:sp>
+        <p:nvSpPr>
+          <p:cNvPr id="3" name="Notes Placeholder 2"/>
+          <p:cNvSpPr>
+            <a:spLocks noGrp="1"/>
+          </p:cNvSpPr>
+          <p:nvPr>
+            <p:ph type="body" idx="1"/>
+          </p:nvPr>
+        </p:nvSpPr>
+        <p:spPr/>
+        <p:txBody>
+          <a:bodyPr/>
+          <a:lstStyle/>
+          <a:p>
+            <a:endParaRPr lang="en-AU"/>
+          </a:p>
+        </p:txBody>
+      </p:sp>
+      <p:sp>
+        <p:nvSpPr>
+          <p:cNvPr id="4" name="Slide Number Placeholder 3"/>
+          <p:cNvSpPr>
+            <a:spLocks noGrp="1"/>
+          </p:cNvSpPr>
+          <p:nvPr>
+            <p:ph type="sldNum" sz="quarter" idx="5"/>
+          </p:nvPr>
+        </p:nvSpPr>
+        <p:spPr/>
+        <p:txBody>
+          <a:bodyPr/>
+          <a:lstStyle/>
+          <a:p>
+            <a:fld id="{DF030C05-EF6C-9847-8923-580D76870F8E}" type="slidenum">
+              <a:rPr lang="en-AU" smtClean="0"/>
+              <a:t>19</a:t>
+            </a:fld>
+            <a:endParaRPr lang="en-AU"/>
+          </a:p>
+        </p:txBody>
+      </p:sp>
+    </p:spTree>
+    <p:extLst>
+      <p:ext uri="{BB962C8B-B14F-4D97-AF65-F5344CB8AC3E}">
+        <p14:creationId xmlns:p14="http://schemas.microsoft.com/office/powerpoint/2010/main" val="1038174555"/>
+      </p:ext>
+    </p:extLst>
+  </p:cSld>
+  <p:clrMapOvr>
+    <a:masterClrMapping/>
+  </p:clrMapOvr>
+</p:notes>
+</file>
+
+<file path=ppt/notesSlides/notesSlide2.xml><?xml version="1.0" encoding="utf-8"?>
+<p:notes xmlns:a="http://schemas.openxmlformats.org/drawingml/2006/main" xmlns:r="http://schemas.openxmlformats.org/officeDocument/2006/relationships" xmlns:p="http://schemas.openxmlformats.org/presentationml/2006/main">
+  <p:cSld>
+    <p:spTree>
+      <p:nvGrpSpPr>
+        <p:cNvPr id="1" name=""/>
+        <p:cNvGrpSpPr/>
+        <p:nvPr/>
+      </p:nvGrpSpPr>
+      <p:grpSpPr>
+        <a:xfrm>
+          <a:off x="0" y="0"/>
+          <a:ext cx="0" cy="0"/>
+          <a:chOff x="0" y="0"/>
+          <a:chExt cx="0" cy="0"/>
+        </a:xfrm>
+      </p:grpSpPr>
+      <p:sp>
+        <p:nvSpPr>
+          <p:cNvPr id="2" name="Slide Image Placeholder 1"/>
+          <p:cNvSpPr>
+            <a:spLocks noGrp="1" noRot="1" noChangeAspect="1"/>
+          </p:cNvSpPr>
+          <p:nvPr>
+            <p:ph type="sldImg"/>
+          </p:nvPr>
+        </p:nvSpPr>
+        <p:spPr/>
+      </p:sp>
+      <p:sp>
+        <p:nvSpPr>
+          <p:cNvPr id="3" name="Notes Placeholder 2"/>
+          <p:cNvSpPr>
+            <a:spLocks noGrp="1"/>
+          </p:cNvSpPr>
+          <p:nvPr>
+            <p:ph type="body" idx="1"/>
+          </p:nvPr>
+        </p:nvSpPr>
+        <p:spPr/>
+        <p:txBody>
+          <a:bodyPr/>
+          <a:lstStyle/>
+          <a:p>
+            <a:endParaRPr lang="en-AU"/>
+          </a:p>
+        </p:txBody>
+      </p:sp>
+      <p:sp>
+        <p:nvSpPr>
+          <p:cNvPr id="4" name="Slide Number Placeholder 3"/>
+          <p:cNvSpPr>
+            <a:spLocks noGrp="1"/>
+          </p:cNvSpPr>
+          <p:nvPr>
+            <p:ph type="sldNum" sz="quarter" idx="5"/>
+          </p:nvPr>
+        </p:nvSpPr>
+        <p:spPr/>
+        <p:txBody>
+          <a:bodyPr/>
+          <a:lstStyle/>
+          <a:p>
+            <a:fld id="{DF030C05-EF6C-9847-8923-580D76870F8E}" type="slidenum">
+              <a:rPr lang="en-AU" smtClean="0"/>
+              <a:t>2</a:t>
+            </a:fld>
+            <a:endParaRPr lang="en-AU"/>
+          </a:p>
+        </p:txBody>
+      </p:sp>
+    </p:spTree>
+    <p:extLst>
+      <p:ext uri="{BB962C8B-B14F-4D97-AF65-F5344CB8AC3E}">
+        <p14:creationId xmlns:p14="http://schemas.microsoft.com/office/powerpoint/2010/main" val="9078889"/>
+      </p:ext>
+    </p:extLst>
+  </p:cSld>
+  <p:clrMapOvr>
+    <a:masterClrMapping/>
+  </p:clrMapOvr>
+</p:notes>
+</file>
+
+<file path=ppt/notesSlides/notesSlide20.xml><?xml version="1.0" encoding="utf-8"?>
+<p:notes xmlns:a="http://schemas.openxmlformats.org/drawingml/2006/main" xmlns:r="http://schemas.openxmlformats.org/officeDocument/2006/relationships" xmlns:p="http://schemas.openxmlformats.org/presentationml/2006/main">
+  <p:cSld>
+    <p:spTree>
+      <p:nvGrpSpPr>
+        <p:cNvPr id="1" name=""/>
+        <p:cNvGrpSpPr/>
+        <p:nvPr/>
+      </p:nvGrpSpPr>
+      <p:grpSpPr>
+        <a:xfrm>
+          <a:off x="0" y="0"/>
+          <a:ext cx="0" cy="0"/>
+          <a:chOff x="0" y="0"/>
+          <a:chExt cx="0" cy="0"/>
+        </a:xfrm>
+      </p:grpSpPr>
+      <p:sp>
+        <p:nvSpPr>
+          <p:cNvPr id="2" name="Slide Image Placeholder 1"/>
+          <p:cNvSpPr>
+            <a:spLocks noGrp="1" noRot="1" noChangeAspect="1"/>
+          </p:cNvSpPr>
+          <p:nvPr>
+            <p:ph type="sldImg"/>
+          </p:nvPr>
+        </p:nvSpPr>
+        <p:spPr/>
+      </p:sp>
+      <p:sp>
+        <p:nvSpPr>
+          <p:cNvPr id="3" name="Notes Placeholder 2"/>
+          <p:cNvSpPr>
+            <a:spLocks noGrp="1"/>
+          </p:cNvSpPr>
+          <p:nvPr>
+            <p:ph type="body" idx="1"/>
+          </p:nvPr>
+        </p:nvSpPr>
+        <p:spPr/>
+        <p:txBody>
+          <a:bodyPr/>
+          <a:lstStyle/>
+          <a:p>
+            <a:endParaRPr lang="en-AU"/>
+          </a:p>
+        </p:txBody>
+      </p:sp>
+      <p:sp>
+        <p:nvSpPr>
+          <p:cNvPr id="4" name="Slide Number Placeholder 3"/>
+          <p:cNvSpPr>
+            <a:spLocks noGrp="1"/>
+          </p:cNvSpPr>
+          <p:nvPr>
+            <p:ph type="sldNum" sz="quarter" idx="5"/>
+          </p:nvPr>
+        </p:nvSpPr>
+        <p:spPr/>
+        <p:txBody>
+          <a:bodyPr/>
+          <a:lstStyle/>
+          <a:p>
+            <a:fld id="{DF030C05-EF6C-9847-8923-580D76870F8E}" type="slidenum">
+              <a:rPr lang="en-AU" smtClean="0"/>
+              <a:t>20</a:t>
+            </a:fld>
+            <a:endParaRPr lang="en-AU"/>
+          </a:p>
+        </p:txBody>
+      </p:sp>
+    </p:spTree>
+    <p:extLst>
+      <p:ext uri="{BB962C8B-B14F-4D97-AF65-F5344CB8AC3E}">
+        <p14:creationId xmlns:p14="http://schemas.microsoft.com/office/powerpoint/2010/main" val="2146970248"/>
+      </p:ext>
+    </p:extLst>
+  </p:cSld>
+  <p:clrMapOvr>
+    <a:masterClrMapping/>
+  </p:clrMapOvr>
+</p:notes>
+</file>
+
+<file path=ppt/notesSlides/notesSlide21.xml><?xml version="1.0" encoding="utf-8"?>
+<p:notes xmlns:a="http://schemas.openxmlformats.org/drawingml/2006/main" xmlns:r="http://schemas.openxmlformats.org/officeDocument/2006/relationships" xmlns:p="http://schemas.openxmlformats.org/presentationml/2006/main">
+  <p:cSld>
+    <p:spTree>
+      <p:nvGrpSpPr>
+        <p:cNvPr id="1" name=""/>
+        <p:cNvGrpSpPr/>
+        <p:nvPr/>
+      </p:nvGrpSpPr>
+      <p:grpSpPr>
+        <a:xfrm>
+          <a:off x="0" y="0"/>
+          <a:ext cx="0" cy="0"/>
+          <a:chOff x="0" y="0"/>
+          <a:chExt cx="0" cy="0"/>
+        </a:xfrm>
+      </p:grpSpPr>
+      <p:sp>
+        <p:nvSpPr>
+          <p:cNvPr id="2" name="Slide Image Placeholder 1"/>
+          <p:cNvSpPr>
+            <a:spLocks noGrp="1" noRot="1" noChangeAspect="1"/>
+          </p:cNvSpPr>
+          <p:nvPr>
+            <p:ph type="sldImg"/>
+          </p:nvPr>
+        </p:nvSpPr>
+        <p:spPr/>
+      </p:sp>
+      <p:sp>
+        <p:nvSpPr>
+          <p:cNvPr id="3" name="Notes Placeholder 2"/>
+          <p:cNvSpPr>
+            <a:spLocks noGrp="1"/>
+          </p:cNvSpPr>
+          <p:nvPr>
+            <p:ph type="body" idx="1"/>
+          </p:nvPr>
+        </p:nvSpPr>
+        <p:spPr/>
+        <p:txBody>
+          <a:bodyPr/>
+          <a:lstStyle/>
+          <a:p>
+            <a:endParaRPr lang="en-AU"/>
+          </a:p>
+        </p:txBody>
+      </p:sp>
+      <p:sp>
+        <p:nvSpPr>
+          <p:cNvPr id="4" name="Slide Number Placeholder 3"/>
+          <p:cNvSpPr>
+            <a:spLocks noGrp="1"/>
+          </p:cNvSpPr>
+          <p:nvPr>
+            <p:ph type="sldNum" sz="quarter" idx="5"/>
+          </p:nvPr>
+        </p:nvSpPr>
+        <p:spPr/>
+        <p:txBody>
+          <a:bodyPr/>
+          <a:lstStyle/>
+          <a:p>
+            <a:fld id="{DF030C05-EF6C-9847-8923-580D76870F8E}" type="slidenum">
+              <a:rPr lang="en-AU" smtClean="0"/>
+              <a:t>21</a:t>
+            </a:fld>
+            <a:endParaRPr lang="en-AU"/>
+          </a:p>
+        </p:txBody>
+      </p:sp>
+    </p:spTree>
+    <p:extLst>
+      <p:ext uri="{BB962C8B-B14F-4D97-AF65-F5344CB8AC3E}">
+        <p14:creationId xmlns:p14="http://schemas.microsoft.com/office/powerpoint/2010/main" val="3053999692"/>
+      </p:ext>
+    </p:extLst>
+  </p:cSld>
+  <p:clrMapOvr>
+    <a:masterClrMapping/>
+  </p:clrMapOvr>
+</p:notes>
+</file>
+
+<file path=ppt/notesSlides/notesSlide22.xml><?xml version="1.0" encoding="utf-8"?>
+<p:notes xmlns:a="http://schemas.openxmlformats.org/drawingml/2006/main" xmlns:r="http://schemas.openxmlformats.org/officeDocument/2006/relationships" xmlns:p="http://schemas.openxmlformats.org/presentationml/2006/main">
+  <p:cSld>
+    <p:spTree>
+      <p:nvGrpSpPr>
+        <p:cNvPr id="1" name=""/>
+        <p:cNvGrpSpPr/>
+        <p:nvPr/>
+      </p:nvGrpSpPr>
+      <p:grpSpPr>
+        <a:xfrm>
+          <a:off x="0" y="0"/>
+          <a:ext cx="0" cy="0"/>
+          <a:chOff x="0" y="0"/>
+          <a:chExt cx="0" cy="0"/>
+        </a:xfrm>
+      </p:grpSpPr>
+      <p:sp>
+        <p:nvSpPr>
+          <p:cNvPr id="2" name="Slide Image Placeholder 1"/>
+          <p:cNvSpPr>
+            <a:spLocks noGrp="1" noRot="1" noChangeAspect="1"/>
+          </p:cNvSpPr>
+          <p:nvPr>
+            <p:ph type="sldImg"/>
+          </p:nvPr>
+        </p:nvSpPr>
+        <p:spPr/>
+      </p:sp>
+      <p:sp>
+        <p:nvSpPr>
+          <p:cNvPr id="3" name="Notes Placeholder 2"/>
+          <p:cNvSpPr>
+            <a:spLocks noGrp="1"/>
+          </p:cNvSpPr>
+          <p:nvPr>
+            <p:ph type="body" idx="1"/>
+          </p:nvPr>
+        </p:nvSpPr>
+        <p:spPr/>
+        <p:txBody>
+          <a:bodyPr/>
+          <a:lstStyle/>
+          <a:p>
+            <a:endParaRPr lang="en-AU"/>
+          </a:p>
+        </p:txBody>
+      </p:sp>
+      <p:sp>
+        <p:nvSpPr>
+          <p:cNvPr id="4" name="Slide Number Placeholder 3"/>
+          <p:cNvSpPr>
+            <a:spLocks noGrp="1"/>
+          </p:cNvSpPr>
+          <p:nvPr>
+            <p:ph type="sldNum" sz="quarter" idx="5"/>
+          </p:nvPr>
+        </p:nvSpPr>
+        <p:spPr/>
+        <p:txBody>
+          <a:bodyPr/>
+          <a:lstStyle/>
+          <a:p>
+            <a:fld id="{DF030C05-EF6C-9847-8923-580D76870F8E}" type="slidenum">
+              <a:rPr lang="en-AU" smtClean="0"/>
+              <a:t>22</a:t>
+            </a:fld>
+            <a:endParaRPr lang="en-AU"/>
+          </a:p>
+        </p:txBody>
+      </p:sp>
+    </p:spTree>
+    <p:extLst>
+      <p:ext uri="{BB962C8B-B14F-4D97-AF65-F5344CB8AC3E}">
+        <p14:creationId xmlns:p14="http://schemas.microsoft.com/office/powerpoint/2010/main" val="1852444589"/>
+      </p:ext>
+    </p:extLst>
+  </p:cSld>
+  <p:clrMapOvr>
+    <a:masterClrMapping/>
+  </p:clrMapOvr>
+</p:notes>
+</file>
+
+<file path=ppt/notesSlides/notesSlide23.xml><?xml version="1.0" encoding="utf-8"?>
+<p:notes xmlns:a="http://schemas.openxmlformats.org/drawingml/2006/main" xmlns:r="http://schemas.openxmlformats.org/officeDocument/2006/relationships" xmlns:p="http://schemas.openxmlformats.org/presentationml/2006/main">
+  <p:cSld>
+    <p:spTree>
+      <p:nvGrpSpPr>
+        <p:cNvPr id="1" name=""/>
+        <p:cNvGrpSpPr/>
+        <p:nvPr/>
+      </p:nvGrpSpPr>
+      <p:grpSpPr>
+        <a:xfrm>
+          <a:off x="0" y="0"/>
+          <a:ext cx="0" cy="0"/>
+          <a:chOff x="0" y="0"/>
+          <a:chExt cx="0" cy="0"/>
+        </a:xfrm>
+      </p:grpSpPr>
+      <p:sp>
+        <p:nvSpPr>
+          <p:cNvPr id="2" name="Slide Image Placeholder 1"/>
+          <p:cNvSpPr>
+            <a:spLocks noGrp="1" noRot="1" noChangeAspect="1"/>
+          </p:cNvSpPr>
+          <p:nvPr>
+            <p:ph type="sldImg"/>
+          </p:nvPr>
+        </p:nvSpPr>
+        <p:spPr/>
+      </p:sp>
+      <p:sp>
+        <p:nvSpPr>
+          <p:cNvPr id="3" name="Notes Placeholder 2"/>
+          <p:cNvSpPr>
+            <a:spLocks noGrp="1"/>
+          </p:cNvSpPr>
+          <p:nvPr>
+            <p:ph type="body" idx="1"/>
+          </p:nvPr>
+        </p:nvSpPr>
+        <p:spPr/>
+        <p:txBody>
+          <a:bodyPr/>
+          <a:lstStyle/>
+          <a:p>
+            <a:endParaRPr lang="en-AU"/>
+          </a:p>
+        </p:txBody>
+      </p:sp>
+      <p:sp>
+        <p:nvSpPr>
+          <p:cNvPr id="4" name="Slide Number Placeholder 3"/>
+          <p:cNvSpPr>
+            <a:spLocks noGrp="1"/>
+          </p:cNvSpPr>
+          <p:nvPr>
+            <p:ph type="sldNum" sz="quarter" idx="5"/>
+          </p:nvPr>
+        </p:nvSpPr>
+        <p:spPr/>
+        <p:txBody>
+          <a:bodyPr/>
+          <a:lstStyle/>
+          <a:p>
+            <a:fld id="{DF030C05-EF6C-9847-8923-580D76870F8E}" type="slidenum">
+              <a:rPr lang="en-AU" smtClean="0"/>
+              <a:t>23</a:t>
+            </a:fld>
+            <a:endParaRPr lang="en-AU"/>
+          </a:p>
+        </p:txBody>
+      </p:sp>
+    </p:spTree>
+    <p:extLst>
+      <p:ext uri="{BB962C8B-B14F-4D97-AF65-F5344CB8AC3E}">
+        <p14:creationId xmlns:p14="http://schemas.microsoft.com/office/powerpoint/2010/main" val="4203713836"/>
+      </p:ext>
+    </p:extLst>
+  </p:cSld>
+  <p:clrMapOvr>
+    <a:masterClrMapping/>
+  </p:clrMapOvr>
+</p:notes>
+</file>
+
+<file path=ppt/notesSlides/notesSlide24.xml><?xml version="1.0" encoding="utf-8"?>
+<p:notes xmlns:a="http://schemas.openxmlformats.org/drawingml/2006/main" xmlns:r="http://schemas.openxmlformats.org/officeDocument/2006/relationships" xmlns:p="http://schemas.openxmlformats.org/presentationml/2006/main">
+  <p:cSld>
+    <p:spTree>
+      <p:nvGrpSpPr>
+        <p:cNvPr id="1" name=""/>
+        <p:cNvGrpSpPr/>
+        <p:nvPr/>
+      </p:nvGrpSpPr>
+      <p:grpSpPr>
+        <a:xfrm>
+          <a:off x="0" y="0"/>
+          <a:ext cx="0" cy="0"/>
+          <a:chOff x="0" y="0"/>
+          <a:chExt cx="0" cy="0"/>
+        </a:xfrm>
+      </p:grpSpPr>
+      <p:sp>
+        <p:nvSpPr>
+          <p:cNvPr id="2" name="Slide Image Placeholder 1"/>
+          <p:cNvSpPr>
+            <a:spLocks noGrp="1" noRot="1" noChangeAspect="1"/>
+          </p:cNvSpPr>
+          <p:nvPr>
+            <p:ph type="sldImg"/>
+          </p:nvPr>
+        </p:nvSpPr>
+        <p:spPr/>
+      </p:sp>
+      <p:sp>
+        <p:nvSpPr>
+          <p:cNvPr id="3" name="Notes Placeholder 2"/>
+          <p:cNvSpPr>
+            <a:spLocks noGrp="1"/>
+          </p:cNvSpPr>
+          <p:nvPr>
+            <p:ph type="body" idx="1"/>
+          </p:nvPr>
+        </p:nvSpPr>
+        <p:spPr/>
+        <p:txBody>
+          <a:bodyPr/>
+          <a:lstStyle/>
+          <a:p>
+            <a:endParaRPr lang="en-AU"/>
+          </a:p>
+        </p:txBody>
+      </p:sp>
+      <p:sp>
+        <p:nvSpPr>
+          <p:cNvPr id="4" name="Slide Number Placeholder 3"/>
+          <p:cNvSpPr>
+            <a:spLocks noGrp="1"/>
+          </p:cNvSpPr>
+          <p:nvPr>
+            <p:ph type="sldNum" sz="quarter" idx="5"/>
+          </p:nvPr>
+        </p:nvSpPr>
+        <p:spPr/>
+        <p:txBody>
+          <a:bodyPr/>
+          <a:lstStyle/>
+          <a:p>
+            <a:fld id="{DF030C05-EF6C-9847-8923-580D76870F8E}" type="slidenum">
+              <a:rPr lang="en-AU" smtClean="0"/>
+              <a:t>24</a:t>
+            </a:fld>
+            <a:endParaRPr lang="en-AU"/>
+          </a:p>
+        </p:txBody>
+      </p:sp>
+    </p:spTree>
+    <p:extLst>
+      <p:ext uri="{BB962C8B-B14F-4D97-AF65-F5344CB8AC3E}">
+        <p14:creationId xmlns:p14="http://schemas.microsoft.com/office/powerpoint/2010/main" val="444304138"/>
+      </p:ext>
+    </p:extLst>
+  </p:cSld>
+  <p:clrMapOvr>
+    <a:masterClrMapping/>
+  </p:clrMapOvr>
+</p:notes>
+</file>
+
+<file path=ppt/notesSlides/notesSlide25.xml><?xml version="1.0" encoding="utf-8"?>
+<p:notes xmlns:a="http://schemas.openxmlformats.org/drawingml/2006/main" xmlns:r="http://schemas.openxmlformats.org/officeDocument/2006/relationships" xmlns:p="http://schemas.openxmlformats.org/presentationml/2006/main">
+  <p:cSld>
+    <p:spTree>
+      <p:nvGrpSpPr>
+        <p:cNvPr id="1" name=""/>
+        <p:cNvGrpSpPr/>
+        <p:nvPr/>
+      </p:nvGrpSpPr>
+      <p:grpSpPr>
+        <a:xfrm>
+          <a:off x="0" y="0"/>
+          <a:ext cx="0" cy="0"/>
+          <a:chOff x="0" y="0"/>
+          <a:chExt cx="0" cy="0"/>
+        </a:xfrm>
+      </p:grpSpPr>
+      <p:sp>
+        <p:nvSpPr>
+          <p:cNvPr id="2" name="Slide Image Placeholder 1"/>
+          <p:cNvSpPr>
+            <a:spLocks noGrp="1" noRot="1" noChangeAspect="1"/>
+          </p:cNvSpPr>
+          <p:nvPr>
+            <p:ph type="sldImg"/>
+          </p:nvPr>
+        </p:nvSpPr>
+        <p:spPr/>
+      </p:sp>
+      <p:sp>
+        <p:nvSpPr>
+          <p:cNvPr id="3" name="Notes Placeholder 2"/>
+          <p:cNvSpPr>
+            <a:spLocks noGrp="1"/>
+          </p:cNvSpPr>
+          <p:nvPr>
+            <p:ph type="body" idx="1"/>
+          </p:nvPr>
+        </p:nvSpPr>
+        <p:spPr/>
+        <p:txBody>
+          <a:bodyPr/>
+          <a:lstStyle/>
+          <a:p>
+            <a:endParaRPr lang="en-AU"/>
+          </a:p>
+        </p:txBody>
+      </p:sp>
+      <p:sp>
+        <p:nvSpPr>
+          <p:cNvPr id="4" name="Slide Number Placeholder 3"/>
+          <p:cNvSpPr>
+            <a:spLocks noGrp="1"/>
+          </p:cNvSpPr>
+          <p:nvPr>
+            <p:ph type="sldNum" sz="quarter" idx="5"/>
+          </p:nvPr>
+        </p:nvSpPr>
+        <p:spPr/>
+        <p:txBody>
+          <a:bodyPr/>
+          <a:lstStyle/>
+          <a:p>
+            <a:fld id="{DF030C05-EF6C-9847-8923-580D76870F8E}" type="slidenum">
+              <a:rPr lang="en-AU" smtClean="0"/>
+              <a:t>25</a:t>
+            </a:fld>
+            <a:endParaRPr lang="en-AU"/>
+          </a:p>
+        </p:txBody>
+      </p:sp>
+    </p:spTree>
+    <p:extLst>
+      <p:ext uri="{BB962C8B-B14F-4D97-AF65-F5344CB8AC3E}">
+        <p14:creationId xmlns:p14="http://schemas.microsoft.com/office/powerpoint/2010/main" val="2833005445"/>
+      </p:ext>
+    </p:extLst>
+  </p:cSld>
+  <p:clrMapOvr>
+    <a:masterClrMapping/>
+  </p:clrMapOvr>
+</p:notes>
+</file>
+
+<file path=ppt/notesSlides/notesSlide26.xml><?xml version="1.0" encoding="utf-8"?>
+<p:notes xmlns:a="http://schemas.openxmlformats.org/drawingml/2006/main" xmlns:r="http://schemas.openxmlformats.org/officeDocument/2006/relationships" xmlns:p="http://schemas.openxmlformats.org/presentationml/2006/main">
+  <p:cSld>
+    <p:spTree>
+      <p:nvGrpSpPr>
+        <p:cNvPr id="1" name=""/>
+        <p:cNvGrpSpPr/>
+        <p:nvPr/>
+      </p:nvGrpSpPr>
+      <p:grpSpPr>
+        <a:xfrm>
+          <a:off x="0" y="0"/>
+          <a:ext cx="0" cy="0"/>
+          <a:chOff x="0" y="0"/>
+          <a:chExt cx="0" cy="0"/>
+        </a:xfrm>
+      </p:grpSpPr>
+      <p:sp>
+        <p:nvSpPr>
+          <p:cNvPr id="2" name="Slide Image Placeholder 1"/>
+          <p:cNvSpPr>
+            <a:spLocks noGrp="1" noRot="1" noChangeAspect="1"/>
+          </p:cNvSpPr>
+          <p:nvPr>
+            <p:ph type="sldImg"/>
+          </p:nvPr>
+        </p:nvSpPr>
+        <p:spPr/>
+      </p:sp>
+      <p:sp>
+        <p:nvSpPr>
+          <p:cNvPr id="3" name="Notes Placeholder 2"/>
+          <p:cNvSpPr>
+            <a:spLocks noGrp="1"/>
+          </p:cNvSpPr>
+          <p:nvPr>
+            <p:ph type="body" idx="1"/>
+          </p:nvPr>
+        </p:nvSpPr>
+        <p:spPr/>
+        <p:txBody>
+          <a:bodyPr/>
+          <a:lstStyle/>
+          <a:p>
+            <a:endParaRPr lang="en-AU"/>
+          </a:p>
+        </p:txBody>
+      </p:sp>
+      <p:sp>
+        <p:nvSpPr>
+          <p:cNvPr id="4" name="Slide Number Placeholder 3"/>
+          <p:cNvSpPr>
+            <a:spLocks noGrp="1"/>
+          </p:cNvSpPr>
+          <p:nvPr>
+            <p:ph type="sldNum" sz="quarter" idx="5"/>
+          </p:nvPr>
+        </p:nvSpPr>
+        <p:spPr/>
+        <p:txBody>
+          <a:bodyPr/>
+          <a:lstStyle/>
+          <a:p>
+            <a:fld id="{DF030C05-EF6C-9847-8923-580D76870F8E}" type="slidenum">
+              <a:rPr lang="en-AU" smtClean="0"/>
+              <a:t>26</a:t>
+            </a:fld>
+            <a:endParaRPr lang="en-AU"/>
+          </a:p>
+        </p:txBody>
+      </p:sp>
+    </p:spTree>
+    <p:extLst>
+      <p:ext uri="{BB962C8B-B14F-4D97-AF65-F5344CB8AC3E}">
+        <p14:creationId xmlns:p14="http://schemas.microsoft.com/office/powerpoint/2010/main" val="783941046"/>
+      </p:ext>
+    </p:extLst>
+  </p:cSld>
+  <p:clrMapOvr>
+    <a:masterClrMapping/>
+  </p:clrMapOvr>
+</p:notes>
+</file>
+
+<file path=ppt/notesSlides/notesSlide27.xml><?xml version="1.0" encoding="utf-8"?>
+<p:notes xmlns:a="http://schemas.openxmlformats.org/drawingml/2006/main" xmlns:r="http://schemas.openxmlformats.org/officeDocument/2006/relationships" xmlns:p="http://schemas.openxmlformats.org/presentationml/2006/main">
+  <p:cSld>
+    <p:spTree>
+      <p:nvGrpSpPr>
+        <p:cNvPr id="1" name=""/>
+        <p:cNvGrpSpPr/>
+        <p:nvPr/>
+      </p:nvGrpSpPr>
+      <p:grpSpPr>
+        <a:xfrm>
+          <a:off x="0" y="0"/>
+          <a:ext cx="0" cy="0"/>
+          <a:chOff x="0" y="0"/>
+          <a:chExt cx="0" cy="0"/>
+        </a:xfrm>
+      </p:grpSpPr>
+      <p:sp>
+        <p:nvSpPr>
+          <p:cNvPr id="2" name="Slide Image Placeholder 1"/>
+          <p:cNvSpPr>
+            <a:spLocks noGrp="1" noRot="1" noChangeAspect="1"/>
+          </p:cNvSpPr>
+          <p:nvPr>
+            <p:ph type="sldImg"/>
+          </p:nvPr>
+        </p:nvSpPr>
+        <p:spPr/>
+      </p:sp>
+      <p:sp>
+        <p:nvSpPr>
+          <p:cNvPr id="3" name="Notes Placeholder 2"/>
+          <p:cNvSpPr>
+            <a:spLocks noGrp="1"/>
+          </p:cNvSpPr>
+          <p:nvPr>
+            <p:ph type="body" idx="1"/>
+          </p:nvPr>
+        </p:nvSpPr>
+        <p:spPr/>
+        <p:txBody>
+          <a:bodyPr/>
+          <a:lstStyle/>
+          <a:p>
+            <a:endParaRPr lang="en-AU"/>
+          </a:p>
+        </p:txBody>
+      </p:sp>
+      <p:sp>
+        <p:nvSpPr>
+          <p:cNvPr id="4" name="Slide Number Placeholder 3"/>
+          <p:cNvSpPr>
+            <a:spLocks noGrp="1"/>
+          </p:cNvSpPr>
+          <p:nvPr>
+            <p:ph type="sldNum" sz="quarter" idx="5"/>
+          </p:nvPr>
+        </p:nvSpPr>
+        <p:spPr/>
+        <p:txBody>
+          <a:bodyPr/>
+          <a:lstStyle/>
+          <a:p>
+            <a:fld id="{DF030C05-EF6C-9847-8923-580D76870F8E}" type="slidenum">
+              <a:rPr lang="en-AU" smtClean="0"/>
+              <a:t>27</a:t>
+            </a:fld>
+            <a:endParaRPr lang="en-AU"/>
+          </a:p>
+        </p:txBody>
+      </p:sp>
+    </p:spTree>
+    <p:extLst>
+      <p:ext uri="{BB962C8B-B14F-4D97-AF65-F5344CB8AC3E}">
+        <p14:creationId xmlns:p14="http://schemas.microsoft.com/office/powerpoint/2010/main" val="286272662"/>
+      </p:ext>
+    </p:extLst>
+  </p:cSld>
+  <p:clrMapOvr>
+    <a:masterClrMapping/>
+  </p:clrMapOvr>
+</p:notes>
+</file>
+
+<file path=ppt/notesSlides/notesSlide28.xml><?xml version="1.0" encoding="utf-8"?>
+<p:notes xmlns:a="http://schemas.openxmlformats.org/drawingml/2006/main" xmlns:r="http://schemas.openxmlformats.org/officeDocument/2006/relationships" xmlns:p="http://schemas.openxmlformats.org/presentationml/2006/main">
+  <p:cSld>
+    <p:spTree>
+      <p:nvGrpSpPr>
+        <p:cNvPr id="1" name=""/>
+        <p:cNvGrpSpPr/>
+        <p:nvPr/>
+      </p:nvGrpSpPr>
+      <p:grpSpPr>
+        <a:xfrm>
+          <a:off x="0" y="0"/>
+          <a:ext cx="0" cy="0"/>
+          <a:chOff x="0" y="0"/>
+          <a:chExt cx="0" cy="0"/>
+        </a:xfrm>
+      </p:grpSpPr>
+      <p:sp>
+        <p:nvSpPr>
+          <p:cNvPr id="2" name="Slide Image Placeholder 1"/>
+          <p:cNvSpPr>
+            <a:spLocks noGrp="1" noRot="1" noChangeAspect="1"/>
+          </p:cNvSpPr>
+          <p:nvPr>
+            <p:ph type="sldImg"/>
+          </p:nvPr>
+        </p:nvSpPr>
+        <p:spPr/>
+      </p:sp>
+      <p:sp>
+        <p:nvSpPr>
+          <p:cNvPr id="3" name="Notes Placeholder 2"/>
+          <p:cNvSpPr>
+            <a:spLocks noGrp="1"/>
+          </p:cNvSpPr>
+          <p:nvPr>
+            <p:ph type="body" idx="1"/>
+          </p:nvPr>
+        </p:nvSpPr>
+        <p:spPr/>
+        <p:txBody>
+          <a:bodyPr/>
+          <a:lstStyle/>
+          <a:p>
+            <a:endParaRPr lang="en-AU"/>
+          </a:p>
+        </p:txBody>
+      </p:sp>
+      <p:sp>
+        <p:nvSpPr>
+          <p:cNvPr id="4" name="Slide Number Placeholder 3"/>
+          <p:cNvSpPr>
+            <a:spLocks noGrp="1"/>
+          </p:cNvSpPr>
+          <p:nvPr>
+            <p:ph type="sldNum" sz="quarter" idx="5"/>
+          </p:nvPr>
+        </p:nvSpPr>
+        <p:spPr/>
+        <p:txBody>
+          <a:bodyPr/>
+          <a:lstStyle/>
+          <a:p>
+            <a:fld id="{DF030C05-EF6C-9847-8923-580D76870F8E}" type="slidenum">
+              <a:rPr lang="en-AU" smtClean="0"/>
+              <a:t>28</a:t>
+            </a:fld>
+            <a:endParaRPr lang="en-AU"/>
+          </a:p>
+        </p:txBody>
+      </p:sp>
+    </p:spTree>
+    <p:extLst>
+      <p:ext uri="{BB962C8B-B14F-4D97-AF65-F5344CB8AC3E}">
+        <p14:creationId xmlns:p14="http://schemas.microsoft.com/office/powerpoint/2010/main" val="958437569"/>
+      </p:ext>
+    </p:extLst>
+  </p:cSld>
+  <p:clrMapOvr>
+    <a:masterClrMapping/>
+  </p:clrMapOvr>
+</p:notes>
+</file>
+
+<file path=ppt/notesSlides/notesSlide3.xml><?xml version="1.0" encoding="utf-8"?>
+<p:notes xmlns:a="http://schemas.openxmlformats.org/drawingml/2006/main" xmlns:r="http://schemas.openxmlformats.org/officeDocument/2006/relationships" xmlns:p="http://schemas.openxmlformats.org/presentationml/2006/main">
+  <p:cSld>
+    <p:spTree>
+      <p:nvGrpSpPr>
+        <p:cNvPr id="1" name=""/>
+        <p:cNvGrpSpPr/>
+        <p:nvPr/>
+      </p:nvGrpSpPr>
+      <p:grpSpPr>
+        <a:xfrm>
+          <a:off x="0" y="0"/>
+          <a:ext cx="0" cy="0"/>
+          <a:chOff x="0" y="0"/>
+          <a:chExt cx="0" cy="0"/>
+        </a:xfrm>
+      </p:grpSpPr>
+      <p:sp>
+        <p:nvSpPr>
+          <p:cNvPr id="2" name="Slide Image Placeholder 1"/>
+          <p:cNvSpPr>
+            <a:spLocks noGrp="1" noRot="1" noChangeAspect="1"/>
+          </p:cNvSpPr>
+          <p:nvPr>
+            <p:ph type="sldImg"/>
+          </p:nvPr>
+        </p:nvSpPr>
+        <p:spPr/>
+      </p:sp>
+      <p:sp>
+        <p:nvSpPr>
+          <p:cNvPr id="3" name="Notes Placeholder 2"/>
+          <p:cNvSpPr>
+            <a:spLocks noGrp="1"/>
+          </p:cNvSpPr>
+          <p:nvPr>
+            <p:ph type="body" idx="1"/>
+          </p:nvPr>
+        </p:nvSpPr>
+        <p:spPr/>
+        <p:txBody>
+          <a:bodyPr/>
+          <a:lstStyle/>
+          <a:p>
+            <a:endParaRPr lang="en-AU"/>
+          </a:p>
+        </p:txBody>
+      </p:sp>
+      <p:sp>
+        <p:nvSpPr>
+          <p:cNvPr id="4" name="Slide Number Placeholder 3"/>
+          <p:cNvSpPr>
+            <a:spLocks noGrp="1"/>
+          </p:cNvSpPr>
+          <p:nvPr>
+            <p:ph type="sldNum" sz="quarter" idx="5"/>
+          </p:nvPr>
+        </p:nvSpPr>
+        <p:spPr/>
+        <p:txBody>
+          <a:bodyPr/>
+          <a:lstStyle/>
+          <a:p>
+            <a:fld id="{DF030C05-EF6C-9847-8923-580D76870F8E}" type="slidenum">
+              <a:rPr lang="en-AU" smtClean="0"/>
+              <a:t>3</a:t>
+            </a:fld>
+            <a:endParaRPr lang="en-AU"/>
+          </a:p>
+        </p:txBody>
+      </p:sp>
+    </p:spTree>
+    <p:extLst>
+      <p:ext uri="{BB962C8B-B14F-4D97-AF65-F5344CB8AC3E}">
+        <p14:creationId xmlns:p14="http://schemas.microsoft.com/office/powerpoint/2010/main" val="347300736"/>
+      </p:ext>
+    </p:extLst>
+  </p:cSld>
+  <p:clrMapOvr>
+    <a:masterClrMapping/>
+  </p:clrMapOvr>
+</p:notes>
+</file>
+
+<file path=ppt/notesSlides/notesSlide4.xml><?xml version="1.0" encoding="utf-8"?>
+<p:notes xmlns:a="http://schemas.openxmlformats.org/drawingml/2006/main" xmlns:r="http://schemas.openxmlformats.org/officeDocument/2006/relationships" xmlns:p="http://schemas.openxmlformats.org/presentationml/2006/main">
+  <p:cSld>
+    <p:spTree>
+      <p:nvGrpSpPr>
+        <p:cNvPr id="1" name=""/>
+        <p:cNvGrpSpPr/>
+        <p:nvPr/>
+      </p:nvGrpSpPr>
+      <p:grpSpPr>
+        <a:xfrm>
+          <a:off x="0" y="0"/>
+          <a:ext cx="0" cy="0"/>
+          <a:chOff x="0" y="0"/>
+          <a:chExt cx="0" cy="0"/>
+        </a:xfrm>
+      </p:grpSpPr>
+      <p:sp>
+        <p:nvSpPr>
+          <p:cNvPr id="2" name="Slide Image Placeholder 1"/>
+          <p:cNvSpPr>
+            <a:spLocks noGrp="1" noRot="1" noChangeAspect="1"/>
+          </p:cNvSpPr>
+          <p:nvPr>
+            <p:ph type="sldImg"/>
+          </p:nvPr>
+        </p:nvSpPr>
+        <p:spPr/>
+      </p:sp>
+      <p:sp>
+        <p:nvSpPr>
+          <p:cNvPr id="3" name="Notes Placeholder 2"/>
+          <p:cNvSpPr>
+            <a:spLocks noGrp="1"/>
+          </p:cNvSpPr>
+          <p:nvPr>
+            <p:ph type="body" idx="1"/>
+          </p:nvPr>
+        </p:nvSpPr>
+        <p:spPr/>
+        <p:txBody>
+          <a:bodyPr/>
+          <a:lstStyle/>
+          <a:p>
+            <a:endParaRPr lang="en-AU"/>
+          </a:p>
+        </p:txBody>
+      </p:sp>
+      <p:sp>
+        <p:nvSpPr>
+          <p:cNvPr id="4" name="Slide Number Placeholder 3"/>
+          <p:cNvSpPr>
+            <a:spLocks noGrp="1"/>
+          </p:cNvSpPr>
+          <p:nvPr>
+            <p:ph type="sldNum" sz="quarter" idx="5"/>
+          </p:nvPr>
+        </p:nvSpPr>
+        <p:spPr/>
+        <p:txBody>
+          <a:bodyPr/>
+          <a:lstStyle/>
+          <a:p>
+            <a:fld id="{DF030C05-EF6C-9847-8923-580D76870F8E}" type="slidenum">
+              <a:rPr lang="en-AU" smtClean="0"/>
+              <a:t>4</a:t>
+            </a:fld>
+            <a:endParaRPr lang="en-AU"/>
+          </a:p>
+        </p:txBody>
+      </p:sp>
+    </p:spTree>
+    <p:extLst>
+      <p:ext uri="{BB962C8B-B14F-4D97-AF65-F5344CB8AC3E}">
+        <p14:creationId xmlns:p14="http://schemas.microsoft.com/office/powerpoint/2010/main" val="223924299"/>
+      </p:ext>
+    </p:extLst>
+  </p:cSld>
+  <p:clrMapOvr>
+    <a:masterClrMapping/>
+  </p:clrMapOvr>
+</p:notes>
+</file>
+
+<file path=ppt/notesSlides/notesSlide5.xml><?xml version="1.0" encoding="utf-8"?>
+<p:notes xmlns:a="http://schemas.openxmlformats.org/drawingml/2006/main" xmlns:r="http://schemas.openxmlformats.org/officeDocument/2006/relationships" xmlns:p="http://schemas.openxmlformats.org/presentationml/2006/main">
+  <p:cSld>
+    <p:spTree>
+      <p:nvGrpSpPr>
+        <p:cNvPr id="1" name=""/>
+        <p:cNvGrpSpPr/>
+        <p:nvPr/>
+      </p:nvGrpSpPr>
+      <p:grpSpPr>
+        <a:xfrm>
+          <a:off x="0" y="0"/>
+          <a:ext cx="0" cy="0"/>
+          <a:chOff x="0" y="0"/>
+          <a:chExt cx="0" cy="0"/>
+        </a:xfrm>
+      </p:grpSpPr>
+      <p:sp>
+        <p:nvSpPr>
+          <p:cNvPr id="2" name="Slide Image Placeholder 1"/>
+          <p:cNvSpPr>
+            <a:spLocks noGrp="1" noRot="1" noChangeAspect="1"/>
+          </p:cNvSpPr>
+          <p:nvPr>
+            <p:ph type="sldImg"/>
+          </p:nvPr>
+        </p:nvSpPr>
+        <p:spPr/>
+      </p:sp>
+      <p:sp>
+        <p:nvSpPr>
+          <p:cNvPr id="3" name="Notes Placeholder 2"/>
+          <p:cNvSpPr>
+            <a:spLocks noGrp="1"/>
+          </p:cNvSpPr>
+          <p:nvPr>
+            <p:ph type="body" idx="1"/>
+          </p:nvPr>
+        </p:nvSpPr>
+        <p:spPr/>
+        <p:txBody>
+          <a:bodyPr/>
+          <a:lstStyle/>
+          <a:p>
+            <a:endParaRPr lang="en-AU"/>
+          </a:p>
+        </p:txBody>
+      </p:sp>
+      <p:sp>
+        <p:nvSpPr>
+          <p:cNvPr id="4" name="Slide Number Placeholder 3"/>
+          <p:cNvSpPr>
+            <a:spLocks noGrp="1"/>
+          </p:cNvSpPr>
+          <p:nvPr>
+            <p:ph type="sldNum" sz="quarter" idx="5"/>
+          </p:nvPr>
+        </p:nvSpPr>
+        <p:spPr/>
+        <p:txBody>
+          <a:bodyPr/>
+          <a:lstStyle/>
+          <a:p>
+            <a:fld id="{DF030C05-EF6C-9847-8923-580D76870F8E}" type="slidenum">
+              <a:rPr lang="en-AU" smtClean="0"/>
+              <a:t>5</a:t>
+            </a:fld>
+            <a:endParaRPr lang="en-AU"/>
+          </a:p>
+        </p:txBody>
+      </p:sp>
+    </p:spTree>
+    <p:extLst>
+      <p:ext uri="{BB962C8B-B14F-4D97-AF65-F5344CB8AC3E}">
+        <p14:creationId xmlns:p14="http://schemas.microsoft.com/office/powerpoint/2010/main" val="1303501840"/>
+      </p:ext>
+    </p:extLst>
+  </p:cSld>
+  <p:clrMapOvr>
+    <a:masterClrMapping/>
+  </p:clrMapOvr>
+</p:notes>
+</file>
+
+<file path=ppt/notesSlides/notesSlide6.xml><?xml version="1.0" encoding="utf-8"?>
+<p:notes xmlns:a="http://schemas.openxmlformats.org/drawingml/2006/main" xmlns:r="http://schemas.openxmlformats.org/officeDocument/2006/relationships" xmlns:p="http://schemas.openxmlformats.org/presentationml/2006/main">
+  <p:cSld>
+    <p:spTree>
+      <p:nvGrpSpPr>
+        <p:cNvPr id="1" name=""/>
+        <p:cNvGrpSpPr/>
+        <p:nvPr/>
+      </p:nvGrpSpPr>
+      <p:grpSpPr>
+        <a:xfrm>
+          <a:off x="0" y="0"/>
+          <a:ext cx="0" cy="0"/>
+          <a:chOff x="0" y="0"/>
+          <a:chExt cx="0" cy="0"/>
+        </a:xfrm>
+      </p:grpSpPr>
+      <p:sp>
+        <p:nvSpPr>
+          <p:cNvPr id="2" name="Slide Image Placeholder 1"/>
+          <p:cNvSpPr>
+            <a:spLocks noGrp="1" noRot="1" noChangeAspect="1"/>
+          </p:cNvSpPr>
+          <p:nvPr>
+            <p:ph type="sldImg"/>
+          </p:nvPr>
+        </p:nvSpPr>
+        <p:spPr/>
+      </p:sp>
+      <p:sp>
+        <p:nvSpPr>
+          <p:cNvPr id="3" name="Notes Placeholder 2"/>
+          <p:cNvSpPr>
+            <a:spLocks noGrp="1"/>
+          </p:cNvSpPr>
+          <p:nvPr>
+            <p:ph type="body" idx="1"/>
+          </p:nvPr>
+        </p:nvSpPr>
+        <p:spPr/>
+        <p:txBody>
+          <a:bodyPr/>
+          <a:lstStyle/>
+          <a:p>
+            <a:endParaRPr lang="en-AU"/>
+          </a:p>
+        </p:txBody>
+      </p:sp>
+      <p:sp>
+        <p:nvSpPr>
+          <p:cNvPr id="4" name="Slide Number Placeholder 3"/>
+          <p:cNvSpPr>
+            <a:spLocks noGrp="1"/>
+          </p:cNvSpPr>
+          <p:nvPr>
+            <p:ph type="sldNum" sz="quarter" idx="5"/>
+          </p:nvPr>
+        </p:nvSpPr>
+        <p:spPr/>
+        <p:txBody>
+          <a:bodyPr/>
+          <a:lstStyle/>
+          <a:p>
+            <a:fld id="{DF030C05-EF6C-9847-8923-580D76870F8E}" type="slidenum">
+              <a:rPr lang="en-AU" smtClean="0"/>
+              <a:t>6</a:t>
+            </a:fld>
+            <a:endParaRPr lang="en-AU"/>
+          </a:p>
+        </p:txBody>
+      </p:sp>
+    </p:spTree>
+    <p:extLst>
+      <p:ext uri="{BB962C8B-B14F-4D97-AF65-F5344CB8AC3E}">
+        <p14:creationId xmlns:p14="http://schemas.microsoft.com/office/powerpoint/2010/main" val="3510256483"/>
+      </p:ext>
+    </p:extLst>
+  </p:cSld>
+  <p:clrMapOvr>
+    <a:masterClrMapping/>
+  </p:clrMapOvr>
+</p:notes>
+</file>
+
+<file path=ppt/notesSlides/notesSlide7.xml><?xml version="1.0" encoding="utf-8"?>
+<p:notes xmlns:a="http://schemas.openxmlformats.org/drawingml/2006/main" xmlns:r="http://schemas.openxmlformats.org/officeDocument/2006/relationships" xmlns:p="http://schemas.openxmlformats.org/presentationml/2006/main">
+  <p:cSld>
+    <p:spTree>
+      <p:nvGrpSpPr>
+        <p:cNvPr id="1" name=""/>
+        <p:cNvGrpSpPr/>
+        <p:nvPr/>
+      </p:nvGrpSpPr>
+      <p:grpSpPr>
+        <a:xfrm>
+          <a:off x="0" y="0"/>
+          <a:ext cx="0" cy="0"/>
+          <a:chOff x="0" y="0"/>
+          <a:chExt cx="0" cy="0"/>
+        </a:xfrm>
+      </p:grpSpPr>
+      <p:sp>
+        <p:nvSpPr>
+          <p:cNvPr id="2" name="Slide Image Placeholder 1"/>
+          <p:cNvSpPr>
+            <a:spLocks noGrp="1" noRot="1" noChangeAspect="1"/>
+          </p:cNvSpPr>
+          <p:nvPr>
+            <p:ph type="sldImg"/>
+          </p:nvPr>
+        </p:nvSpPr>
+        <p:spPr/>
+      </p:sp>
+      <p:sp>
+        <p:nvSpPr>
+          <p:cNvPr id="3" name="Notes Placeholder 2"/>
+          <p:cNvSpPr>
+            <a:spLocks noGrp="1"/>
+          </p:cNvSpPr>
+          <p:nvPr>
+            <p:ph type="body" idx="1"/>
+          </p:nvPr>
+        </p:nvSpPr>
+        <p:spPr/>
+        <p:txBody>
+          <a:bodyPr/>
+          <a:lstStyle/>
+          <a:p>
+            <a:endParaRPr lang="en-AU"/>
+          </a:p>
+        </p:txBody>
+      </p:sp>
+      <p:sp>
+        <p:nvSpPr>
+          <p:cNvPr id="4" name="Slide Number Placeholder 3"/>
+          <p:cNvSpPr>
+            <a:spLocks noGrp="1"/>
+          </p:cNvSpPr>
+          <p:nvPr>
+            <p:ph type="sldNum" sz="quarter" idx="5"/>
+          </p:nvPr>
+        </p:nvSpPr>
+        <p:spPr/>
+        <p:txBody>
+          <a:bodyPr/>
+          <a:lstStyle/>
+          <a:p>
+            <a:fld id="{DF030C05-EF6C-9847-8923-580D76870F8E}" type="slidenum">
+              <a:rPr lang="en-AU" smtClean="0"/>
+              <a:t>7</a:t>
+            </a:fld>
+            <a:endParaRPr lang="en-AU"/>
+          </a:p>
+        </p:txBody>
+      </p:sp>
+    </p:spTree>
+    <p:extLst>
+      <p:ext uri="{BB962C8B-B14F-4D97-AF65-F5344CB8AC3E}">
+        <p14:creationId xmlns:p14="http://schemas.microsoft.com/office/powerpoint/2010/main" val="1190564909"/>
+      </p:ext>
+    </p:extLst>
+  </p:cSld>
+  <p:clrMapOvr>
+    <a:masterClrMapping/>
+  </p:clrMapOvr>
+</p:notes>
+</file>
+
+<file path=ppt/notesSlides/notesSlide8.xml><?xml version="1.0" encoding="utf-8"?>
+<p:notes xmlns:a="http://schemas.openxmlformats.org/drawingml/2006/main" xmlns:r="http://schemas.openxmlformats.org/officeDocument/2006/relationships" xmlns:p="http://schemas.openxmlformats.org/presentationml/2006/main">
+  <p:cSld>
+    <p:spTree>
+      <p:nvGrpSpPr>
+        <p:cNvPr id="1" name=""/>
+        <p:cNvGrpSpPr/>
+        <p:nvPr/>
+      </p:nvGrpSpPr>
+      <p:grpSpPr>
+        <a:xfrm>
+          <a:off x="0" y="0"/>
+          <a:ext cx="0" cy="0"/>
+          <a:chOff x="0" y="0"/>
+          <a:chExt cx="0" cy="0"/>
+        </a:xfrm>
+      </p:grpSpPr>
+      <p:sp>
+        <p:nvSpPr>
+          <p:cNvPr id="2" name="Slide Image Placeholder 1"/>
+          <p:cNvSpPr>
+            <a:spLocks noGrp="1" noRot="1" noChangeAspect="1"/>
+          </p:cNvSpPr>
+          <p:nvPr>
+            <p:ph type="sldImg"/>
+          </p:nvPr>
+        </p:nvSpPr>
+        <p:spPr/>
+      </p:sp>
+      <p:sp>
+        <p:nvSpPr>
+          <p:cNvPr id="3" name="Notes Placeholder 2"/>
+          <p:cNvSpPr>
+            <a:spLocks noGrp="1"/>
+          </p:cNvSpPr>
+          <p:nvPr>
+            <p:ph type="body" idx="1"/>
+          </p:nvPr>
+        </p:nvSpPr>
+        <p:spPr/>
+        <p:txBody>
+          <a:bodyPr/>
+          <a:lstStyle/>
+          <a:p>
+            <a:endParaRPr lang="en-AU"/>
+          </a:p>
+        </p:txBody>
+      </p:sp>
+      <p:sp>
+        <p:nvSpPr>
+          <p:cNvPr id="4" name="Slide Number Placeholder 3"/>
+          <p:cNvSpPr>
+            <a:spLocks noGrp="1"/>
+          </p:cNvSpPr>
+          <p:nvPr>
+            <p:ph type="sldNum" sz="quarter" idx="5"/>
+          </p:nvPr>
+        </p:nvSpPr>
+        <p:spPr/>
+        <p:txBody>
+          <a:bodyPr/>
+          <a:lstStyle/>
+          <a:p>
+            <a:fld id="{DF030C05-EF6C-9847-8923-580D76870F8E}" type="slidenum">
+              <a:rPr lang="en-AU" smtClean="0"/>
+              <a:t>8</a:t>
+            </a:fld>
+            <a:endParaRPr lang="en-AU"/>
+          </a:p>
+        </p:txBody>
+      </p:sp>
+    </p:spTree>
+    <p:extLst>
+      <p:ext uri="{BB962C8B-B14F-4D97-AF65-F5344CB8AC3E}">
+        <p14:creationId xmlns:p14="http://schemas.microsoft.com/office/powerpoint/2010/main" val="557493161"/>
+      </p:ext>
+    </p:extLst>
+  </p:cSld>
+  <p:clrMapOvr>
+    <a:masterClrMapping/>
+  </p:clrMapOvr>
+</p:notes>
+</file>
+
+<file path=ppt/notesSlides/notesSlide9.xml><?xml version="1.0" encoding="utf-8"?>
+<p:notes xmlns:a="http://schemas.openxmlformats.org/drawingml/2006/main" xmlns:r="http://schemas.openxmlformats.org/officeDocument/2006/relationships" xmlns:p="http://schemas.openxmlformats.org/presentationml/2006/main">
+  <p:cSld>
+    <p:spTree>
+      <p:nvGrpSpPr>
+        <p:cNvPr id="1" name=""/>
+        <p:cNvGrpSpPr/>
+        <p:nvPr/>
+      </p:nvGrpSpPr>
+      <p:grpSpPr>
+        <a:xfrm>
+          <a:off x="0" y="0"/>
+          <a:ext cx="0" cy="0"/>
+          <a:chOff x="0" y="0"/>
+          <a:chExt cx="0" cy="0"/>
+        </a:xfrm>
+      </p:grpSpPr>
+      <p:sp>
+        <p:nvSpPr>
+          <p:cNvPr id="2" name="Slide Image Placeholder 1"/>
+          <p:cNvSpPr>
+            <a:spLocks noGrp="1" noRot="1" noChangeAspect="1"/>
+          </p:cNvSpPr>
+          <p:nvPr>
+            <p:ph type="sldImg"/>
+          </p:nvPr>
+        </p:nvSpPr>
+        <p:spPr/>
+      </p:sp>
+      <p:sp>
+        <p:nvSpPr>
+          <p:cNvPr id="3" name="Notes Placeholder 2"/>
+          <p:cNvSpPr>
+            <a:spLocks noGrp="1"/>
+          </p:cNvSpPr>
+          <p:nvPr>
+            <p:ph type="body" idx="1"/>
+          </p:nvPr>
+        </p:nvSpPr>
+        <p:spPr/>
+        <p:txBody>
+          <a:bodyPr/>
+          <a:lstStyle/>
+          <a:p>
+            <a:endParaRPr lang="en-AU"/>
+          </a:p>
+        </p:txBody>
+      </p:sp>
+      <p:sp>
+        <p:nvSpPr>
+          <p:cNvPr id="4" name="Slide Number Placeholder 3"/>
+          <p:cNvSpPr>
+            <a:spLocks noGrp="1"/>
+          </p:cNvSpPr>
+          <p:nvPr>
+            <p:ph type="sldNum" sz="quarter" idx="5"/>
+          </p:nvPr>
+        </p:nvSpPr>
+        <p:spPr/>
+        <p:txBody>
+          <a:bodyPr/>
+          <a:lstStyle/>
+          <a:p>
+            <a:fld id="{DF030C05-EF6C-9847-8923-580D76870F8E}" type="slidenum">
+              <a:rPr lang="en-AU" smtClean="0"/>
+              <a:t>9</a:t>
+            </a:fld>
+            <a:endParaRPr lang="en-AU"/>
+          </a:p>
+        </p:txBody>
+      </p:sp>
+    </p:spTree>
+    <p:extLst>
+      <p:ext uri="{BB962C8B-B14F-4D97-AF65-F5344CB8AC3E}">
+        <p14:creationId xmlns:p14="http://schemas.microsoft.com/office/powerpoint/2010/main" val="324804800"/>
+      </p:ext>
+    </p:extLst>
+  </p:cSld>
+  <p:clrMapOvr>
+    <a:masterClrMapping/>
+  </p:clrMapOvr>
+</p:notes>
+</file>
+
 <file path=ppt/slideLayouts/slideLayout1.xml><?xml version="1.0" encoding="utf-8"?>
 <p:sldLayout xmlns:a="http://schemas.openxmlformats.org/drawingml/2006/main" xmlns:r="http://schemas.openxmlformats.org/officeDocument/2006/relationships" xmlns:p="http://schemas.openxmlformats.org/presentationml/2006/main" type="title" preserve="1">
   <p:cSld name="Title Slide">
@@ -3734,7 +6084,7 @@
           <a:p>
             <a:fld id="{88D38747-4367-4BD2-8D51-C97E202738E2}" type="datetime1">
               <a:rPr lang="en-US" smtClean="0"/>
-              <a:t>4/30/21</a:t>
+              <a:t>8/12/21</a:t>
             </a:fld>
             <a:endParaRPr lang="en-US" dirty="0"/>
           </a:p>
@@ -4039,7 +6389,7 @@
           <a:p>
             <a:fld id="{11F1B079-7EF0-44EE-B798-BCC497C9F3B2}" type="datetime1">
               <a:rPr lang="en-US" smtClean="0"/>
-              <a:t>4/30/21</a:t>
+              <a:t>8/12/21</a:t>
             </a:fld>
             <a:endParaRPr lang="en-US" dirty="0"/>
           </a:p>
@@ -4233,7 +6583,7 @@
           <a:p>
             <a:fld id="{28FF70A8-1D13-4657-95F0-A9EA54967B8D}" type="datetime1">
               <a:rPr lang="en-US" smtClean="0"/>
-              <a:t>4/30/21</a:t>
+              <a:t>8/12/21</a:t>
             </a:fld>
             <a:endParaRPr lang="en-US" dirty="0"/>
           </a:p>
@@ -4496,7 +6846,7 @@
           <a:p>
             <a:fld id="{21EB90AC-71BD-4C7F-8ACA-7B3F18292E63}" type="datetime1">
               <a:rPr lang="en-US" smtClean="0"/>
-              <a:t>4/30/21</a:t>
+              <a:t>8/12/21</a:t>
             </a:fld>
             <a:endParaRPr lang="en-US" dirty="0"/>
           </a:p>
@@ -4932,7 +7282,7 @@
           <a:p>
             <a:fld id="{4E6EFC2C-8905-46F0-B443-CE905B76BA01}" type="datetime1">
               <a:rPr lang="en-US" smtClean="0"/>
-              <a:t>4/30/21</a:t>
+              <a:t>8/12/21</a:t>
             </a:fld>
             <a:endParaRPr lang="en-US" dirty="0"/>
           </a:p>
@@ -5469,7 +7819,7 @@
           <a:p>
             <a:fld id="{D9079DC3-C9B5-499E-9140-0DC28B7074E2}" type="datetime1">
               <a:rPr lang="en-US" smtClean="0"/>
-              <a:t>4/30/21</a:t>
+              <a:t>8/12/21</a:t>
             </a:fld>
             <a:endParaRPr lang="en-US" dirty="0"/>
           </a:p>
@@ -6351,7 +8701,7 @@
           <a:p>
             <a:fld id="{30BB33EA-E472-4D22-9C03-A9C14AA21CED}" type="datetime1">
               <a:rPr lang="en-US" smtClean="0"/>
-              <a:t>4/30/21</a:t>
+              <a:t>8/12/21</a:t>
             </a:fld>
             <a:endParaRPr lang="en-US" dirty="0"/>
           </a:p>
@@ -6521,7 +8871,7 @@
           <a:p>
             <a:fld id="{217E833E-1B6D-415F-AD29-75AE8C43BD0D}" type="datetime1">
               <a:rPr lang="en-US" smtClean="0"/>
-              <a:t>4/30/21</a:t>
+              <a:t>8/12/21</a:t>
             </a:fld>
             <a:endParaRPr lang="en-US" dirty="0"/>
           </a:p>
@@ -6705,7 +9055,7 @@
           <a:p>
             <a:fld id="{8452596F-08A7-4B70-989A-F2B1CF31E66B}" type="datetime1">
               <a:rPr lang="en-US" smtClean="0"/>
-              <a:t>4/30/21</a:t>
+              <a:t>8/12/21</a:t>
             </a:fld>
             <a:endParaRPr lang="en-US" dirty="0"/>
           </a:p>
@@ -6875,7 +9225,7 @@
           <a:p>
             <a:fld id="{73C55A3C-5767-4844-A0A3-83778C2E5409}" type="datetime1">
               <a:rPr lang="en-US" smtClean="0"/>
-              <a:t>4/30/21</a:t>
+              <a:t>8/12/21</a:t>
             </a:fld>
             <a:endParaRPr lang="en-US" dirty="0"/>
           </a:p>
@@ -7119,7 +9469,7 @@
           <a:p>
             <a:fld id="{CAE507A8-A5CF-4D38-AB86-7EDDA87A85D4}" type="datetime1">
               <a:rPr lang="en-US" smtClean="0"/>
-              <a:t>4/30/21</a:t>
+              <a:t>8/12/21</a:t>
             </a:fld>
             <a:endParaRPr lang="en-US" dirty="0"/>
           </a:p>
@@ -7361,7 +9711,7 @@
           <a:p>
             <a:fld id="{BDFCD27C-8599-43EF-BA1D-14DDC1946E06}" type="datetime1">
               <a:rPr lang="en-US" smtClean="0"/>
-              <a:t>4/30/21</a:t>
+              <a:t>8/12/21</a:t>
             </a:fld>
             <a:endParaRPr lang="en-US" dirty="0"/>
           </a:p>
@@ -7842,7 +10192,7 @@
           <a:p>
             <a:fld id="{49343D99-809A-49C0-96E5-4250D0B498EE}" type="datetime1">
               <a:rPr lang="en-US" smtClean="0"/>
-              <a:t>4/30/21</a:t>
+              <a:t>8/12/21</a:t>
             </a:fld>
             <a:endParaRPr lang="en-US" dirty="0"/>
           </a:p>
@@ -7960,7 +10310,7 @@
           <a:p>
             <a:fld id="{A143DE9B-B678-4EFB-BB7D-A4370204A0B0}" type="datetime1">
               <a:rPr lang="en-US" smtClean="0"/>
-              <a:t>4/30/21</a:t>
+              <a:t>8/12/21</a:t>
             </a:fld>
             <a:endParaRPr lang="en-US" dirty="0"/>
           </a:p>
@@ -8055,7 +10405,7 @@
           <a:p>
             <a:fld id="{E68812DA-F765-4142-A6A3-A8ED7235E082}" type="datetime1">
               <a:rPr lang="en-US" smtClean="0"/>
-              <a:t>4/30/21</a:t>
+              <a:t>8/12/21</a:t>
             </a:fld>
             <a:endParaRPr lang="en-US" dirty="0"/>
           </a:p>
@@ -8310,7 +10660,7 @@
           <a:p>
             <a:fld id="{3E0277FD-7DE6-41D4-930D-AC99F5AFE54E}" type="datetime1">
               <a:rPr lang="en-US" smtClean="0"/>
-              <a:t>4/30/21</a:t>
+              <a:t>8/12/21</a:t>
             </a:fld>
             <a:endParaRPr lang="en-US" dirty="0"/>
           </a:p>
@@ -8617,7 +10967,7 @@
           <a:p>
             <a:fld id="{9EA15526-7079-4B7B-987C-1B5FAE11A0FF}" type="datetime1">
               <a:rPr lang="en-US" smtClean="0"/>
-              <a:t>4/30/21</a:t>
+              <a:t>8/12/21</a:t>
             </a:fld>
             <a:endParaRPr lang="en-US" dirty="0"/>
           </a:p>
@@ -8852,7 +11202,7 @@
           <a:p>
             <a:fld id="{073ED0CC-082F-4160-86E5-0D6041F12778}" type="datetime1">
               <a:rPr lang="en-US" smtClean="0"/>
-              <a:t>4/30/21</a:t>
+              <a:t>8/12/21</a:t>
             </a:fld>
             <a:endParaRPr lang="en-US" dirty="0"/>
           </a:p>
@@ -9522,7 +11872,7 @@
     <p:bg>
       <p:bgPr>
         <a:blipFill rotWithShape="1">
-          <a:blip r:embed="rId2">
+          <a:blip r:embed="rId3">
             <a:duotone>
               <a:schemeClr val="bg1">
                 <a:shade val="80000"/>
@@ -9567,7 +11917,7 @@
           <p:nvPr/>
         </p:nvPicPr>
         <p:blipFill rotWithShape="1">
-          <a:blip r:embed="rId3"/>
+          <a:blip r:embed="rId4"/>
           <a:srcRect t="13986" b="1744"/>
           <a:stretch/>
         </p:blipFill>
@@ -9763,7 +12113,7 @@
           </a:effectLst>
           <a:extLst>
             <a:ext uri="{91240B29-F687-4f45-9708-019B960494DF}">
-              <a14:hiddenLine xmlns="" xmlns:a14="http://schemas.microsoft.com/office/drawing/2010/main" xmlns:p14="http://schemas.microsoft.com/office/powerpoint/2010/main" xmlns:a16="http://schemas.microsoft.com/office/drawing/2014/main" w="9525">
+              <a14:hiddenLine xmlns:a16="http://schemas.microsoft.com/office/drawing/2014/main" xmlns:p14="http://schemas.microsoft.com/office/powerpoint/2010/main" xmlns:a14="http://schemas.microsoft.com/office/drawing/2010/main" xmlns="" w="9525">
                 <a:solidFill>
                   <a:srgbClr val="000000"/>
                 </a:solidFill>
@@ -9883,25 +12233,6 @@
 <file path=ppt/slides/slide10.xml><?xml version="1.0" encoding="utf-8"?>
 <p:sld xmlns:a="http://schemas.openxmlformats.org/drawingml/2006/main" xmlns:r="http://schemas.openxmlformats.org/officeDocument/2006/relationships" xmlns:p="http://schemas.openxmlformats.org/presentationml/2006/main">
   <p:cSld>
-    <p:bg>
-      <p:bgPr>
-        <a:blipFill rotWithShape="1">
-          <a:blip r:embed="rId2">
-            <a:duotone>
-              <a:schemeClr val="bg1">
-                <a:shade val="80000"/>
-                <a:lumMod val="80000"/>
-              </a:schemeClr>
-              <a:schemeClr val="bg1">
-                <a:tint val="98000"/>
-              </a:schemeClr>
-            </a:duotone>
-          </a:blip>
-          <a:stretch/>
-        </a:blipFill>
-        <a:effectLst/>
-      </p:bgPr>
-    </p:bg>
     <p:spTree>
       <p:nvGrpSpPr>
         <p:cNvPr id="1" name=""/>
@@ -9916,66 +12247,6 @@
           <a:chExt cx="0" cy="0"/>
         </a:xfrm>
       </p:grpSpPr>
-      <p:sp useBgFill="1">
-        <p:nvSpPr>
-          <p:cNvPr id="10" name="Rectangle 9">
-            <a:extLst>
-              <a:ext uri="{FF2B5EF4-FFF2-40B4-BE49-F238E27FC236}">
-                <a16:creationId xmlns:a16="http://schemas.microsoft.com/office/drawing/2014/main" id="{1E70A317-DCED-4E80-AA2D-467D8702E5CB}"/>
-              </a:ext>
-              <a:ext uri="{C183D7F6-B498-43B3-948B-1728B52AA6E4}">
-                <adec:decorative xmlns:adec="http://schemas.microsoft.com/office/drawing/2017/decorative" val="1"/>
-              </a:ext>
-            </a:extLst>
-          </p:cNvPr>
-          <p:cNvSpPr>
-            <a:spLocks noGrp="1" noRot="1" noChangeAspect="1" noMove="1" noResize="1" noEditPoints="1" noAdjustHandles="1" noChangeArrowheads="1" noChangeShapeType="1" noTextEdit="1"/>
-          </p:cNvSpPr>
-          <p:nvPr>
-            <p:extLst>
-              <p:ext uri="{386F3935-93C4-4BCD-93E2-E3B085C9AB24}">
-                <p16:designElem xmlns:p16="http://schemas.microsoft.com/office/powerpoint/2015/main" val="1"/>
-              </p:ext>
-            </p:extLst>
-          </p:nvPr>
-        </p:nvSpPr>
-        <p:spPr>
-          <a:xfrm>
-            <a:off x="0" y="0"/>
-            <a:ext cx="12192000" cy="6858000"/>
-          </a:xfrm>
-          <a:prstGeom prst="rect">
-            <a:avLst/>
-          </a:prstGeom>
-          <a:ln>
-            <a:noFill/>
-          </a:ln>
-        </p:spPr>
-        <p:style>
-          <a:lnRef idx="2">
-            <a:schemeClr val="accent1">
-              <a:shade val="50000"/>
-            </a:schemeClr>
-          </a:lnRef>
-          <a:fillRef idx="1">
-            <a:schemeClr val="accent1"/>
-          </a:fillRef>
-          <a:effectRef idx="0">
-            <a:schemeClr val="accent1"/>
-          </a:effectRef>
-          <a:fontRef idx="minor">
-            <a:schemeClr val="lt1"/>
-          </a:fontRef>
-        </p:style>
-        <p:txBody>
-          <a:bodyPr rtlCol="0" anchor="ctr"/>
-          <a:lstStyle/>
-          <a:p>
-            <a:pPr algn="ctr"/>
-            <a:endParaRPr lang="en-US"/>
-          </a:p>
-        </p:txBody>
-      </p:sp>
       <p:sp>
         <p:nvSpPr>
           <p:cNvPr id="2" name="Title 1">
@@ -9992,21 +12263,13 @@
             <p:ph type="title"/>
           </p:nvPr>
         </p:nvSpPr>
-        <p:spPr>
-          <a:xfrm>
-            <a:off x="861791" y="835383"/>
-            <a:ext cx="3382832" cy="3499549"/>
-          </a:xfrm>
-        </p:spPr>
-        <p:txBody>
-          <a:bodyPr vert="horz" lIns="91440" tIns="45720" rIns="91440" bIns="45720" rtlCol="0" anchor="b">
-            <a:normAutofit/>
-          </a:bodyPr>
-          <a:lstStyle/>
-          <a:p>
-            <a:pPr algn="l"/>
-            <a:r>
-              <a:rPr lang="en-US" sz="4200"/>
+        <p:spPr/>
+        <p:txBody>
+          <a:bodyPr/>
+          <a:lstStyle/>
+          <a:p>
+            <a:r>
+              <a:rPr lang="en-AU" dirty="0"/>
               <a:t>Assessing Risk</a:t>
             </a:r>
           </a:p>
@@ -10014,103 +12277,92 @@
       </p:sp>
       <p:sp>
         <p:nvSpPr>
-          <p:cNvPr id="12" name="Rectangle 11">
+          <p:cNvPr id="3" name="Content Placeholder 2">
             <a:extLst>
               <a:ext uri="{FF2B5EF4-FFF2-40B4-BE49-F238E27FC236}">
-                <a16:creationId xmlns:a16="http://schemas.microsoft.com/office/drawing/2014/main" id="{A6D87845-294F-40CB-BC48-46455460D292}"/>
-              </a:ext>
-              <a:ext uri="{C183D7F6-B498-43B3-948B-1728B52AA6E4}">
-                <adec:decorative xmlns:adec="http://schemas.microsoft.com/office/drawing/2017/decorative" val="1"/>
+                <a16:creationId xmlns:a16="http://schemas.microsoft.com/office/drawing/2014/main" id="{C29FA815-F1A1-E848-8BE0-A481039CE411}"/>
               </a:ext>
             </a:extLst>
           </p:cNvPr>
           <p:cNvSpPr>
-            <a:spLocks noGrp="1" noRot="1" noChangeAspect="1" noMove="1" noResize="1" noEditPoints="1" noAdjustHandles="1" noChangeArrowheads="1" noChangeShapeType="1" noTextEdit="1"/>
-          </p:cNvSpPr>
-          <p:nvPr>
-            <p:extLst>
-              <p:ext uri="{386F3935-93C4-4BCD-93E2-E3B085C9AB24}">
-                <p16:designElem xmlns:p16="http://schemas.microsoft.com/office/powerpoint/2015/main" val="1"/>
-              </p:ext>
-            </p:extLst>
-          </p:nvPr>
-        </p:nvSpPr>
-        <p:spPr>
-          <a:xfrm>
-            <a:off x="4655671" y="0"/>
-            <a:ext cx="7536329" cy="6858000"/>
-          </a:xfrm>
-          <a:prstGeom prst="rect">
-            <a:avLst/>
-          </a:prstGeom>
-          <a:solidFill>
-            <a:schemeClr val="tx1"/>
-          </a:solidFill>
-          <a:ln>
-            <a:noFill/>
-          </a:ln>
-        </p:spPr>
-        <p:style>
-          <a:lnRef idx="2">
-            <a:schemeClr val="accent1">
-              <a:shade val="50000"/>
-            </a:schemeClr>
-          </a:lnRef>
-          <a:fillRef idx="1">
-            <a:schemeClr val="accent1"/>
-          </a:fillRef>
-          <a:effectRef idx="0">
-            <a:schemeClr val="accent1"/>
-          </a:effectRef>
-          <a:fontRef idx="minor">
-            <a:schemeClr val="lt1"/>
-          </a:fontRef>
-        </p:style>
-        <p:txBody>
-          <a:bodyPr rtlCol="0" anchor="ctr"/>
-          <a:lstStyle/>
-          <a:p>
-            <a:pPr algn="ctr"/>
-            <a:endParaRPr lang="en-US"/>
-          </a:p>
-        </p:txBody>
-      </p:sp>
-      <p:pic>
-        <p:nvPicPr>
-          <p:cNvPr id="5" name="Content Placeholder 4" descr="Diagram, schematic&#10;&#10;Description automatically generated">
-            <a:extLst>
-              <a:ext uri="{FF2B5EF4-FFF2-40B4-BE49-F238E27FC236}">
-                <a16:creationId xmlns:a16="http://schemas.microsoft.com/office/drawing/2014/main" id="{7D612C41-4192-094D-81D8-AB2147801D6F}"/>
-              </a:ext>
-            </a:extLst>
-          </p:cNvPr>
-          <p:cNvPicPr>
-            <a:picLocks noGrp="1" noChangeAspect="1"/>
-          </p:cNvPicPr>
+            <a:spLocks noGrp="1"/>
+          </p:cNvSpPr>
           <p:nvPr>
             <p:ph idx="1"/>
           </p:nvPr>
-        </p:nvPicPr>
-        <p:blipFill>
-          <a:blip r:embed="rId3"/>
-          <a:stretch>
-            <a:fillRect/>
-          </a:stretch>
-        </p:blipFill>
-        <p:spPr>
-          <a:xfrm>
-            <a:off x="4938630" y="702365"/>
-            <a:ext cx="6960571" cy="5446644"/>
-          </a:xfrm>
-          <a:prstGeom prst="rect">
-            <a:avLst/>
-          </a:prstGeom>
-        </p:spPr>
-      </p:pic>
+        </p:nvSpPr>
+        <p:spPr/>
+        <p:txBody>
+          <a:bodyPr>
+            <a:normAutofit/>
+          </a:bodyPr>
+          <a:lstStyle/>
+          <a:p>
+            <a:pPr lvl="1"/>
+            <a:r>
+              <a:rPr lang="en-AU" dirty="0"/>
+              <a:t>Qualitative</a:t>
+            </a:r>
+          </a:p>
+          <a:p>
+            <a:pPr lvl="1"/>
+            <a:r>
+              <a:rPr lang="en-AU" dirty="0"/>
+              <a:t>Quantitative</a:t>
+            </a:r>
+          </a:p>
+          <a:p>
+            <a:pPr lvl="1"/>
+            <a:r>
+              <a:rPr lang="en-AU" dirty="0"/>
+              <a:t>In both cases, need to understand:</a:t>
+            </a:r>
+          </a:p>
+          <a:p>
+            <a:pPr lvl="2"/>
+            <a:r>
+              <a:rPr lang="en-AU" dirty="0"/>
+              <a:t>The business itself</a:t>
+            </a:r>
+          </a:p>
+          <a:p>
+            <a:pPr lvl="2"/>
+            <a:r>
+              <a:rPr lang="en-AU" dirty="0"/>
+              <a:t>Assets of organisation</a:t>
+            </a:r>
+          </a:p>
+          <a:p>
+            <a:pPr lvl="2"/>
+            <a:r>
+              <a:rPr lang="en-AU" dirty="0"/>
+              <a:t>Threat analysis</a:t>
+            </a:r>
+          </a:p>
+          <a:p>
+            <a:pPr lvl="2"/>
+            <a:r>
+              <a:rPr lang="en-AU" dirty="0"/>
+              <a:t>Vulnerability assessment</a:t>
+            </a:r>
+          </a:p>
+          <a:p>
+            <a:pPr marL="36900" indent="0">
+              <a:buNone/>
+            </a:pPr>
+            <a:endParaRPr lang="en-AU" dirty="0">
+              <a:effectLst/>
+            </a:endParaRPr>
+          </a:p>
+          <a:p>
+            <a:endParaRPr lang="en-AU" sz="2000" dirty="0"/>
+          </a:p>
+        </p:txBody>
+      </p:sp>
     </p:spTree>
     <p:extLst>
       <p:ext uri="{BB962C8B-B14F-4D97-AF65-F5344CB8AC3E}">
-        <p14:creationId xmlns:p14="http://schemas.microsoft.com/office/powerpoint/2010/main" val="1959519970"/>
+        <p14:creationId xmlns:p14="http://schemas.microsoft.com/office/powerpoint/2010/main" val="800097646"/>
       </p:ext>
     </p:extLst>
   </p:cSld>
@@ -10160,7 +12412,7 @@
           <a:p>
             <a:r>
               <a:rPr lang="en-AU" dirty="0"/>
-              <a:t>Assessing Risk</a:t>
+              <a:t>Qualitative Risk Assessment</a:t>
             </a:r>
           </a:p>
         </p:txBody>
@@ -10191,49 +12443,56 @@
             <a:pPr lvl="1"/>
             <a:r>
               <a:rPr lang="en-AU" dirty="0"/>
-              <a:t>Qualitative</a:t>
+              <a:t>Uses a variety of techniques to assess risk</a:t>
+            </a:r>
+          </a:p>
+          <a:p>
+            <a:pPr lvl="2"/>
+            <a:r>
+              <a:rPr lang="en-AU" dirty="0"/>
+              <a:t>Brainstorming</a:t>
+            </a:r>
+          </a:p>
+          <a:p>
+            <a:pPr lvl="2"/>
+            <a:r>
+              <a:rPr lang="en-AU" dirty="0"/>
+              <a:t>Delphi technique: anonymous question and answer technique</a:t>
+            </a:r>
+          </a:p>
+          <a:p>
+            <a:pPr lvl="2"/>
+            <a:r>
+              <a:rPr lang="en-AU" dirty="0"/>
+              <a:t>Storyboarding</a:t>
+            </a:r>
+          </a:p>
+          <a:p>
+            <a:pPr lvl="2"/>
+            <a:r>
+              <a:rPr lang="en-AU" dirty="0"/>
+              <a:t>Focus groups</a:t>
+            </a:r>
+          </a:p>
+          <a:p>
+            <a:pPr lvl="2"/>
+            <a:r>
+              <a:rPr lang="en-AU" dirty="0"/>
+              <a:t>Surveys/Questionnaires</a:t>
+            </a:r>
+          </a:p>
+          <a:p>
+            <a:pPr lvl="2"/>
+            <a:r>
+              <a:rPr lang="en-AU" dirty="0"/>
+              <a:t>Checklists</a:t>
             </a:r>
           </a:p>
           <a:p>
             <a:pPr lvl="1"/>
             <a:r>
               <a:rPr lang="en-AU" dirty="0"/>
-              <a:t>Quantitative</a:t>
-            </a:r>
-          </a:p>
-          <a:p>
-            <a:pPr lvl="1"/>
-            <a:r>
-              <a:rPr lang="en-AU" dirty="0"/>
-              <a:t>In both cases, need to understand:</a:t>
-            </a:r>
-          </a:p>
-          <a:p>
-            <a:pPr lvl="2"/>
-            <a:r>
-              <a:rPr lang="en-AU" dirty="0"/>
-              <a:t>The business itself</a:t>
-            </a:r>
-          </a:p>
-          <a:p>
-            <a:pPr lvl="2"/>
-            <a:r>
-              <a:rPr lang="en-AU" dirty="0"/>
-              <a:t>Assets of organisation</a:t>
-            </a:r>
-          </a:p>
-          <a:p>
-            <a:pPr lvl="2"/>
-            <a:r>
-              <a:rPr lang="en-AU" dirty="0"/>
-              <a:t>Threat analysis</a:t>
-            </a:r>
-          </a:p>
-          <a:p>
-            <a:pPr lvl="2"/>
-            <a:r>
-              <a:rPr lang="en-AU" dirty="0"/>
-              <a:t>Vulnerability assessment</a:t>
+              <a:t>Can help in communication of risks but difficult to prioritise based on the range of values</a:t>
             </a:r>
           </a:p>
           <a:p>
@@ -10252,7 +12511,7 @@
     </p:spTree>
     <p:extLst>
       <p:ext uri="{BB962C8B-B14F-4D97-AF65-F5344CB8AC3E}">
-        <p14:creationId xmlns:p14="http://schemas.microsoft.com/office/powerpoint/2010/main" val="800097646"/>
+        <p14:creationId xmlns:p14="http://schemas.microsoft.com/office/powerpoint/2010/main" val="1807856571"/>
       </p:ext>
     </p:extLst>
   </p:cSld>
@@ -10284,155 +12543,6 @@
           <p:cNvPr id="2" name="Title 1">
             <a:extLst>
               <a:ext uri="{FF2B5EF4-FFF2-40B4-BE49-F238E27FC236}">
-                <a16:creationId xmlns:a16="http://schemas.microsoft.com/office/drawing/2014/main" id="{07F6FF8C-A74B-E640-AF2F-9B4E07A213CF}"/>
-              </a:ext>
-            </a:extLst>
-          </p:cNvPr>
-          <p:cNvSpPr>
-            <a:spLocks noGrp="1"/>
-          </p:cNvSpPr>
-          <p:nvPr>
-            <p:ph type="title"/>
-          </p:nvPr>
-        </p:nvSpPr>
-        <p:spPr/>
-        <p:txBody>
-          <a:bodyPr/>
-          <a:lstStyle/>
-          <a:p>
-            <a:r>
-              <a:rPr lang="en-AU" dirty="0"/>
-              <a:t>Qualitative Risk Assessment</a:t>
-            </a:r>
-          </a:p>
-        </p:txBody>
-      </p:sp>
-      <p:sp>
-        <p:nvSpPr>
-          <p:cNvPr id="3" name="Content Placeholder 2">
-            <a:extLst>
-              <a:ext uri="{FF2B5EF4-FFF2-40B4-BE49-F238E27FC236}">
-                <a16:creationId xmlns:a16="http://schemas.microsoft.com/office/drawing/2014/main" id="{C29FA815-F1A1-E848-8BE0-A481039CE411}"/>
-              </a:ext>
-            </a:extLst>
-          </p:cNvPr>
-          <p:cNvSpPr>
-            <a:spLocks noGrp="1"/>
-          </p:cNvSpPr>
-          <p:nvPr>
-            <p:ph idx="1"/>
-          </p:nvPr>
-        </p:nvSpPr>
-        <p:spPr/>
-        <p:txBody>
-          <a:bodyPr>
-            <a:normAutofit/>
-          </a:bodyPr>
-          <a:lstStyle/>
-          <a:p>
-            <a:pPr lvl="1"/>
-            <a:r>
-              <a:rPr lang="en-AU" dirty="0"/>
-              <a:t>Uses a variety of techniques to assess risk</a:t>
-            </a:r>
-          </a:p>
-          <a:p>
-            <a:pPr lvl="2"/>
-            <a:r>
-              <a:rPr lang="en-AU" dirty="0"/>
-              <a:t>Brainstorming</a:t>
-            </a:r>
-          </a:p>
-          <a:p>
-            <a:pPr lvl="2"/>
-            <a:r>
-              <a:rPr lang="en-AU" dirty="0"/>
-              <a:t>Delphi technique: anonymous question and answer technique</a:t>
-            </a:r>
-          </a:p>
-          <a:p>
-            <a:pPr lvl="2"/>
-            <a:r>
-              <a:rPr lang="en-AU" dirty="0"/>
-              <a:t>Storyboarding</a:t>
-            </a:r>
-          </a:p>
-          <a:p>
-            <a:pPr lvl="2"/>
-            <a:r>
-              <a:rPr lang="en-AU" dirty="0"/>
-              <a:t>Focus groups</a:t>
-            </a:r>
-          </a:p>
-          <a:p>
-            <a:pPr lvl="2"/>
-            <a:r>
-              <a:rPr lang="en-AU" dirty="0"/>
-              <a:t>Surveys/Questionnaires</a:t>
-            </a:r>
-          </a:p>
-          <a:p>
-            <a:pPr lvl="2"/>
-            <a:r>
-              <a:rPr lang="en-AU" dirty="0"/>
-              <a:t>Checklists</a:t>
-            </a:r>
-          </a:p>
-          <a:p>
-            <a:pPr lvl="1"/>
-            <a:r>
-              <a:rPr lang="en-AU" dirty="0"/>
-              <a:t>Can help in communication of risks but difficult to prioritise based on the range of values</a:t>
-            </a:r>
-          </a:p>
-          <a:p>
-            <a:pPr marL="36900" indent="0">
-              <a:buNone/>
-            </a:pPr>
-            <a:endParaRPr lang="en-AU" dirty="0">
-              <a:effectLst/>
-            </a:endParaRPr>
-          </a:p>
-          <a:p>
-            <a:endParaRPr lang="en-AU" sz="2000" dirty="0"/>
-          </a:p>
-        </p:txBody>
-      </p:sp>
-    </p:spTree>
-    <p:extLst>
-      <p:ext uri="{BB962C8B-B14F-4D97-AF65-F5344CB8AC3E}">
-        <p14:creationId xmlns:p14="http://schemas.microsoft.com/office/powerpoint/2010/main" val="1807856571"/>
-      </p:ext>
-    </p:extLst>
-  </p:cSld>
-  <p:clrMapOvr>
-    <a:masterClrMapping/>
-  </p:clrMapOvr>
-</p:sld>
-</file>
-
-<file path=ppt/slides/slide13.xml><?xml version="1.0" encoding="utf-8"?>
-<p:sld xmlns:a="http://schemas.openxmlformats.org/drawingml/2006/main" xmlns:r="http://schemas.openxmlformats.org/officeDocument/2006/relationships" xmlns:p="http://schemas.openxmlformats.org/presentationml/2006/main">
-  <p:cSld>
-    <p:spTree>
-      <p:nvGrpSpPr>
-        <p:cNvPr id="1" name=""/>
-        <p:cNvGrpSpPr/>
-        <p:nvPr/>
-      </p:nvGrpSpPr>
-      <p:grpSpPr>
-        <a:xfrm>
-          <a:off x="0" y="0"/>
-          <a:ext cx="0" cy="0"/>
-          <a:chOff x="0" y="0"/>
-          <a:chExt cx="0" cy="0"/>
-        </a:xfrm>
-      </p:grpSpPr>
-      <p:sp>
-        <p:nvSpPr>
-          <p:cNvPr id="2" name="Title 1">
-            <a:extLst>
-              <a:ext uri="{FF2B5EF4-FFF2-40B4-BE49-F238E27FC236}">
                 <a16:creationId xmlns:a16="http://schemas.microsoft.com/office/drawing/2014/main" id="{5C4F01C5-5333-2248-B03B-703C97F7CC69}"/>
               </a:ext>
             </a:extLst>
@@ -10499,7 +12609,7 @@
           <p:nvPr/>
         </p:nvPicPr>
         <p:blipFill>
-          <a:blip r:embed="rId2">
+          <a:blip r:embed="rId3">
             <a:extLst>
               <a:ext uri="{28A0092B-C50C-407E-A947-70E740481C1C}">
                 <a14:useLocalDpi xmlns:a14="http://schemas.microsoft.com/office/drawing/2010/main" val="0"/>
@@ -10544,7 +12654,7 @@
 </p:sld>
 </file>
 
-<file path=ppt/slides/slide14.xml><?xml version="1.0" encoding="utf-8"?>
+<file path=ppt/slides/slide13.xml><?xml version="1.0" encoding="utf-8"?>
 <p:sld xmlns:a="http://schemas.openxmlformats.org/drawingml/2006/main" xmlns:r="http://schemas.openxmlformats.org/officeDocument/2006/relationships" xmlns:p="http://schemas.openxmlformats.org/presentationml/2006/main">
   <p:cSld>
     <p:spTree>
@@ -11081,6 +13191,187 @@
 </p:sld>
 </file>
 
+<file path=ppt/slides/slide14.xml><?xml version="1.0" encoding="utf-8"?>
+<p:sld xmlns:a="http://schemas.openxmlformats.org/drawingml/2006/main" xmlns:r="http://schemas.openxmlformats.org/officeDocument/2006/relationships" xmlns:p="http://schemas.openxmlformats.org/presentationml/2006/main">
+  <p:cSld>
+    <p:spTree>
+      <p:nvGrpSpPr>
+        <p:cNvPr id="1" name=""/>
+        <p:cNvGrpSpPr/>
+        <p:nvPr/>
+      </p:nvGrpSpPr>
+      <p:grpSpPr>
+        <a:xfrm>
+          <a:off x="0" y="0"/>
+          <a:ext cx="0" cy="0"/>
+          <a:chOff x="0" y="0"/>
+          <a:chExt cx="0" cy="0"/>
+        </a:xfrm>
+      </p:grpSpPr>
+      <p:sp>
+        <p:nvSpPr>
+          <p:cNvPr id="2" name="Title 1">
+            <a:extLst>
+              <a:ext uri="{FF2B5EF4-FFF2-40B4-BE49-F238E27FC236}">
+                <a16:creationId xmlns:a16="http://schemas.microsoft.com/office/drawing/2014/main" id="{5C4F01C5-5333-2248-B03B-703C97F7CC69}"/>
+              </a:ext>
+            </a:extLst>
+          </p:cNvPr>
+          <p:cNvSpPr>
+            <a:spLocks noGrp="1"/>
+          </p:cNvSpPr>
+          <p:nvPr>
+            <p:ph type="title"/>
+          </p:nvPr>
+        </p:nvSpPr>
+        <p:spPr/>
+        <p:txBody>
+          <a:bodyPr/>
+          <a:lstStyle/>
+          <a:p>
+            <a:r>
+              <a:rPr lang="en-AU" dirty="0"/>
+              <a:t>Example</a:t>
+            </a:r>
+          </a:p>
+        </p:txBody>
+      </p:sp>
+      <p:sp>
+        <p:nvSpPr>
+          <p:cNvPr id="3" name="Content Placeholder 2">
+            <a:extLst>
+              <a:ext uri="{FF2B5EF4-FFF2-40B4-BE49-F238E27FC236}">
+                <a16:creationId xmlns:a16="http://schemas.microsoft.com/office/drawing/2014/main" id="{F7DD7DCB-C7E2-1B4F-BD83-3B7AF005DD76}"/>
+              </a:ext>
+            </a:extLst>
+          </p:cNvPr>
+          <p:cNvSpPr>
+            <a:spLocks noGrp="1"/>
+          </p:cNvSpPr>
+          <p:nvPr>
+            <p:ph idx="1"/>
+          </p:nvPr>
+        </p:nvSpPr>
+        <p:spPr/>
+        <p:txBody>
+          <a:bodyPr>
+            <a:normAutofit lnSpcReduction="10000"/>
+          </a:bodyPr>
+          <a:lstStyle/>
+          <a:p>
+            <a:pPr lvl="1"/>
+            <a:r>
+              <a:rPr lang="en-AU" dirty="0"/>
+              <a:t>You own an iPhone 12 which costs AU $1,349. If you drop the phone and the screen breaks, the cost of repair is AU $850. You have dropped your phone on average once every 2 years</a:t>
+            </a:r>
+          </a:p>
+          <a:p>
+            <a:pPr lvl="2"/>
+            <a:r>
+              <a:rPr lang="en-AU" dirty="0"/>
+              <a:t>AV = $1,349</a:t>
+            </a:r>
+          </a:p>
+          <a:p>
+            <a:pPr lvl="2"/>
+            <a:r>
+              <a:rPr lang="en-AU" dirty="0"/>
+              <a:t>Exposure Factor = 0.63</a:t>
+            </a:r>
+          </a:p>
+          <a:p>
+            <a:pPr lvl="2"/>
+            <a:r>
+              <a:rPr lang="en-AU" dirty="0"/>
+              <a:t>Single Loss Expectancy = $850</a:t>
+            </a:r>
+          </a:p>
+          <a:p>
+            <a:pPr lvl="2"/>
+            <a:r>
+              <a:rPr lang="en-AU" dirty="0"/>
+              <a:t>Annualized Rate of Occurrence = 0.5</a:t>
+            </a:r>
+          </a:p>
+          <a:p>
+            <a:pPr lvl="2"/>
+            <a:r>
+              <a:rPr lang="en-AU" dirty="0"/>
+              <a:t>Annualized Loss Expectancy = 0.5 * 850 = $425</a:t>
+            </a:r>
+          </a:p>
+          <a:p>
+            <a:pPr lvl="1"/>
+            <a:r>
+              <a:rPr lang="en-AU" dirty="0"/>
+              <a:t>Apple Care+ costs $199 for 3 years and $45 per incident for screen replacement</a:t>
+            </a:r>
+          </a:p>
+          <a:p>
+            <a:pPr lvl="1"/>
+            <a:r>
+              <a:rPr lang="en-AU" dirty="0"/>
+              <a:t>Annualized cost of insurance = $67 + $45 * 0.5 if there is an incident = $92</a:t>
+            </a:r>
+          </a:p>
+          <a:p>
+            <a:pPr lvl="1"/>
+            <a:r>
+              <a:rPr lang="en-AU" dirty="0"/>
+              <a:t>$425 &gt; $92 and so insurance is worth it</a:t>
+            </a:r>
+          </a:p>
+          <a:p>
+            <a:pPr lvl="1"/>
+            <a:endParaRPr lang="en-AU" dirty="0"/>
+          </a:p>
+          <a:p>
+            <a:pPr lvl="2"/>
+            <a:endParaRPr lang="en-AU" dirty="0"/>
+          </a:p>
+        </p:txBody>
+      </p:sp>
+      <p:sp>
+        <p:nvSpPr>
+          <p:cNvPr id="4" name="Footer Placeholder 3">
+            <a:extLst>
+              <a:ext uri="{FF2B5EF4-FFF2-40B4-BE49-F238E27FC236}">
+                <a16:creationId xmlns:a16="http://schemas.microsoft.com/office/drawing/2014/main" id="{5293465A-4C2A-754E-8F5A-63A08A730A0E}"/>
+              </a:ext>
+            </a:extLst>
+          </p:cNvPr>
+          <p:cNvSpPr>
+            <a:spLocks noGrp="1"/>
+          </p:cNvSpPr>
+          <p:nvPr>
+            <p:ph type="ftr" sz="quarter" idx="11"/>
+          </p:nvPr>
+        </p:nvSpPr>
+        <p:spPr/>
+        <p:txBody>
+          <a:bodyPr/>
+          <a:lstStyle/>
+          <a:p>
+            <a:r>
+              <a:rPr lang="en-US" dirty="0"/>
+              <a:t>1 </a:t>
+            </a:r>
+          </a:p>
+        </p:txBody>
+      </p:sp>
+    </p:spTree>
+    <p:extLst>
+      <p:ext uri="{BB962C8B-B14F-4D97-AF65-F5344CB8AC3E}">
+        <p14:creationId xmlns:p14="http://schemas.microsoft.com/office/powerpoint/2010/main" val="351229638"/>
+      </p:ext>
+    </p:extLst>
+  </p:cSld>
+  <p:clrMapOvr>
+    <a:masterClrMapping/>
+  </p:clrMapOvr>
+</p:sld>
+</file>
+
 <file path=ppt/slides/slide15.xml><?xml version="1.0" encoding="utf-8"?>
 <p:sld xmlns:a="http://schemas.openxmlformats.org/drawingml/2006/main" xmlns:r="http://schemas.openxmlformats.org/officeDocument/2006/relationships" xmlns:p="http://schemas.openxmlformats.org/presentationml/2006/main">
   <p:cSld>
@@ -11121,7 +13412,7 @@
           <a:p>
             <a:r>
               <a:rPr lang="en-AU" dirty="0"/>
-              <a:t>Example</a:t>
+              <a:t>Open FAIR</a:t>
             </a:r>
           </a:p>
         </p:txBody>
@@ -11145,70 +13436,63 @@
         <p:spPr/>
         <p:txBody>
           <a:bodyPr>
-            <a:normAutofit lnSpcReduction="10000"/>
+            <a:normAutofit/>
           </a:bodyPr>
           <a:lstStyle/>
           <a:p>
             <a:pPr lvl="1"/>
             <a:r>
               <a:rPr lang="en-AU" dirty="0"/>
-              <a:t>You own an iPhone 12 which costs AU $1,349. If you drop the phone and the screen breaks, the cost of repair is AU $850. You have dropped your phone on average once every 2 years</a:t>
+              <a:t>FAIR is the Factor Analysis Information Risk adopted by the Open Group as an open standard</a:t>
+            </a:r>
+          </a:p>
+          <a:p>
+            <a:pPr lvl="1"/>
+            <a:r>
+              <a:rPr lang="en-AU" dirty="0"/>
+              <a:t>Quantitative risk analysis approach </a:t>
+            </a:r>
+          </a:p>
+          <a:p>
+            <a:pPr lvl="1"/>
+            <a:r>
+              <a:rPr lang="en-AU" dirty="0"/>
+              <a:t>Main difference in this approach is that everything is expressed in probabilities and risk is:</a:t>
             </a:r>
           </a:p>
           <a:p>
             <a:pPr lvl="2"/>
             <a:r>
               <a:rPr lang="en-AU" dirty="0"/>
-              <a:t>AV = $1,349</a:t>
+              <a:t>Probable frequency and probable magnitude of loss</a:t>
+            </a:r>
+          </a:p>
+          <a:p>
+            <a:pPr lvl="1"/>
+            <a:r>
+              <a:rPr lang="en-AU" dirty="0"/>
+              <a:t>Vulnerability is the probability that a threat agent’s actions will result in a loss</a:t>
+            </a:r>
+          </a:p>
+          <a:p>
+            <a:pPr lvl="1"/>
+            <a:r>
+              <a:rPr lang="en-AU" dirty="0"/>
+              <a:t>Controls are applied to risk and will reduce either</a:t>
             </a:r>
           </a:p>
           <a:p>
             <a:pPr lvl="2"/>
             <a:r>
               <a:rPr lang="en-AU" dirty="0"/>
-              <a:t>Exposure Factor = 0.63</a:t>
+              <a:t>The frequency of threat actions</a:t>
             </a:r>
           </a:p>
           <a:p>
             <a:pPr lvl="2"/>
             <a:r>
               <a:rPr lang="en-AU" dirty="0"/>
-              <a:t>Single Loss Expectancy = $850</a:t>
-            </a:r>
-          </a:p>
-          <a:p>
-            <a:pPr lvl="2"/>
-            <a:r>
-              <a:rPr lang="en-AU" dirty="0"/>
-              <a:t>Annualized Rate of Occurrence = 0.5</a:t>
-            </a:r>
-          </a:p>
-          <a:p>
-            <a:pPr lvl="2"/>
-            <a:r>
-              <a:rPr lang="en-AU" dirty="0"/>
-              <a:t>Annualized Loss Expectancy = 0.5 * 850 = $425</a:t>
-            </a:r>
-          </a:p>
-          <a:p>
-            <a:pPr lvl="1"/>
-            <a:r>
-              <a:rPr lang="en-AU" dirty="0"/>
-              <a:t>Apple Care+ costs $199 for 3 years and $45 per incident for screen replacement</a:t>
-            </a:r>
-          </a:p>
-          <a:p>
-            <a:pPr lvl="1"/>
-            <a:r>
-              <a:rPr lang="en-AU" dirty="0"/>
-              <a:t>Annualized cost of insurance = $67 + $45 * 0.5 if there is an incident = $92</a:t>
-            </a:r>
-          </a:p>
-          <a:p>
-            <a:pPr lvl="1"/>
-            <a:r>
-              <a:rPr lang="en-AU" dirty="0"/>
-              <a:t>$425 &gt; $92 and so insurance is worth it</a:t>
+              <a:t>The magnitude of the loss</a:t>
             </a:r>
           </a:p>
           <a:p>
@@ -11252,7 +13536,7 @@
     </p:spTree>
     <p:extLst>
       <p:ext uri="{BB962C8B-B14F-4D97-AF65-F5344CB8AC3E}">
-        <p14:creationId xmlns:p14="http://schemas.microsoft.com/office/powerpoint/2010/main" val="351229638"/>
+        <p14:creationId xmlns:p14="http://schemas.microsoft.com/office/powerpoint/2010/main" val="1226848190"/>
       </p:ext>
     </p:extLst>
   </p:cSld>
@@ -11302,7 +13586,7 @@
           <a:p>
             <a:r>
               <a:rPr lang="en-AU" dirty="0"/>
-              <a:t>Open FAIR</a:t>
+              <a:t>Risk Treatment: Part 1</a:t>
             </a:r>
           </a:p>
         </p:txBody>
@@ -11323,71 +13607,99 @@
             <p:ph idx="1"/>
           </p:nvPr>
         </p:nvSpPr>
-        <p:spPr/>
+        <p:spPr>
+          <a:xfrm>
+            <a:off x="913795" y="2076450"/>
+            <a:ext cx="10353762" cy="4370070"/>
+          </a:xfrm>
+        </p:spPr>
         <p:txBody>
           <a:bodyPr>
-            <a:normAutofit lnSpcReduction="10000"/>
+            <a:normAutofit/>
           </a:bodyPr>
           <a:lstStyle/>
           <a:p>
             <a:pPr lvl="1"/>
             <a:r>
               <a:rPr lang="en-AU" dirty="0"/>
-              <a:t>FAIR is the Factor Analysis Information Risk adopted by the Open Group as an open standard</a:t>
-            </a:r>
-          </a:p>
-          <a:p>
-            <a:pPr lvl="1"/>
+              <a:t>Once risks have been identified, they can be:</a:t>
+            </a:r>
+          </a:p>
+          <a:p>
+            <a:pPr lvl="2"/>
             <a:r>
               <a:rPr lang="en-AU" dirty="0"/>
-              <a:t>Quantitative risk analysis approach </a:t>
-            </a:r>
-          </a:p>
-          <a:p>
-            <a:pPr lvl="1"/>
+              <a:t>Reduced or mitigated</a:t>
+            </a:r>
+          </a:p>
+          <a:p>
+            <a:pPr lvl="3"/>
             <a:r>
               <a:rPr lang="en-AU" dirty="0"/>
-              <a:t>Main difference in this approach is that everything is expressed in probabilities and risk is:</a:t>
+              <a:t>Use controls to reduce risk</a:t>
             </a:r>
           </a:p>
           <a:p>
             <a:pPr lvl="2"/>
             <a:r>
               <a:rPr lang="en-AU" dirty="0"/>
-              <a:t>Probable frequency and probable magnitude of loss</a:t>
-            </a:r>
-          </a:p>
-          <a:p>
-            <a:pPr lvl="1"/>
+              <a:t>Assigned or transferred</a:t>
+            </a:r>
+          </a:p>
+          <a:p>
+            <a:pPr lvl="3"/>
             <a:r>
               <a:rPr lang="en-AU" dirty="0"/>
-              <a:t>Vulnerability is the probability that a threat agent’s actions will result in a loss</a:t>
-            </a:r>
-          </a:p>
-          <a:p>
-            <a:pPr lvl="1"/>
+              <a:t>Transfer to a third party such as a cloud provider </a:t>
+            </a:r>
+          </a:p>
+          <a:p>
+            <a:pPr lvl="3"/>
             <a:r>
               <a:rPr lang="en-AU" dirty="0"/>
-              <a:t>Controls are applied to risk and will reduce either</a:t>
-            </a:r>
+              <a:t>Use </a:t>
+            </a:r>
+            <a:r>
+              <a:rPr lang="en-AU" dirty="0" err="1"/>
+              <a:t>cyberinsurance</a:t>
+            </a:r>
+            <a:endParaRPr lang="en-AU" dirty="0"/>
           </a:p>
           <a:p>
             <a:pPr lvl="2"/>
             <a:r>
               <a:rPr lang="en-AU" dirty="0"/>
-              <a:t>The frequency of threat actions</a:t>
+              <a:t>Accepted</a:t>
+            </a:r>
+          </a:p>
+          <a:p>
+            <a:pPr lvl="3"/>
+            <a:r>
+              <a:rPr lang="en-AU" dirty="0"/>
+              <a:t>Accept the potential losses </a:t>
             </a:r>
           </a:p>
           <a:p>
             <a:pPr lvl="2"/>
             <a:r>
               <a:rPr lang="en-AU" dirty="0"/>
-              <a:t>The magnitude of the loss</a:t>
-            </a:r>
-          </a:p>
-          <a:p>
-            <a:pPr lvl="1"/>
-            <a:endParaRPr lang="en-AU" dirty="0"/>
+              <a:t>Deterred</a:t>
+            </a:r>
+          </a:p>
+          <a:p>
+            <a:pPr lvl="3"/>
+            <a:r>
+              <a:rPr lang="en-AU" dirty="0"/>
+              <a:t>Try and avoid the risk by using </a:t>
+            </a:r>
+            <a:r>
+              <a:rPr lang="en-AU" dirty="0" err="1"/>
+              <a:t>deterences</a:t>
+            </a:r>
+            <a:r>
+              <a:rPr lang="en-AU" dirty="0"/>
+              <a:t> such as policies and warnings, security cameras, guards, fences, auditing etc</a:t>
+            </a:r>
           </a:p>
           <a:p>
             <a:pPr lvl="2"/>
@@ -11426,7 +13738,7 @@
     </p:spTree>
     <p:extLst>
       <p:ext uri="{BB962C8B-B14F-4D97-AF65-F5344CB8AC3E}">
-        <p14:creationId xmlns:p14="http://schemas.microsoft.com/office/powerpoint/2010/main" val="1226848190"/>
+        <p14:creationId xmlns:p14="http://schemas.microsoft.com/office/powerpoint/2010/main" val="157533690"/>
       </p:ext>
     </p:extLst>
   </p:cSld>
@@ -11476,7 +13788,7 @@
           <a:p>
             <a:r>
               <a:rPr lang="en-AU" dirty="0"/>
-              <a:t>Risk Treatment</a:t>
+              <a:t>Risk Treatment: Part 2</a:t>
             </a:r>
           </a:p>
         </p:txBody>
@@ -11500,91 +13812,40 @@
         <p:spPr/>
         <p:txBody>
           <a:bodyPr>
-            <a:normAutofit lnSpcReduction="10000"/>
+            <a:normAutofit/>
           </a:bodyPr>
           <a:lstStyle/>
           <a:p>
             <a:pPr lvl="1"/>
             <a:r>
               <a:rPr lang="en-AU" dirty="0"/>
-              <a:t>Once risks have been identified, they can be:</a:t>
+              <a:t>Avoided</a:t>
             </a:r>
           </a:p>
           <a:p>
             <a:pPr lvl="2"/>
             <a:r>
               <a:rPr lang="en-AU" dirty="0"/>
-              <a:t>Reduced or mitigated</a:t>
-            </a:r>
-          </a:p>
-          <a:p>
-            <a:pPr lvl="3"/>
+              <a:t>Change the business so that the risk is avoided. e.g. choose a different supplier or provider</a:t>
+            </a:r>
+          </a:p>
+          <a:p>
+            <a:pPr lvl="1"/>
             <a:r>
               <a:rPr lang="en-AU" dirty="0"/>
-              <a:t>Use controls to reduce risk</a:t>
+              <a:t>Rejected or ignored</a:t>
             </a:r>
           </a:p>
           <a:p>
             <a:pPr lvl="2"/>
             <a:r>
               <a:rPr lang="en-AU" dirty="0"/>
-              <a:t>Assigned or transferred</a:t>
-            </a:r>
-          </a:p>
-          <a:p>
-            <a:pPr lvl="3"/>
-            <a:r>
-              <a:rPr lang="en-AU" dirty="0"/>
-              <a:t>Transfer to a third party such as a cloud provider </a:t>
-            </a:r>
-          </a:p>
-          <a:p>
-            <a:pPr lvl="3"/>
-            <a:r>
-              <a:rPr lang="en-AU" dirty="0"/>
-              <a:t>Use </a:t>
-            </a:r>
-            <a:r>
-              <a:rPr lang="en-AU" dirty="0" err="1"/>
-              <a:t>cyberinsurance</a:t>
-            </a:r>
+              <a:t>Don’t accept the risk as being credible (dangerous move)</a:t>
+            </a:r>
+          </a:p>
+          <a:p>
+            <a:pPr lvl="1"/>
             <a:endParaRPr lang="en-AU" dirty="0"/>
-          </a:p>
-          <a:p>
-            <a:pPr lvl="2"/>
-            <a:r>
-              <a:rPr lang="en-AU" dirty="0"/>
-              <a:t>Accepted</a:t>
-            </a:r>
-          </a:p>
-          <a:p>
-            <a:pPr lvl="3"/>
-            <a:r>
-              <a:rPr lang="en-AU" dirty="0"/>
-              <a:t>Accept the potential losses </a:t>
-            </a:r>
-          </a:p>
-          <a:p>
-            <a:pPr lvl="2"/>
-            <a:r>
-              <a:rPr lang="en-AU" dirty="0"/>
-              <a:t>Deterred</a:t>
-            </a:r>
-          </a:p>
-          <a:p>
-            <a:pPr lvl="3"/>
-            <a:r>
-              <a:rPr lang="en-AU" dirty="0"/>
-              <a:t>Try and avoid the risk by using </a:t>
-            </a:r>
-            <a:r>
-              <a:rPr lang="en-AU" dirty="0" err="1"/>
-              <a:t>detterences</a:t>
-            </a:r>
-            <a:r>
-              <a:rPr lang="en-AU" dirty="0"/>
-              <a:t> such as policies and warnings, security cameras, guards, fences, auditing etc</a:t>
-            </a:r>
           </a:p>
           <a:p>
             <a:pPr lvl="2"/>
@@ -11623,7 +13884,7 @@
     </p:spTree>
     <p:extLst>
       <p:ext uri="{BB962C8B-B14F-4D97-AF65-F5344CB8AC3E}">
-        <p14:creationId xmlns:p14="http://schemas.microsoft.com/office/powerpoint/2010/main" val="157533690"/>
+        <p14:creationId xmlns:p14="http://schemas.microsoft.com/office/powerpoint/2010/main" val="1017781788"/>
       </p:ext>
     </p:extLst>
   </p:cSld>
@@ -11673,7 +13934,7 @@
           <a:p>
             <a:r>
               <a:rPr lang="en-AU" dirty="0"/>
-              <a:t>Risk Treatment 2</a:t>
+              <a:t>Residual Risk</a:t>
             </a:r>
           </a:p>
         </p:txBody>
@@ -11697,36 +13958,40 @@
         <p:spPr/>
         <p:txBody>
           <a:bodyPr>
-            <a:normAutofit lnSpcReduction="10000"/>
+            <a:normAutofit/>
           </a:bodyPr>
           <a:lstStyle/>
           <a:p>
             <a:pPr lvl="1"/>
             <a:r>
               <a:rPr lang="en-AU" dirty="0"/>
-              <a:t>Avoided</a:t>
+              <a:t>Once a risk is treated, the remaining risk is called residual risk</a:t>
+            </a:r>
+          </a:p>
+          <a:p>
+            <a:pPr lvl="1"/>
+            <a:r>
+              <a:rPr lang="en-AU" dirty="0"/>
+              <a:t>So if total risk = threats * vulnerabilities * asset value</a:t>
+            </a:r>
+          </a:p>
+          <a:p>
+            <a:pPr lvl="1"/>
+            <a:r>
+              <a:rPr lang="en-AU" dirty="0"/>
+              <a:t>And the risk reduction from treatment is controlled risk</a:t>
+            </a:r>
+          </a:p>
+          <a:p>
+            <a:pPr lvl="1"/>
+            <a:r>
+              <a:rPr lang="en-AU" dirty="0"/>
+              <a:t>Then residual risk = total risk – controlled risk</a:t>
             </a:r>
           </a:p>
           <a:p>
             <a:pPr lvl="2"/>
-            <a:r>
-              <a:rPr lang="en-AU" dirty="0"/>
-              <a:t>Change the business so that the risk is avoided. e.g. choose a different supplier or provider</a:t>
-            </a:r>
-          </a:p>
-          <a:p>
-            <a:pPr lvl="1"/>
-            <a:r>
-              <a:rPr lang="en-AU" dirty="0"/>
-              <a:t>Rejected or ignored</a:t>
-            </a:r>
-          </a:p>
-          <a:p>
-            <a:pPr lvl="2"/>
-            <a:r>
-              <a:rPr lang="en-AU" dirty="0"/>
-              <a:t>Don’t accept the risk as being credible (dangerous move)</a:t>
-            </a:r>
+            <a:endParaRPr lang="en-AU" dirty="0"/>
           </a:p>
           <a:p>
             <a:pPr lvl="1"/>
@@ -11769,7 +14034,7 @@
     </p:spTree>
     <p:extLst>
       <p:ext uri="{BB962C8B-B14F-4D97-AF65-F5344CB8AC3E}">
-        <p14:creationId xmlns:p14="http://schemas.microsoft.com/office/powerpoint/2010/main" val="1017781788"/>
+        <p14:creationId xmlns:p14="http://schemas.microsoft.com/office/powerpoint/2010/main" val="2512431736"/>
       </p:ext>
     </p:extLst>
   </p:cSld>
@@ -11819,7 +14084,7 @@
           <a:p>
             <a:r>
               <a:rPr lang="en-AU" dirty="0"/>
-              <a:t>Residual Risk</a:t>
+              <a:t>Controls</a:t>
             </a:r>
           </a:p>
         </p:txBody>
@@ -11843,40 +14108,92 @@
         <p:spPr/>
         <p:txBody>
           <a:bodyPr>
-            <a:normAutofit lnSpcReduction="10000"/>
+            <a:normAutofit fontScale="92500" lnSpcReduction="10000"/>
           </a:bodyPr>
           <a:lstStyle/>
           <a:p>
+            <a:r>
+              <a:rPr lang="en-AU" dirty="0">
+                <a:effectLst/>
+              </a:rPr>
+              <a:t>Controls are applied to mitigate cybersecurity risk</a:t>
+            </a:r>
+          </a:p>
+          <a:p>
+            <a:r>
+              <a:rPr lang="en-AU" dirty="0">
+                <a:effectLst/>
+              </a:rPr>
+              <a:t>Types:</a:t>
+            </a:r>
+          </a:p>
+          <a:p>
             <a:pPr lvl="1"/>
             <a:r>
-              <a:rPr lang="en-AU" dirty="0"/>
-              <a:t>Once a risk is treated, the remaining risk is called residual risk</a:t>
+              <a:rPr lang="en-AU" dirty="0">
+                <a:effectLst/>
+              </a:rPr>
+              <a:t>Physical</a:t>
             </a:r>
           </a:p>
           <a:p>
             <a:pPr lvl="1"/>
             <a:r>
-              <a:rPr lang="en-AU" dirty="0"/>
-              <a:t>So if total risk = threats * vulnerabilities * asset value</a:t>
+              <a:rPr lang="en-AU" dirty="0">
+                <a:effectLst/>
+              </a:rPr>
+              <a:t>Technical</a:t>
             </a:r>
           </a:p>
           <a:p>
             <a:pPr lvl="1"/>
             <a:r>
-              <a:rPr lang="en-AU" dirty="0"/>
-              <a:t>And the risk reduction from treatment is controlled risk</a:t>
+              <a:rPr lang="en-AU" dirty="0">
+                <a:effectLst/>
+              </a:rPr>
+              <a:t>Administrative</a:t>
+            </a:r>
+          </a:p>
+          <a:p>
+            <a:r>
+              <a:rPr lang="en-AU" dirty="0">
+                <a:effectLst/>
+              </a:rPr>
+              <a:t>Functions</a:t>
             </a:r>
           </a:p>
           <a:p>
             <a:pPr lvl="1"/>
             <a:r>
-              <a:rPr lang="en-AU" dirty="0"/>
-              <a:t>Then residual risk = total risk – controlled risk</a:t>
-            </a:r>
-          </a:p>
-          <a:p>
-            <a:pPr lvl="2"/>
-            <a:endParaRPr lang="en-AU" dirty="0"/>
+              <a:rPr lang="en-AU" dirty="0">
+                <a:effectLst/>
+              </a:rPr>
+              <a:t>Preventative</a:t>
+            </a:r>
+          </a:p>
+          <a:p>
+            <a:pPr lvl="1"/>
+            <a:r>
+              <a:rPr lang="en-AU" dirty="0">
+                <a:effectLst/>
+              </a:rPr>
+              <a:t>Detective</a:t>
+            </a:r>
+          </a:p>
+          <a:p>
+            <a:pPr lvl="1"/>
+            <a:r>
+              <a:rPr lang="en-AU" dirty="0">
+                <a:effectLst/>
+              </a:rPr>
+              <a:t>Corrective</a:t>
+            </a:r>
+          </a:p>
+          <a:p>
+            <a:pPr lvl="1"/>
+            <a:endParaRPr lang="en-AU" dirty="0">
+              <a:effectLst/>
+            </a:endParaRPr>
           </a:p>
           <a:p>
             <a:pPr lvl="1"/>
@@ -11919,7 +14236,7 @@
     </p:spTree>
     <p:extLst>
       <p:ext uri="{BB962C8B-B14F-4D97-AF65-F5344CB8AC3E}">
-        <p14:creationId xmlns:p14="http://schemas.microsoft.com/office/powerpoint/2010/main" val="2512431736"/>
+        <p14:creationId xmlns:p14="http://schemas.microsoft.com/office/powerpoint/2010/main" val="914258329"/>
       </p:ext>
     </p:extLst>
   </p:cSld>
@@ -11935,7 +14252,7 @@
     <p:bg>
       <p:bgPr>
         <a:blipFill rotWithShape="1">
-          <a:blip r:embed="rId2">
+          <a:blip r:embed="rId3">
             <a:duotone>
               <a:schemeClr val="bg1">
                 <a:shade val="80000"/>
@@ -12210,7 +14527,7 @@
           </a:effectLst>
           <a:extLst>
             <a:ext uri="{91240B29-F687-4f45-9708-019B960494DF}">
-              <a14:hiddenLine xmlns:a16="http://schemas.microsoft.com/office/drawing/2014/main" xmlns:p14="http://schemas.microsoft.com/office/powerpoint/2010/main" xmlns:a14="http://schemas.microsoft.com/office/drawing/2010/main" xmlns="" w="9525">
+              <a14:hiddenLine xmlns="" xmlns:a14="http://schemas.microsoft.com/office/drawing/2010/main" xmlns:p14="http://schemas.microsoft.com/office/powerpoint/2010/main" xmlns:a16="http://schemas.microsoft.com/office/drawing/2014/main" w="9525">
                 <a:solidFill>
                   <a:srgbClr val="000000"/>
                 </a:solidFill>
@@ -12425,7 +14742,7 @@
           <p:nvPr/>
         </p:nvPicPr>
         <p:blipFill>
-          <a:blip r:embed="rId3"/>
+          <a:blip r:embed="rId4"/>
           <a:stretch>
             <a:fillRect/>
           </a:stretch>
@@ -12493,7 +14810,7 @@
           <a:p>
             <a:r>
               <a:rPr lang="en-AU" dirty="0"/>
-              <a:t>Controls</a:t>
+              <a:t>Technical Controls</a:t>
             </a:r>
           </a:p>
         </p:txBody>
@@ -12517,7 +14834,7 @@
         <p:spPr/>
         <p:txBody>
           <a:bodyPr>
-            <a:normAutofit fontScale="92500" lnSpcReduction="10000"/>
+            <a:normAutofit/>
           </a:bodyPr>
           <a:lstStyle/>
           <a:p>
@@ -12525,7 +14842,7 @@
               <a:rPr lang="en-AU" dirty="0">
                 <a:effectLst/>
               </a:rPr>
-              <a:t>Controls are applied to mitigate cybersecurity risk</a:t>
+              <a:t>Technical, or logical, controls  are the use of hardware or software to manage access provide protection to assets</a:t>
             </a:r>
           </a:p>
           <a:p>
@@ -12533,7 +14850,7 @@
               <a:rPr lang="en-AU" dirty="0">
                 <a:effectLst/>
               </a:rPr>
-              <a:t>Types:</a:t>
+              <a:t>Examples include:</a:t>
             </a:r>
           </a:p>
           <a:p>
@@ -12542,7 +14859,7 @@
               <a:rPr lang="en-AU" dirty="0">
                 <a:effectLst/>
               </a:rPr>
-              <a:t>Physical</a:t>
+              <a:t>Authentication methods</a:t>
             </a:r>
           </a:p>
           <a:p>
@@ -12551,7 +14868,7 @@
               <a:rPr lang="en-AU" dirty="0">
                 <a:effectLst/>
               </a:rPr>
-              <a:t>Technical</a:t>
+              <a:t>Encryption</a:t>
             </a:r>
           </a:p>
           <a:p>
@@ -12560,15 +14877,16 @@
               <a:rPr lang="en-AU" dirty="0">
                 <a:effectLst/>
               </a:rPr>
-              <a:t>Administrative</a:t>
-            </a:r>
-          </a:p>
-          <a:p>
+              <a:t>Anti-malware software</a:t>
+            </a:r>
+          </a:p>
+          <a:p>
+            <a:pPr lvl="1"/>
             <a:r>
               <a:rPr lang="en-AU" dirty="0">
                 <a:effectLst/>
               </a:rPr>
-              <a:t>Functions</a:t>
+              <a:t>IDPS</a:t>
             </a:r>
           </a:p>
           <a:p>
@@ -12577,25 +14895,7 @@
               <a:rPr lang="en-AU" dirty="0">
                 <a:effectLst/>
               </a:rPr>
-              <a:t>Preventative</a:t>
-            </a:r>
-          </a:p>
-          <a:p>
-            <a:pPr lvl="1"/>
-            <a:r>
-              <a:rPr lang="en-AU" dirty="0">
-                <a:effectLst/>
-              </a:rPr>
-              <a:t>Detective</a:t>
-            </a:r>
-          </a:p>
-          <a:p>
-            <a:pPr lvl="1"/>
-            <a:r>
-              <a:rPr lang="en-AU" dirty="0">
-                <a:effectLst/>
-              </a:rPr>
-              <a:t>Corrective</a:t>
+              <a:t>Firewalls</a:t>
             </a:r>
           </a:p>
           <a:p>
@@ -12645,7 +14945,7 @@
     </p:spTree>
     <p:extLst>
       <p:ext uri="{BB962C8B-B14F-4D97-AF65-F5344CB8AC3E}">
-        <p14:creationId xmlns:p14="http://schemas.microsoft.com/office/powerpoint/2010/main" val="914258329"/>
+        <p14:creationId xmlns:p14="http://schemas.microsoft.com/office/powerpoint/2010/main" val="3253933414"/>
       </p:ext>
     </p:extLst>
   </p:cSld>
@@ -12695,7 +14995,7 @@
           <a:p>
             <a:r>
               <a:rPr lang="en-AU" dirty="0"/>
-              <a:t>Technical Controls</a:t>
+              <a:t>Administrative Controls</a:t>
             </a:r>
           </a:p>
         </p:txBody>
@@ -12719,7 +15019,7 @@
         <p:spPr/>
         <p:txBody>
           <a:bodyPr>
-            <a:normAutofit fontScale="92500" lnSpcReduction="10000"/>
+            <a:normAutofit/>
           </a:bodyPr>
           <a:lstStyle/>
           <a:p>
@@ -12727,7 +15027,15 @@
               <a:rPr lang="en-AU" dirty="0">
                 <a:effectLst/>
               </a:rPr>
-              <a:t>Technical, or logical, controls  are the use of hardware or software to manage access provide protection to assets</a:t>
+              <a:t>Organisation’s policies and procedures defined by its security policies</a:t>
+            </a:r>
+          </a:p>
+          <a:p>
+            <a:r>
+              <a:rPr lang="en-AU" dirty="0">
+                <a:effectLst/>
+              </a:rPr>
+              <a:t>Focus on personnel and business practices</a:t>
             </a:r>
           </a:p>
           <a:p>
@@ -12744,7 +15052,7 @@
               <a:rPr lang="en-AU" dirty="0">
                 <a:effectLst/>
               </a:rPr>
-              <a:t>Authentication methods</a:t>
+              <a:t>Hiring practices</a:t>
             </a:r>
           </a:p>
           <a:p>
@@ -12753,7 +15061,7 @@
               <a:rPr lang="en-AU" dirty="0">
                 <a:effectLst/>
               </a:rPr>
-              <a:t>Encryption</a:t>
+              <a:t>Security screening</a:t>
             </a:r>
           </a:p>
           <a:p>
@@ -12762,7 +15070,7 @@
               <a:rPr lang="en-AU" dirty="0">
                 <a:effectLst/>
               </a:rPr>
-              <a:t>Anti-malware software</a:t>
+              <a:t>Data classification and labelling</a:t>
             </a:r>
           </a:p>
           <a:p>
@@ -12771,23 +15079,8 @@
               <a:rPr lang="en-AU" dirty="0">
                 <a:effectLst/>
               </a:rPr>
-              <a:t>IDPS</a:t>
-            </a:r>
-          </a:p>
-          <a:p>
-            <a:pPr lvl="1"/>
-            <a:r>
-              <a:rPr lang="en-AU" dirty="0">
-                <a:effectLst/>
-              </a:rPr>
-              <a:t>Firewalls</a:t>
-            </a:r>
-          </a:p>
-          <a:p>
-            <a:pPr lvl="1"/>
-            <a:endParaRPr lang="en-AU" dirty="0">
-              <a:effectLst/>
-            </a:endParaRPr>
+              <a:t>Security awareness training</a:t>
+            </a:r>
           </a:p>
           <a:p>
             <a:pPr lvl="1"/>
@@ -12830,7 +15123,7 @@
     </p:spTree>
     <p:extLst>
       <p:ext uri="{BB962C8B-B14F-4D97-AF65-F5344CB8AC3E}">
-        <p14:creationId xmlns:p14="http://schemas.microsoft.com/office/powerpoint/2010/main" val="3253933414"/>
+        <p14:creationId xmlns:p14="http://schemas.microsoft.com/office/powerpoint/2010/main" val="2427509619"/>
       </p:ext>
     </p:extLst>
   </p:cSld>
@@ -12880,7 +15173,7 @@
           <a:p>
             <a:r>
               <a:rPr lang="en-AU" dirty="0"/>
-              <a:t>Administrative Controls</a:t>
+              <a:t>Physical Controls</a:t>
             </a:r>
           </a:p>
         </p:txBody>
@@ -12904,7 +15197,7 @@
         <p:spPr/>
         <p:txBody>
           <a:bodyPr>
-            <a:normAutofit fontScale="92500" lnSpcReduction="10000"/>
+            <a:normAutofit/>
           </a:bodyPr>
           <a:lstStyle/>
           <a:p>
@@ -12912,7 +15205,7 @@
               <a:rPr lang="en-AU" dirty="0">
                 <a:effectLst/>
               </a:rPr>
-              <a:t>Organisation’s policies and procedures defined by its security policies</a:t>
+              <a:t>Physical controls that prevent, monitor or detect unauthorised access to assets </a:t>
             </a:r>
           </a:p>
           <a:p>
@@ -12920,15 +15213,16 @@
               <a:rPr lang="en-AU" dirty="0">
                 <a:effectLst/>
               </a:rPr>
-              <a:t>Focus on personnel and business practices</a:t>
-            </a:r>
-          </a:p>
-          <a:p>
+              <a:t>Examples include</a:t>
+            </a:r>
+          </a:p>
+          <a:p>
+            <a:pPr lvl="1"/>
             <a:r>
               <a:rPr lang="en-AU" dirty="0">
                 <a:effectLst/>
               </a:rPr>
-              <a:t>Examples include:</a:t>
+              <a:t>Lock systems</a:t>
             </a:r>
           </a:p>
           <a:p>
@@ -12937,7 +15231,7 @@
               <a:rPr lang="en-AU" dirty="0">
                 <a:effectLst/>
               </a:rPr>
-              <a:t>Hiring practices</a:t>
+              <a:t>CCTV </a:t>
             </a:r>
           </a:p>
           <a:p>
@@ -12946,7 +15240,7 @@
               <a:rPr lang="en-AU" dirty="0">
                 <a:effectLst/>
               </a:rPr>
-              <a:t>Security screening</a:t>
+              <a:t>Swipe cards</a:t>
             </a:r>
           </a:p>
           <a:p>
@@ -12955,7 +15249,7 @@
               <a:rPr lang="en-AU" dirty="0">
                 <a:effectLst/>
               </a:rPr>
-              <a:t>Data classification and labelling</a:t>
+              <a:t>Mantraps</a:t>
             </a:r>
           </a:p>
           <a:p>
@@ -12964,7 +15258,7 @@
               <a:rPr lang="en-AU" dirty="0">
                 <a:effectLst/>
               </a:rPr>
-              <a:t>Security awareness training</a:t>
+              <a:t>Alarms</a:t>
             </a:r>
           </a:p>
           <a:p>
@@ -13008,7 +15302,7 @@
     </p:spTree>
     <p:extLst>
       <p:ext uri="{BB962C8B-B14F-4D97-AF65-F5344CB8AC3E}">
-        <p14:creationId xmlns:p14="http://schemas.microsoft.com/office/powerpoint/2010/main" val="2427509619"/>
+        <p14:creationId xmlns:p14="http://schemas.microsoft.com/office/powerpoint/2010/main" val="3784937749"/>
       </p:ext>
     </p:extLst>
   </p:cSld>
@@ -13058,7 +15352,7 @@
           <a:p>
             <a:r>
               <a:rPr lang="en-AU" dirty="0"/>
-              <a:t>Physical Controls</a:t>
+              <a:t>Deterrent Controls</a:t>
             </a:r>
           </a:p>
         </p:txBody>
@@ -13082,76 +15376,26 @@
         <p:spPr/>
         <p:txBody>
           <a:bodyPr>
-            <a:normAutofit fontScale="92500" lnSpcReduction="10000"/>
+            <a:normAutofit/>
           </a:bodyPr>
           <a:lstStyle/>
-          <a:p>
-            <a:r>
-              <a:rPr lang="en-AU" dirty="0">
-                <a:effectLst/>
-              </a:rPr>
-              <a:t>Physical controls that prevent, monitor or detect unauthorised access to assets </a:t>
-            </a:r>
-          </a:p>
-          <a:p>
-            <a:r>
-              <a:rPr lang="en-AU" dirty="0">
-                <a:effectLst/>
-              </a:rPr>
-              <a:t>Examples include</a:t>
-            </a:r>
-          </a:p>
-          <a:p>
-            <a:pPr lvl="1"/>
-            <a:r>
-              <a:rPr lang="en-AU" dirty="0">
-                <a:effectLst/>
-              </a:rPr>
-              <a:t>Lock systems</a:t>
-            </a:r>
-          </a:p>
-          <a:p>
-            <a:pPr lvl="1"/>
-            <a:r>
-              <a:rPr lang="en-AU" dirty="0">
-                <a:effectLst/>
-              </a:rPr>
-              <a:t>CCTV </a:t>
-            </a:r>
-          </a:p>
-          <a:p>
-            <a:pPr lvl="1"/>
-            <a:r>
-              <a:rPr lang="en-AU" dirty="0">
-                <a:effectLst/>
-              </a:rPr>
-              <a:t>Swipe cards</a:t>
-            </a:r>
-          </a:p>
-          <a:p>
-            <a:pPr lvl="1"/>
-            <a:r>
-              <a:rPr lang="en-AU" dirty="0">
-                <a:effectLst/>
-              </a:rPr>
-              <a:t>Mantraps</a:t>
-            </a:r>
-          </a:p>
-          <a:p>
-            <a:pPr lvl="1"/>
-            <a:r>
-              <a:rPr lang="en-AU" dirty="0">
-                <a:effectLst/>
-              </a:rPr>
-              <a:t>Alarms</a:t>
-            </a:r>
-          </a:p>
           <a:p>
             <a:pPr lvl="1"/>
             <a:endParaRPr lang="en-AU" dirty="0"/>
           </a:p>
           <a:p>
-            <a:pPr lvl="2"/>
+            <a:r>
+              <a:rPr lang="en-AU" dirty="0"/>
+              <a:t>Discourages violation of security policies through visible warnings and consequences for violators</a:t>
+            </a:r>
+          </a:p>
+          <a:p>
+            <a:r>
+              <a:rPr lang="en-AU" dirty="0"/>
+              <a:t>Examples include ﻿security-awareness training, locks, fences, security badges, guards, mantraps, and security cameras.</a:t>
+            </a:r>
+          </a:p>
+          <a:p>
             <a:endParaRPr lang="en-AU" dirty="0"/>
           </a:p>
         </p:txBody>
@@ -13187,7 +15431,7 @@
     </p:spTree>
     <p:extLst>
       <p:ext uri="{BB962C8B-B14F-4D97-AF65-F5344CB8AC3E}">
-        <p14:creationId xmlns:p14="http://schemas.microsoft.com/office/powerpoint/2010/main" val="3784937749"/>
+        <p14:creationId xmlns:p14="http://schemas.microsoft.com/office/powerpoint/2010/main" val="2765477850"/>
       </p:ext>
     </p:extLst>
   </p:cSld>
@@ -13237,7 +15481,7 @@
           <a:p>
             <a:r>
               <a:rPr lang="en-AU" dirty="0"/>
-              <a:t>Deterrent Controls</a:t>
+              <a:t>Preventive Controls</a:t>
             </a:r>
           </a:p>
         </p:txBody>
@@ -13261,23 +15505,19 @@
         <p:spPr/>
         <p:txBody>
           <a:bodyPr>
-            <a:normAutofit fontScale="92500" lnSpcReduction="10000"/>
+            <a:normAutofit/>
           </a:bodyPr>
           <a:lstStyle/>
           <a:p>
-            <a:pPr lvl="1"/>
-            <a:endParaRPr lang="en-AU" dirty="0"/>
-          </a:p>
-          <a:p>
             <a:r>
               <a:rPr lang="en-AU" dirty="0"/>
-              <a:t>Discourages violation of security policies through visible warnings and consequences for violators</a:t>
+              <a:t>A control that aims to stop violation of security policies. Whilst similar to deterrence, preventive controls are far harder to casually violate than deterrence. </a:t>
             </a:r>
           </a:p>
           <a:p>
             <a:r>
               <a:rPr lang="en-AU" dirty="0"/>
-              <a:t>Examples include ﻿security-awareness training, locks, fences, security badges, guards, mantraps, and security cameras.</a:t>
+              <a:t>Examples include ﻿locks, biometrics, alarm systems, separation of duties, data classification, penetration testing, access-control methods, encryption, auditing, security policies, security-awareness training, anti-malware software, firewalls, and IPS</a:t>
             </a:r>
           </a:p>
           <a:p>
@@ -13316,7 +15556,7 @@
     </p:spTree>
     <p:extLst>
       <p:ext uri="{BB962C8B-B14F-4D97-AF65-F5344CB8AC3E}">
-        <p14:creationId xmlns:p14="http://schemas.microsoft.com/office/powerpoint/2010/main" val="2765477850"/>
+        <p14:creationId xmlns:p14="http://schemas.microsoft.com/office/powerpoint/2010/main" val="3726748134"/>
       </p:ext>
     </p:extLst>
   </p:cSld>
@@ -13366,7 +15606,7 @@
           <a:p>
             <a:r>
               <a:rPr lang="en-AU" dirty="0"/>
-              <a:t>Preventive Controls</a:t>
+              <a:t>Detective Controls</a:t>
             </a:r>
           </a:p>
         </p:txBody>
@@ -13390,132 +15630,7 @@
         <p:spPr/>
         <p:txBody>
           <a:bodyPr>
-            <a:normAutofit fontScale="92500" lnSpcReduction="10000"/>
-          </a:bodyPr>
-          <a:lstStyle/>
-          <a:p>
-            <a:r>
-              <a:rPr lang="en-AU" dirty="0"/>
-              <a:t>A control that aims to stop violation of security policies. Whilst similar to deterrence, preventive controls are far harder to casually violate than deterrence. </a:t>
-            </a:r>
-          </a:p>
-          <a:p>
-            <a:r>
-              <a:rPr lang="en-AU" dirty="0"/>
-              <a:t>Examples include ﻿locks, biometrics, alarm systems, separation of duties, data classification, penetration testing, access-control methods, encryption, auditing, security policies, security-awareness training, anti-malware software, firewalls, and IPS</a:t>
-            </a:r>
-          </a:p>
-          <a:p>
-            <a:endParaRPr lang="en-AU" dirty="0"/>
-          </a:p>
-        </p:txBody>
-      </p:sp>
-      <p:sp>
-        <p:nvSpPr>
-          <p:cNvPr id="4" name="Footer Placeholder 3">
-            <a:extLst>
-              <a:ext uri="{FF2B5EF4-FFF2-40B4-BE49-F238E27FC236}">
-                <a16:creationId xmlns:a16="http://schemas.microsoft.com/office/drawing/2014/main" id="{5293465A-4C2A-754E-8F5A-63A08A730A0E}"/>
-              </a:ext>
-            </a:extLst>
-          </p:cNvPr>
-          <p:cNvSpPr>
-            <a:spLocks noGrp="1"/>
-          </p:cNvSpPr>
-          <p:nvPr>
-            <p:ph type="ftr" sz="quarter" idx="11"/>
-          </p:nvPr>
-        </p:nvSpPr>
-        <p:spPr/>
-        <p:txBody>
-          <a:bodyPr/>
-          <a:lstStyle/>
-          <a:p>
-            <a:r>
-              <a:rPr lang="en-US" dirty="0"/>
-              <a:t>1 </a:t>
-            </a:r>
-          </a:p>
-        </p:txBody>
-      </p:sp>
-    </p:spTree>
-    <p:extLst>
-      <p:ext uri="{BB962C8B-B14F-4D97-AF65-F5344CB8AC3E}">
-        <p14:creationId xmlns:p14="http://schemas.microsoft.com/office/powerpoint/2010/main" val="3726748134"/>
-      </p:ext>
-    </p:extLst>
-  </p:cSld>
-  <p:clrMapOvr>
-    <a:masterClrMapping/>
-  </p:clrMapOvr>
-</p:sld>
-</file>
-
-<file path=ppt/slides/slide26.xml><?xml version="1.0" encoding="utf-8"?>
-<p:sld xmlns:a="http://schemas.openxmlformats.org/drawingml/2006/main" xmlns:r="http://schemas.openxmlformats.org/officeDocument/2006/relationships" xmlns:p="http://schemas.openxmlformats.org/presentationml/2006/main">
-  <p:cSld>
-    <p:spTree>
-      <p:nvGrpSpPr>
-        <p:cNvPr id="1" name=""/>
-        <p:cNvGrpSpPr/>
-        <p:nvPr/>
-      </p:nvGrpSpPr>
-      <p:grpSpPr>
-        <a:xfrm>
-          <a:off x="0" y="0"/>
-          <a:ext cx="0" cy="0"/>
-          <a:chOff x="0" y="0"/>
-          <a:chExt cx="0" cy="0"/>
-        </a:xfrm>
-      </p:grpSpPr>
-      <p:sp>
-        <p:nvSpPr>
-          <p:cNvPr id="2" name="Title 1">
-            <a:extLst>
-              <a:ext uri="{FF2B5EF4-FFF2-40B4-BE49-F238E27FC236}">
-                <a16:creationId xmlns:a16="http://schemas.microsoft.com/office/drawing/2014/main" id="{5C4F01C5-5333-2248-B03B-703C97F7CC69}"/>
-              </a:ext>
-            </a:extLst>
-          </p:cNvPr>
-          <p:cNvSpPr>
-            <a:spLocks noGrp="1"/>
-          </p:cNvSpPr>
-          <p:nvPr>
-            <p:ph type="title"/>
-          </p:nvPr>
-        </p:nvSpPr>
-        <p:spPr/>
-        <p:txBody>
-          <a:bodyPr/>
-          <a:lstStyle/>
-          <a:p>
-            <a:r>
-              <a:rPr lang="en-AU" dirty="0"/>
-              <a:t>Detective Controls</a:t>
-            </a:r>
-          </a:p>
-        </p:txBody>
-      </p:sp>
-      <p:sp>
-        <p:nvSpPr>
-          <p:cNvPr id="3" name="Content Placeholder 2">
-            <a:extLst>
-              <a:ext uri="{FF2B5EF4-FFF2-40B4-BE49-F238E27FC236}">
-                <a16:creationId xmlns:a16="http://schemas.microsoft.com/office/drawing/2014/main" id="{F7DD7DCB-C7E2-1B4F-BD83-3B7AF005DD76}"/>
-              </a:ext>
-            </a:extLst>
-          </p:cNvPr>
-          <p:cNvSpPr>
-            <a:spLocks noGrp="1"/>
-          </p:cNvSpPr>
-          <p:nvPr>
-            <p:ph idx="1"/>
-          </p:nvPr>
-        </p:nvSpPr>
-        <p:spPr/>
-        <p:txBody>
-          <a:bodyPr>
-            <a:normAutofit fontScale="92500" lnSpcReduction="10000"/>
+            <a:normAutofit/>
           </a:bodyPr>
           <a:lstStyle/>
           <a:p>
@@ -13577,7 +15692,7 @@
 </p:sld>
 </file>
 
-<file path=ppt/slides/slide27.xml><?xml version="1.0" encoding="utf-8"?>
+<file path=ppt/slides/slide26.xml><?xml version="1.0" encoding="utf-8"?>
 <p:sld xmlns:a="http://schemas.openxmlformats.org/drawingml/2006/main" xmlns:r="http://schemas.openxmlformats.org/officeDocument/2006/relationships" xmlns:p="http://schemas.openxmlformats.org/presentationml/2006/main">
   <p:cSld>
     <p:spTree>
@@ -14754,6 +16869,159 @@
 </p:sld>
 </file>
 
+<file path=ppt/slides/slide27.xml><?xml version="1.0" encoding="utf-8"?>
+<p:sld xmlns:a="http://schemas.openxmlformats.org/drawingml/2006/main" xmlns:r="http://schemas.openxmlformats.org/officeDocument/2006/relationships" xmlns:p="http://schemas.openxmlformats.org/presentationml/2006/main">
+  <p:cSld>
+    <p:spTree>
+      <p:nvGrpSpPr>
+        <p:cNvPr id="1" name=""/>
+        <p:cNvGrpSpPr/>
+        <p:nvPr/>
+      </p:nvGrpSpPr>
+      <p:grpSpPr>
+        <a:xfrm>
+          <a:off x="0" y="0"/>
+          <a:ext cx="0" cy="0"/>
+          <a:chOff x="0" y="0"/>
+          <a:chExt cx="0" cy="0"/>
+        </a:xfrm>
+      </p:grpSpPr>
+      <p:sp>
+        <p:nvSpPr>
+          <p:cNvPr id="2" name="Title 1">
+            <a:extLst>
+              <a:ext uri="{FF2B5EF4-FFF2-40B4-BE49-F238E27FC236}">
+                <a16:creationId xmlns:a16="http://schemas.microsoft.com/office/drawing/2014/main" id="{5C4F01C5-5333-2248-B03B-703C97F7CC69}"/>
+              </a:ext>
+            </a:extLst>
+          </p:cNvPr>
+          <p:cNvSpPr>
+            <a:spLocks noGrp="1"/>
+          </p:cNvSpPr>
+          <p:nvPr>
+            <p:ph type="title"/>
+          </p:nvPr>
+        </p:nvSpPr>
+        <p:spPr/>
+        <p:txBody>
+          <a:bodyPr/>
+          <a:lstStyle/>
+          <a:p>
+            <a:r>
+              <a:rPr lang="en-AU" dirty="0"/>
+              <a:t>Security Operations : Part 1</a:t>
+            </a:r>
+          </a:p>
+        </p:txBody>
+      </p:sp>
+      <p:sp>
+        <p:nvSpPr>
+          <p:cNvPr id="3" name="Content Placeholder 2">
+            <a:extLst>
+              <a:ext uri="{FF2B5EF4-FFF2-40B4-BE49-F238E27FC236}">
+                <a16:creationId xmlns:a16="http://schemas.microsoft.com/office/drawing/2014/main" id="{F7DD7DCB-C7E2-1B4F-BD83-3B7AF005DD76}"/>
+              </a:ext>
+            </a:extLst>
+          </p:cNvPr>
+          <p:cNvSpPr>
+            <a:spLocks noGrp="1"/>
+          </p:cNvSpPr>
+          <p:nvPr>
+            <p:ph idx="1"/>
+          </p:nvPr>
+        </p:nvSpPr>
+        <p:spPr/>
+        <p:txBody>
+          <a:bodyPr>
+            <a:normAutofit fontScale="85000" lnSpcReduction="20000"/>
+          </a:bodyPr>
+          <a:lstStyle/>
+          <a:p>
+            <a:r>
+              <a:rPr lang="en-AU" dirty="0"/>
+              <a:t>Need-to-know and Least Privilege</a:t>
+            </a:r>
+          </a:p>
+          <a:p>
+            <a:pPr lvl="1"/>
+            <a:r>
+              <a:rPr lang="en-AU" dirty="0"/>
+              <a:t>Aim is to keep secrets secret</a:t>
+            </a:r>
+          </a:p>
+          <a:p>
+            <a:pPr lvl="1"/>
+            <a:r>
+              <a:rPr lang="en-AU" dirty="0"/>
+              <a:t>Grant users and systems access  only to data and resources they need for their specific duties</a:t>
+            </a:r>
+          </a:p>
+          <a:p>
+            <a:r>
+              <a:rPr lang="en-AU" dirty="0"/>
+              <a:t>Separation of duties and responsibilities</a:t>
+            </a:r>
+          </a:p>
+          <a:p>
+            <a:pPr lvl="1"/>
+            <a:r>
+              <a:rPr lang="en-AU" dirty="0"/>
+              <a:t>Never put a single person in charge of an entire function</a:t>
+            </a:r>
+          </a:p>
+          <a:p>
+            <a:pPr lvl="1"/>
+            <a:r>
+              <a:rPr lang="en-AU" dirty="0"/>
+              <a:t>Includes putting cybersecurity responsibilities outside of IT</a:t>
+            </a:r>
+          </a:p>
+          <a:p>
+            <a:pPr lvl="1"/>
+            <a:r>
+              <a:rPr lang="en-AU" dirty="0"/>
+              <a:t>Don’t want the people implementing systems also checking them</a:t>
+            </a:r>
+          </a:p>
+          <a:p>
+            <a:r>
+              <a:rPr lang="en-AU" dirty="0"/>
+              <a:t>Two-person control, Job rotation, mandatory vacations,</a:t>
+            </a:r>
+          </a:p>
+          <a:p>
+            <a:r>
+              <a:rPr lang="en-AU" dirty="0"/>
+              <a:t>Privileged account management</a:t>
+            </a:r>
+          </a:p>
+          <a:p>
+            <a:r>
+              <a:rPr lang="en-AU" dirty="0"/>
+              <a:t>Change management</a:t>
+            </a:r>
+          </a:p>
+          <a:p>
+            <a:pPr marL="36900" indent="0">
+              <a:buNone/>
+            </a:pPr>
+            <a:endParaRPr lang="en-AU" dirty="0"/>
+          </a:p>
+        </p:txBody>
+      </p:sp>
+    </p:spTree>
+    <p:extLst>
+      <p:ext uri="{BB962C8B-B14F-4D97-AF65-F5344CB8AC3E}">
+        <p14:creationId xmlns:p14="http://schemas.microsoft.com/office/powerpoint/2010/main" val="473509380"/>
+      </p:ext>
+    </p:extLst>
+  </p:cSld>
+  <p:clrMapOvr>
+    <a:masterClrMapping/>
+  </p:clrMapOvr>
+</p:sld>
+</file>
+
 <file path=ppt/slides/slide28.xml><?xml version="1.0" encoding="utf-8"?>
 <p:sld xmlns:a="http://schemas.openxmlformats.org/drawingml/2006/main" xmlns:r="http://schemas.openxmlformats.org/officeDocument/2006/relationships" xmlns:p="http://schemas.openxmlformats.org/presentationml/2006/main">
   <p:cSld>
@@ -14794,7 +17062,7 @@
           <a:p>
             <a:r>
               <a:rPr lang="en-AU" dirty="0"/>
-              <a:t>Security Operations</a:t>
+              <a:t>Security Operations: Part 2</a:t>
             </a:r>
           </a:p>
         </p:txBody>
@@ -14815,236 +17083,101 @@
             <p:ph idx="1"/>
           </p:nvPr>
         </p:nvSpPr>
-        <p:spPr/>
-        <p:txBody>
-          <a:bodyPr>
-            <a:normAutofit fontScale="92500" lnSpcReduction="10000"/>
-          </a:bodyPr>
-          <a:lstStyle/>
-          <a:p>
-            <a:r>
-              <a:rPr lang="en-AU" dirty="0"/>
-              <a:t>Need-to-know and Least Privilege</a:t>
-            </a:r>
-          </a:p>
-          <a:p>
-            <a:pPr lvl="1"/>
-            <a:r>
-              <a:rPr lang="en-AU" dirty="0"/>
-              <a:t>Aim is to keep secrets secret</a:t>
-            </a:r>
-          </a:p>
-          <a:p>
-            <a:pPr lvl="1"/>
-            <a:r>
-              <a:rPr lang="en-AU" dirty="0"/>
-              <a:t>Grant users and systems access  only to data and resources they need for their specific duties</a:t>
-            </a:r>
-          </a:p>
-          <a:p>
-            <a:r>
-              <a:rPr lang="en-AU" dirty="0"/>
-              <a:t>Separation of duties and responsibilities</a:t>
-            </a:r>
-          </a:p>
-          <a:p>
-            <a:pPr lvl="1"/>
-            <a:r>
-              <a:rPr lang="en-AU" dirty="0"/>
-              <a:t>Never put a single person in charge of an entire function</a:t>
-            </a:r>
-          </a:p>
-          <a:p>
-            <a:pPr lvl="1"/>
-            <a:r>
-              <a:rPr lang="en-AU" dirty="0"/>
-              <a:t>Includes putting cybersecurity responsibilities outside of IT</a:t>
-            </a:r>
-          </a:p>
-          <a:p>
-            <a:pPr lvl="1"/>
-            <a:r>
-              <a:rPr lang="en-AU" dirty="0"/>
-              <a:t>Don’t want the people implementing systems also checking them</a:t>
-            </a:r>
-          </a:p>
-          <a:p>
-            <a:r>
-              <a:rPr lang="en-AU" dirty="0"/>
-              <a:t>Two-person control, Job rotation, mandatory vacations,</a:t>
-            </a:r>
-          </a:p>
-          <a:p>
-            <a:r>
-              <a:rPr lang="en-AU" dirty="0"/>
-              <a:t>Privileged account management</a:t>
-            </a:r>
-          </a:p>
-          <a:p>
-            <a:r>
-              <a:rPr lang="en-AU" dirty="0"/>
-              <a:t>Change management</a:t>
-            </a:r>
-          </a:p>
-          <a:p>
-            <a:pPr marL="36900" indent="0">
-              <a:buNone/>
-            </a:pPr>
-            <a:endParaRPr lang="en-AU" dirty="0"/>
-          </a:p>
-        </p:txBody>
-      </p:sp>
-    </p:spTree>
-    <p:extLst>
-      <p:ext uri="{BB962C8B-B14F-4D97-AF65-F5344CB8AC3E}">
-        <p14:creationId xmlns:p14="http://schemas.microsoft.com/office/powerpoint/2010/main" val="473509380"/>
-      </p:ext>
-    </p:extLst>
-  </p:cSld>
-  <p:clrMapOvr>
-    <a:masterClrMapping/>
-  </p:clrMapOvr>
-</p:sld>
-</file>
-
-<file path=ppt/slides/slide29.xml><?xml version="1.0" encoding="utf-8"?>
-<p:sld xmlns:a="http://schemas.openxmlformats.org/drawingml/2006/main" xmlns:r="http://schemas.openxmlformats.org/officeDocument/2006/relationships" xmlns:p="http://schemas.openxmlformats.org/presentationml/2006/main">
-  <p:cSld>
-    <p:spTree>
-      <p:nvGrpSpPr>
-        <p:cNvPr id="1" name=""/>
-        <p:cNvGrpSpPr/>
-        <p:nvPr/>
-      </p:nvGrpSpPr>
-      <p:grpSpPr>
-        <a:xfrm>
-          <a:off x="0" y="0"/>
-          <a:ext cx="0" cy="0"/>
-          <a:chOff x="0" y="0"/>
-          <a:chExt cx="0" cy="0"/>
-        </a:xfrm>
-      </p:grpSpPr>
-      <p:sp>
-        <p:nvSpPr>
-          <p:cNvPr id="2" name="Title 1">
-            <a:extLst>
-              <a:ext uri="{FF2B5EF4-FFF2-40B4-BE49-F238E27FC236}">
-                <a16:creationId xmlns:a16="http://schemas.microsoft.com/office/drawing/2014/main" id="{5C4F01C5-5333-2248-B03B-703C97F7CC69}"/>
-              </a:ext>
-            </a:extLst>
-          </p:cNvPr>
-          <p:cNvSpPr>
-            <a:spLocks noGrp="1"/>
-          </p:cNvSpPr>
-          <p:nvPr>
-            <p:ph type="title"/>
-          </p:nvPr>
-        </p:nvSpPr>
-        <p:spPr/>
-        <p:txBody>
-          <a:bodyPr/>
-          <a:lstStyle/>
-          <a:p>
-            <a:r>
-              <a:rPr lang="en-AU" dirty="0"/>
-              <a:t>Security Operations (continued)</a:t>
-            </a:r>
-          </a:p>
-        </p:txBody>
-      </p:sp>
-      <p:sp>
-        <p:nvSpPr>
-          <p:cNvPr id="3" name="Content Placeholder 2">
-            <a:extLst>
-              <a:ext uri="{FF2B5EF4-FFF2-40B4-BE49-F238E27FC236}">
-                <a16:creationId xmlns:a16="http://schemas.microsoft.com/office/drawing/2014/main" id="{F7DD7DCB-C7E2-1B4F-BD83-3B7AF005DD76}"/>
-              </a:ext>
-            </a:extLst>
-          </p:cNvPr>
-          <p:cNvSpPr>
-            <a:spLocks noGrp="1"/>
-          </p:cNvSpPr>
-          <p:nvPr>
-            <p:ph idx="1"/>
-          </p:nvPr>
-        </p:nvSpPr>
         <p:spPr>
           <a:xfrm>
             <a:off x="913795" y="1780162"/>
-            <a:ext cx="10353762" cy="4011037"/>
+            <a:ext cx="10353762" cy="4689218"/>
           </a:xfrm>
         </p:spPr>
         <p:txBody>
           <a:bodyPr>
-            <a:normAutofit fontScale="92500" lnSpcReduction="10000"/>
+            <a:normAutofit fontScale="92500" lnSpcReduction="20000"/>
           </a:bodyPr>
           <a:lstStyle/>
           <a:p>
             <a:r>
-              <a:rPr lang="en-AU" dirty="0"/>
-              <a:t>Two-person control, Job rotation, mandatory vacations</a:t>
+              <a:rPr lang="en-AU" b="1" dirty="0"/>
+              <a:t>Personnel security </a:t>
             </a:r>
           </a:p>
           <a:p>
             <a:pPr lvl="1"/>
             <a:r>
-              <a:rPr lang="en-AU" dirty="0"/>
-              <a:t>Two-person rule – have two signatures or authority for critical operations</a:t>
+              <a:rPr lang="en-AU" b="1" dirty="0"/>
+              <a:t>Security awareness training</a:t>
             </a:r>
           </a:p>
           <a:p>
             <a:pPr lvl="1"/>
             <a:r>
-              <a:rPr lang="en-AU" dirty="0"/>
-              <a:t>Job rotation helps prevent and detect fraud</a:t>
+              <a:rPr lang="en-AU" b="1" dirty="0"/>
+              <a:t>Mobile device management</a:t>
             </a:r>
           </a:p>
           <a:p>
             <a:pPr lvl="1"/>
             <a:r>
-              <a:rPr lang="en-AU" dirty="0"/>
-              <a:t>Mandatory vacations help detect fraud</a:t>
-            </a:r>
-          </a:p>
-          <a:p>
-            <a:r>
-              <a:rPr lang="en-AU" dirty="0"/>
-              <a:t>Privileged account management</a:t>
+              <a:rPr lang="en-AU" b="1" dirty="0"/>
+              <a:t>Working from home</a:t>
+            </a:r>
+          </a:p>
+          <a:p>
+            <a:r>
+              <a:rPr lang="en-AU" b="1" dirty="0"/>
+              <a:t>Information management lifecycle</a:t>
             </a:r>
           </a:p>
           <a:p>
             <a:pPr lvl="1"/>
             <a:r>
-              <a:rPr lang="en-AU" dirty="0"/>
-              <a:t>People with the most powerful accounts should b monitored and extra precautions put in place when they use their privileges</a:t>
-            </a:r>
-          </a:p>
-          <a:p>
-            <a:r>
-              <a:rPr lang="en-AU" dirty="0"/>
-              <a:t>Personnel security </a:t>
+              <a:rPr lang="en-AU" b="1" dirty="0"/>
+              <a:t>Creation, storage, use, archiving, destruction and purging</a:t>
+            </a:r>
+          </a:p>
+          <a:p>
+            <a:r>
+              <a:rPr lang="en-AU" b="1" dirty="0"/>
+              <a:t>Hardware and software</a:t>
             </a:r>
           </a:p>
           <a:p>
             <a:pPr lvl="1"/>
             <a:r>
-              <a:rPr lang="en-AU" dirty="0"/>
-              <a:t>Security awareness training</a:t>
+              <a:rPr lang="en-AU" b="1" dirty="0"/>
+              <a:t>Asset management</a:t>
             </a:r>
           </a:p>
           <a:p>
             <a:pPr lvl="1"/>
             <a:r>
-              <a:rPr lang="en-AU" dirty="0"/>
-              <a:t>Mobile device management</a:t>
+              <a:rPr lang="en-AU" b="1" dirty="0"/>
+              <a:t>Protection of physical assets</a:t>
             </a:r>
           </a:p>
           <a:p>
             <a:pPr lvl="1"/>
             <a:r>
-              <a:rPr lang="en-AU" dirty="0"/>
-              <a:t>Working from home</a:t>
-            </a:r>
+              <a:rPr lang="en-AU" b="1" dirty="0"/>
+              <a:t>Machine rooms: access, cooling and fire prevention</a:t>
+            </a:r>
+          </a:p>
+          <a:p>
+            <a:pPr lvl="1"/>
+            <a:r>
+              <a:rPr lang="en-AU" b="1" dirty="0"/>
+              <a:t>Virtual assets</a:t>
+            </a:r>
+          </a:p>
+          <a:p>
+            <a:pPr lvl="1"/>
+            <a:r>
+              <a:rPr lang="en-AU" b="1" dirty="0"/>
+              <a:t>Licensing and Software License Agreements</a:t>
+            </a:r>
+          </a:p>
+          <a:p>
+            <a:pPr lvl="1"/>
+            <a:endParaRPr lang="en-AU" dirty="0"/>
           </a:p>
           <a:p>
             <a:endParaRPr lang="en-AU" dirty="0"/>
@@ -15070,7 +17203,7 @@
     <p:bg>
       <p:bgPr>
         <a:blipFill rotWithShape="1">
-          <a:blip r:embed="rId2">
+          <a:blip r:embed="rId3">
             <a:duotone>
               <a:schemeClr val="bg1">
                 <a:shade val="80000"/>
@@ -15159,7 +17292,7 @@
           </p:nvPr>
         </p:nvPicPr>
         <p:blipFill rotWithShape="1">
-          <a:blip r:embed="rId3">
+          <a:blip r:embed="rId4">
             <a:extLst>
               <a:ext uri="{28A0092B-C50C-407E-A947-70E740481C1C}">
                 <a14:useLocalDpi xmlns:a14="http://schemas.microsoft.com/office/drawing/2010/main" val="0"/>
@@ -15206,7 +17339,7 @@
         </p:xfrm>
         <a:graphic>
           <a:graphicData uri="http://schemas.openxmlformats.org/drawingml/2006/diagram">
-            <dgm:relIds xmlns:dgm="http://schemas.openxmlformats.org/drawingml/2006/diagram" xmlns:r="http://schemas.openxmlformats.org/officeDocument/2006/relationships" r:dm="rId4" r:lo="rId5" r:qs="rId6" r:cs="rId7"/>
+            <dgm:relIds xmlns:dgm="http://schemas.openxmlformats.org/drawingml/2006/diagram" xmlns:r="http://schemas.openxmlformats.org/officeDocument/2006/relationships" r:dm="rId5" r:lo="rId6" r:qs="rId7" r:cs="rId8"/>
           </a:graphicData>
         </a:graphic>
       </p:graphicFrame>
@@ -15214,149 +17347,6 @@
     <p:extLst>
       <p:ext uri="{BB962C8B-B14F-4D97-AF65-F5344CB8AC3E}">
         <p14:creationId xmlns:p14="http://schemas.microsoft.com/office/powerpoint/2010/main" val="3530010058"/>
-      </p:ext>
-    </p:extLst>
-  </p:cSld>
-  <p:clrMapOvr>
-    <a:masterClrMapping/>
-  </p:clrMapOvr>
-</p:sld>
-</file>
-
-<file path=ppt/slides/slide30.xml><?xml version="1.0" encoding="utf-8"?>
-<p:sld xmlns:a="http://schemas.openxmlformats.org/drawingml/2006/main" xmlns:r="http://schemas.openxmlformats.org/officeDocument/2006/relationships" xmlns:p="http://schemas.openxmlformats.org/presentationml/2006/main">
-  <p:cSld>
-    <p:spTree>
-      <p:nvGrpSpPr>
-        <p:cNvPr id="1" name=""/>
-        <p:cNvGrpSpPr/>
-        <p:nvPr/>
-      </p:nvGrpSpPr>
-      <p:grpSpPr>
-        <a:xfrm>
-          <a:off x="0" y="0"/>
-          <a:ext cx="0" cy="0"/>
-          <a:chOff x="0" y="0"/>
-          <a:chExt cx="0" cy="0"/>
-        </a:xfrm>
-      </p:grpSpPr>
-      <p:sp>
-        <p:nvSpPr>
-          <p:cNvPr id="2" name="Title 1">
-            <a:extLst>
-              <a:ext uri="{FF2B5EF4-FFF2-40B4-BE49-F238E27FC236}">
-                <a16:creationId xmlns:a16="http://schemas.microsoft.com/office/drawing/2014/main" id="{5C4F01C5-5333-2248-B03B-703C97F7CC69}"/>
-              </a:ext>
-            </a:extLst>
-          </p:cNvPr>
-          <p:cNvSpPr>
-            <a:spLocks noGrp="1"/>
-          </p:cNvSpPr>
-          <p:nvPr>
-            <p:ph type="title"/>
-          </p:nvPr>
-        </p:nvSpPr>
-        <p:spPr/>
-        <p:txBody>
-          <a:bodyPr/>
-          <a:lstStyle/>
-          <a:p>
-            <a:r>
-              <a:rPr lang="en-AU" dirty="0"/>
-              <a:t>Security Operations (continued)</a:t>
-            </a:r>
-          </a:p>
-        </p:txBody>
-      </p:sp>
-      <p:sp>
-        <p:nvSpPr>
-          <p:cNvPr id="3" name="Content Placeholder 2">
-            <a:extLst>
-              <a:ext uri="{FF2B5EF4-FFF2-40B4-BE49-F238E27FC236}">
-                <a16:creationId xmlns:a16="http://schemas.microsoft.com/office/drawing/2014/main" id="{F7DD7DCB-C7E2-1B4F-BD83-3B7AF005DD76}"/>
-              </a:ext>
-            </a:extLst>
-          </p:cNvPr>
-          <p:cNvSpPr>
-            <a:spLocks noGrp="1"/>
-          </p:cNvSpPr>
-          <p:nvPr>
-            <p:ph idx="1"/>
-          </p:nvPr>
-        </p:nvSpPr>
-        <p:spPr/>
-        <p:txBody>
-          <a:bodyPr>
-            <a:normAutofit fontScale="92500" lnSpcReduction="10000"/>
-          </a:bodyPr>
-          <a:lstStyle/>
-          <a:p>
-            <a:r>
-              <a:rPr lang="en-AU" dirty="0"/>
-              <a:t>Information management lifecycle</a:t>
-            </a:r>
-          </a:p>
-          <a:p>
-            <a:pPr lvl="1"/>
-            <a:r>
-              <a:rPr lang="en-AU" dirty="0"/>
-              <a:t>Creation, storage, use, archiving, destruction and purging</a:t>
-            </a:r>
-          </a:p>
-          <a:p>
-            <a:r>
-              <a:rPr lang="en-AU" dirty="0"/>
-              <a:t>Hardware and software</a:t>
-            </a:r>
-          </a:p>
-          <a:p>
-            <a:pPr lvl="1"/>
-            <a:r>
-              <a:rPr lang="en-AU" dirty="0"/>
-              <a:t>Asset management</a:t>
-            </a:r>
-          </a:p>
-          <a:p>
-            <a:pPr lvl="1"/>
-            <a:r>
-              <a:rPr lang="en-AU" dirty="0"/>
-              <a:t>Protection of physical assets</a:t>
-            </a:r>
-          </a:p>
-          <a:p>
-            <a:pPr lvl="1"/>
-            <a:r>
-              <a:rPr lang="en-AU" dirty="0"/>
-              <a:t>Machine rooms: access, cooling and fire prevention</a:t>
-            </a:r>
-          </a:p>
-          <a:p>
-            <a:pPr lvl="1"/>
-            <a:r>
-              <a:rPr lang="en-AU" dirty="0"/>
-              <a:t>Virtual assets</a:t>
-            </a:r>
-          </a:p>
-          <a:p>
-            <a:pPr lvl="1"/>
-            <a:r>
-              <a:rPr lang="en-AU" dirty="0"/>
-              <a:t>Licensing and Software License Agreements</a:t>
-            </a:r>
-          </a:p>
-          <a:p>
-            <a:pPr lvl="1"/>
-            <a:endParaRPr lang="en-AU" dirty="0"/>
-          </a:p>
-          <a:p>
-            <a:endParaRPr lang="en-AU" dirty="0"/>
-          </a:p>
-        </p:txBody>
-      </p:sp>
-    </p:spTree>
-    <p:extLst>
-      <p:ext uri="{BB962C8B-B14F-4D97-AF65-F5344CB8AC3E}">
-        <p14:creationId xmlns:p14="http://schemas.microsoft.com/office/powerpoint/2010/main" val="3915347"/>
       </p:ext>
     </p:extLst>
   </p:cSld>
@@ -16011,7 +18001,7 @@
     <p:bg>
       <p:bgPr>
         <a:blipFill rotWithShape="1">
-          <a:blip r:embed="rId2">
+          <a:blip r:embed="rId3">
             <a:duotone>
               <a:schemeClr val="bg1">
                 <a:shade val="80000"/>
@@ -16286,7 +18276,7 @@
           </a:effectLst>
           <a:extLst>
             <a:ext uri="{91240B29-F687-4f45-9708-019B960494DF}">
-              <a14:hiddenLine xmlns="" xmlns:a14="http://schemas.microsoft.com/office/drawing/2010/main" xmlns:p14="http://schemas.microsoft.com/office/powerpoint/2010/main" xmlns:a16="http://schemas.microsoft.com/office/drawing/2014/main" w="9525">
+              <a14:hiddenLine xmlns:a16="http://schemas.microsoft.com/office/drawing/2014/main" xmlns:p14="http://schemas.microsoft.com/office/powerpoint/2010/main" xmlns:a14="http://schemas.microsoft.com/office/drawing/2010/main" xmlns="" w="9525">
                 <a:solidFill>
                   <a:srgbClr val="000000"/>
                 </a:solidFill>
@@ -16379,7 +18369,7 @@
             </a:r>
             <a:r>
               <a:rPr lang="en-US" sz="1600" dirty="0">
-                <a:hlinkClick r:id="rId3"/>
+                <a:hlinkClick r:id="rId4"/>
               </a:rPr>
               <a:t>https://www.oecd.org/sti/ieconomy/digital-security-risk-management.htm</a:t>
             </a:r>
@@ -16414,7 +18404,7 @@
           <p:nvPr/>
         </p:nvPicPr>
         <p:blipFill>
-          <a:blip r:embed="rId4"/>
+          <a:blip r:embed="rId5"/>
           <a:stretch>
             <a:fillRect/>
           </a:stretch>
@@ -16489,6 +18479,25 @@
 <file path=ppt/slides/slide9.xml><?xml version="1.0" encoding="utf-8"?>
 <p:sld xmlns:a="http://schemas.openxmlformats.org/drawingml/2006/main" xmlns:r="http://schemas.openxmlformats.org/officeDocument/2006/relationships" xmlns:p="http://schemas.openxmlformats.org/presentationml/2006/main">
   <p:cSld>
+    <p:bg>
+      <p:bgPr>
+        <a:blipFill rotWithShape="1">
+          <a:blip r:embed="rId3">
+            <a:duotone>
+              <a:schemeClr val="bg1">
+                <a:shade val="80000"/>
+                <a:lumMod val="80000"/>
+              </a:schemeClr>
+              <a:schemeClr val="bg1">
+                <a:tint val="98000"/>
+              </a:schemeClr>
+            </a:duotone>
+          </a:blip>
+          <a:stretch/>
+        </a:blipFill>
+        <a:effectLst/>
+      </p:bgPr>
+    </p:bg>
     <p:spTree>
       <p:nvGrpSpPr>
         <p:cNvPr id="1" name=""/>
@@ -16503,6 +18512,66 @@
           <a:chExt cx="0" cy="0"/>
         </a:xfrm>
       </p:grpSpPr>
+      <p:sp useBgFill="1">
+        <p:nvSpPr>
+          <p:cNvPr id="10" name="Rectangle 9">
+            <a:extLst>
+              <a:ext uri="{FF2B5EF4-FFF2-40B4-BE49-F238E27FC236}">
+                <a16:creationId xmlns:a16="http://schemas.microsoft.com/office/drawing/2014/main" id="{1E70A317-DCED-4E80-AA2D-467D8702E5CB}"/>
+              </a:ext>
+              <a:ext uri="{C183D7F6-B498-43B3-948B-1728B52AA6E4}">
+                <adec:decorative xmlns:adec="http://schemas.microsoft.com/office/drawing/2017/decorative" val="1"/>
+              </a:ext>
+            </a:extLst>
+          </p:cNvPr>
+          <p:cNvSpPr>
+            <a:spLocks noGrp="1" noRot="1" noChangeAspect="1" noMove="1" noResize="1" noEditPoints="1" noAdjustHandles="1" noChangeArrowheads="1" noChangeShapeType="1" noTextEdit="1"/>
+          </p:cNvSpPr>
+          <p:nvPr>
+            <p:extLst>
+              <p:ext uri="{386F3935-93C4-4BCD-93E2-E3B085C9AB24}">
+                <p16:designElem xmlns:p16="http://schemas.microsoft.com/office/powerpoint/2015/main" val="1"/>
+              </p:ext>
+            </p:extLst>
+          </p:nvPr>
+        </p:nvSpPr>
+        <p:spPr>
+          <a:xfrm>
+            <a:off x="0" y="0"/>
+            <a:ext cx="12192000" cy="6858000"/>
+          </a:xfrm>
+          <a:prstGeom prst="rect">
+            <a:avLst/>
+          </a:prstGeom>
+          <a:ln>
+            <a:noFill/>
+          </a:ln>
+        </p:spPr>
+        <p:style>
+          <a:lnRef idx="2">
+            <a:schemeClr val="accent1">
+              <a:shade val="50000"/>
+            </a:schemeClr>
+          </a:lnRef>
+          <a:fillRef idx="1">
+            <a:schemeClr val="accent1"/>
+          </a:fillRef>
+          <a:effectRef idx="0">
+            <a:schemeClr val="accent1"/>
+          </a:effectRef>
+          <a:fontRef idx="minor">
+            <a:schemeClr val="lt1"/>
+          </a:fontRef>
+        </p:style>
+        <p:txBody>
+          <a:bodyPr rtlCol="0" anchor="ctr"/>
+          <a:lstStyle/>
+          <a:p>
+            <a:pPr algn="ctr"/>
+            <a:endParaRPr lang="en-US"/>
+          </a:p>
+        </p:txBody>
+      </p:sp>
       <p:sp>
         <p:nvSpPr>
           <p:cNvPr id="2" name="Title 1">
@@ -16519,110 +18588,125 @@
             <p:ph type="title"/>
           </p:nvPr>
         </p:nvSpPr>
-        <p:spPr/>
-        <p:txBody>
-          <a:bodyPr/>
-          <a:lstStyle/>
-          <a:p>
-            <a:r>
-              <a:rPr lang="en-AU" dirty="0"/>
-              <a:t>The Bald Tire</a:t>
-            </a:r>
-          </a:p>
-        </p:txBody>
-      </p:sp>
-      <p:sp>
-        <p:nvSpPr>
-          <p:cNvPr id="3" name="Content Placeholder 2">
+        <p:spPr>
+          <a:xfrm>
+            <a:off x="861791" y="835383"/>
+            <a:ext cx="3382832" cy="3499549"/>
+          </a:xfrm>
+        </p:spPr>
+        <p:txBody>
+          <a:bodyPr vert="horz" lIns="91440" tIns="45720" rIns="91440" bIns="45720" rtlCol="0" anchor="b">
+            <a:normAutofit/>
+          </a:bodyPr>
+          <a:lstStyle/>
+          <a:p>
+            <a:pPr algn="l"/>
+            <a:r>
+              <a:rPr lang="en-US" sz="4200"/>
+              <a:t>Assessing Risk</a:t>
+            </a:r>
+          </a:p>
+        </p:txBody>
+      </p:sp>
+      <p:sp>
+        <p:nvSpPr>
+          <p:cNvPr id="12" name="Rectangle 11">
             <a:extLst>
               <a:ext uri="{FF2B5EF4-FFF2-40B4-BE49-F238E27FC236}">
-                <a16:creationId xmlns:a16="http://schemas.microsoft.com/office/drawing/2014/main" id="{C29FA815-F1A1-E848-8BE0-A481039CE411}"/>
+                <a16:creationId xmlns:a16="http://schemas.microsoft.com/office/drawing/2014/main" id="{A6D87845-294F-40CB-BC48-46455460D292}"/>
+              </a:ext>
+              <a:ext uri="{C183D7F6-B498-43B3-948B-1728B52AA6E4}">
+                <adec:decorative xmlns:adec="http://schemas.microsoft.com/office/drawing/2017/decorative" val="1"/>
               </a:ext>
             </a:extLst>
           </p:cNvPr>
           <p:cNvSpPr>
-            <a:spLocks noGrp="1"/>
-          </p:cNvSpPr>
+            <a:spLocks noGrp="1" noRot="1" noChangeAspect="1" noMove="1" noResize="1" noEditPoints="1" noAdjustHandles="1" noChangeArrowheads="1" noChangeShapeType="1" noTextEdit="1"/>
+          </p:cNvSpPr>
+          <p:nvPr>
+            <p:extLst>
+              <p:ext uri="{386F3935-93C4-4BCD-93E2-E3B085C9AB24}">
+                <p16:designElem xmlns:p16="http://schemas.microsoft.com/office/powerpoint/2015/main" val="1"/>
+              </p:ext>
+            </p:extLst>
+          </p:nvPr>
+        </p:nvSpPr>
+        <p:spPr>
+          <a:xfrm>
+            <a:off x="4655671" y="0"/>
+            <a:ext cx="7536329" cy="6858000"/>
+          </a:xfrm>
+          <a:prstGeom prst="rect">
+            <a:avLst/>
+          </a:prstGeom>
+          <a:solidFill>
+            <a:schemeClr val="tx1"/>
+          </a:solidFill>
+          <a:ln>
+            <a:noFill/>
+          </a:ln>
+        </p:spPr>
+        <p:style>
+          <a:lnRef idx="2">
+            <a:schemeClr val="accent1">
+              <a:shade val="50000"/>
+            </a:schemeClr>
+          </a:lnRef>
+          <a:fillRef idx="1">
+            <a:schemeClr val="accent1"/>
+          </a:fillRef>
+          <a:effectRef idx="0">
+            <a:schemeClr val="accent1"/>
+          </a:effectRef>
+          <a:fontRef idx="minor">
+            <a:schemeClr val="lt1"/>
+          </a:fontRef>
+        </p:style>
+        <p:txBody>
+          <a:bodyPr rtlCol="0" anchor="ctr"/>
+          <a:lstStyle/>
+          <a:p>
+            <a:pPr algn="ctr"/>
+            <a:endParaRPr lang="en-US"/>
+          </a:p>
+        </p:txBody>
+      </p:sp>
+      <p:pic>
+        <p:nvPicPr>
+          <p:cNvPr id="5" name="Content Placeholder 4" descr="Diagram, schematic&#10;&#10;Description automatically generated">
+            <a:extLst>
+              <a:ext uri="{FF2B5EF4-FFF2-40B4-BE49-F238E27FC236}">
+                <a16:creationId xmlns:a16="http://schemas.microsoft.com/office/drawing/2014/main" id="{7D612C41-4192-094D-81D8-AB2147801D6F}"/>
+              </a:ext>
+            </a:extLst>
+          </p:cNvPr>
+          <p:cNvPicPr>
+            <a:picLocks noGrp="1" noChangeAspect="1"/>
+          </p:cNvPicPr>
           <p:nvPr>
             <p:ph idx="1"/>
           </p:nvPr>
-        </p:nvSpPr>
-        <p:spPr/>
-        <p:txBody>
-          <a:bodyPr>
-            <a:normAutofit/>
-          </a:bodyPr>
-          <a:lstStyle/>
-          <a:p>
-            <a:pPr marL="907200" lvl="1" indent="-457200">
-              <a:buFont typeface="+mj-lt"/>
-              <a:buAutoNum type="arabicPeriod"/>
-            </a:pPr>
-            <a:r>
-              <a:rPr lang="en-AU" dirty="0"/>
-              <a:t>﻿Picture in your mind a bald car tire. Imagine that it is so bald you can hardly tell that it ever had tread. How much risk is there? </a:t>
-            </a:r>
-          </a:p>
-          <a:p>
-            <a:pPr marL="907200" lvl="1" indent="-457200">
-              <a:buFont typeface="+mj-lt"/>
-              <a:buAutoNum type="arabicPeriod"/>
-            </a:pPr>
-            <a:r>
-              <a:rPr lang="en-AU" dirty="0"/>
-              <a:t>Next, imagine that the bald tire is tied to a rope hanging from a tree branch. Now how much risk is there? </a:t>
-            </a:r>
-          </a:p>
-          <a:p>
-            <a:pPr marL="907200" lvl="1" indent="-457200">
-              <a:buFont typeface="+mj-lt"/>
-              <a:buAutoNum type="arabicPeriod"/>
-            </a:pPr>
-            <a:r>
-              <a:rPr lang="en-AU" dirty="0"/>
-              <a:t>Next, imagine that the rope is frayed about halfway through, just below where it’s tied to the tree branch. How much risk is there? </a:t>
-            </a:r>
-          </a:p>
-          <a:p>
-            <a:pPr marL="907200" lvl="1" indent="-457200">
-              <a:buFont typeface="+mj-lt"/>
-              <a:buAutoNum type="arabicPeriod"/>
-            </a:pPr>
-            <a:r>
-              <a:rPr lang="en-AU" dirty="0"/>
-              <a:t>Finally, imagine that the tire swing is suspended over an 80-foot cliff—with sharp rocks below. How much risk is there? </a:t>
-            </a:r>
-          </a:p>
-          <a:p>
-            <a:pPr lvl="1"/>
-            <a:r>
-              <a:rPr lang="en-AU" dirty="0"/>
-              <a:t>Now, identify the following components within the scenario. What was the: • Threat, • Vulnerability, and Risk</a:t>
-            </a:r>
-          </a:p>
-          <a:p>
-            <a:pPr lvl="1"/>
-            <a:endParaRPr lang="en-AU" dirty="0"/>
-          </a:p>
-          <a:p>
-            <a:pPr lvl="1"/>
-            <a:r>
-              <a:rPr lang="en-AU" dirty="0"/>
-              <a:t>Freund, Jack; Jones, Jack. Measuring and Managing Information Risk (p. 2). Elsevier Science. Kindle Edition.</a:t>
-            </a:r>
-            <a:endParaRPr lang="en-AU" dirty="0">
-              <a:effectLst/>
-            </a:endParaRPr>
-          </a:p>
-          <a:p>
-            <a:endParaRPr lang="en-AU" sz="2000" dirty="0"/>
-          </a:p>
-        </p:txBody>
-      </p:sp>
+        </p:nvPicPr>
+        <p:blipFill>
+          <a:blip r:embed="rId4"/>
+          <a:stretch>
+            <a:fillRect/>
+          </a:stretch>
+        </p:blipFill>
+        <p:spPr>
+          <a:xfrm>
+            <a:off x="4938630" y="702365"/>
+            <a:ext cx="6960571" cy="5446644"/>
+          </a:xfrm>
+          <a:prstGeom prst="rect">
+            <a:avLst/>
+          </a:prstGeom>
+        </p:spPr>
+      </p:pic>
     </p:spTree>
     <p:extLst>
       <p:ext uri="{BB962C8B-B14F-4D97-AF65-F5344CB8AC3E}">
-        <p14:creationId xmlns:p14="http://schemas.microsoft.com/office/powerpoint/2010/main" val="1091461147"/>
+        <p14:creationId xmlns:p14="http://schemas.microsoft.com/office/powerpoint/2010/main" val="1959519970"/>
       </p:ext>
     </p:extLst>
   </p:cSld>
